--- a/docs/app-content.pptx
+++ b/docs/app-content.pptx
@@ -5,10 +5,10 @@
     <p:sldMasterId id="2147493455" r:id="rId4"/>
   </p:sldMasterIdLst>
   <p:notesMasterIdLst>
-    <p:notesMasterId r:id="rId15"/>
+    <p:notesMasterId r:id="rId16"/>
   </p:notesMasterIdLst>
   <p:handoutMasterIdLst>
-    <p:handoutMasterId r:id="rId16"/>
+    <p:handoutMasterId r:id="rId17"/>
   </p:handoutMasterIdLst>
   <p:sldIdLst>
     <p:sldId id="465" r:id="rId5"/>
@@ -21,6 +21,7 @@
     <p:sldId id="462" r:id="rId12"/>
     <p:sldId id="463" r:id="rId13"/>
     <p:sldId id="464" r:id="rId14"/>
+    <p:sldId id="466" r:id="rId15"/>
   </p:sldIdLst>
   <p:sldSz cx="9144000" cy="5143500" type="screen16x9"/>
   <p:notesSz cx="6858000" cy="9144000"/>
@@ -145,6 +146,7 @@
             <p14:sldId id="462"/>
             <p14:sldId id="463"/>
             <p14:sldId id="464"/>
+            <p14:sldId id="466"/>
           </p14:sldIdLst>
         </p14:section>
       </p14:sectionLst>
@@ -244,7 +246,7 @@
           <a:p>
             <a:fld id="{C1F639CD-02BA-E14F-BB05-54A9501A84F3}" type="datetimeFigureOut">
               <a:rPr lang="en-US" smtClean="0"/>
-              <a:t>2/27/16</a:t>
+              <a:t>3/8/16</a:t>
             </a:fld>
             <a:endParaRPr lang="en-US"/>
           </a:p>
@@ -409,7 +411,7 @@
           <a:p>
             <a:fld id="{7B47E9F9-6557-4923-BE10-1C342566E3EE}" type="datetimeFigureOut">
               <a:rPr lang="en-US" smtClean="0"/>
-              <a:t>2/27/16</a:t>
+              <a:t>3/8/16</a:t>
             </a:fld>
             <a:endParaRPr lang="en-US"/>
           </a:p>
@@ -1641,6 +1643,191 @@
         <p14:creationId xmlns:p14="http://schemas.microsoft.com/office/powerpoint/2010/main" val="1375042971"/>
       </p:ext>
     </p:extLst>
+  </p:cSld>
+  <p:clrMapOvr>
+    <a:masterClrMapping/>
+  </p:clrMapOvr>
+</p:notes>
+</file>
+
+<file path=ppt/notesSlides/notesSlide8.xml><?xml version="1.0" encoding="utf-8"?>
+<p:notes xmlns:a="http://schemas.openxmlformats.org/drawingml/2006/main" xmlns:r="http://schemas.openxmlformats.org/officeDocument/2006/relationships" xmlns:p="http://schemas.openxmlformats.org/presentationml/2006/main" showMasterSp="0" showMasterPhAnim="0">
+  <p:cSld>
+    <p:spTree>
+      <p:nvGrpSpPr>
+        <p:cNvPr id="1" name="Shape 1168"/>
+        <p:cNvGrpSpPr/>
+        <p:nvPr/>
+      </p:nvGrpSpPr>
+      <p:grpSpPr>
+        <a:xfrm>
+          <a:off x="0" y="0"/>
+          <a:ext cx="0" cy="0"/>
+          <a:chOff x="0" y="0"/>
+          <a:chExt cx="0" cy="0"/>
+        </a:xfrm>
+      </p:grpSpPr>
+      <p:sp>
+        <p:nvSpPr>
+          <p:cNvPr id="1169" name="Shape 1169"/>
+          <p:cNvSpPr>
+            <a:spLocks noGrp="1" noRot="1" noChangeAspect="1"/>
+          </p:cNvSpPr>
+          <p:nvPr>
+            <p:ph type="sldImg" idx="2"/>
+          </p:nvPr>
+        </p:nvSpPr>
+        <p:spPr>
+          <a:xfrm>
+            <a:off x="381000" y="684213"/>
+            <a:ext cx="6096000" cy="3429000"/>
+          </a:xfrm>
+          <a:custGeom>
+            <a:avLst/>
+            <a:gdLst/>
+            <a:ahLst/>
+            <a:cxnLst/>
+            <a:rect l="0" t="0" r="0" b="0"/>
+            <a:pathLst>
+              <a:path w="120000" h="120000" extrusionOk="0">
+                <a:moveTo>
+                  <a:pt x="0" y="0"/>
+                </a:moveTo>
+                <a:lnTo>
+                  <a:pt x="120000" y="0"/>
+                </a:lnTo>
+                <a:lnTo>
+                  <a:pt x="120000" y="120000"/>
+                </a:lnTo>
+                <a:lnTo>
+                  <a:pt x="0" y="120000"/>
+                </a:lnTo>
+                <a:close/>
+              </a:path>
+            </a:pathLst>
+          </a:custGeom>
+          <a:noFill/>
+          <a:ln w="12700" cap="flat" cmpd="sng">
+            <a:solidFill>
+              <a:srgbClr val="000000"/>
+            </a:solidFill>
+            <a:prstDash val="solid"/>
+            <a:round/>
+            <a:headEnd type="none" w="med" len="med"/>
+            <a:tailEnd type="none" w="med" len="med"/>
+          </a:ln>
+        </p:spPr>
+      </p:sp>
+      <p:sp>
+        <p:nvSpPr>
+          <p:cNvPr id="1170" name="Shape 1170"/>
+          <p:cNvSpPr txBox="1">
+            <a:spLocks noGrp="1"/>
+          </p:cNvSpPr>
+          <p:nvPr>
+            <p:ph type="body" idx="1"/>
+          </p:nvPr>
+        </p:nvSpPr>
+        <p:spPr>
+          <a:xfrm>
+            <a:off x="295170" y="2972430"/>
+            <a:ext cx="6267600" cy="5793600"/>
+          </a:xfrm>
+          <a:prstGeom prst="rect">
+            <a:avLst/>
+          </a:prstGeom>
+          <a:noFill/>
+          <a:ln>
+            <a:noFill/>
+          </a:ln>
+        </p:spPr>
+        <p:txBody>
+          <a:bodyPr lIns="0" tIns="0" rIns="0" bIns="0" anchor="t" anchorCtr="0">
+            <a:noAutofit/>
+          </a:bodyPr>
+          <a:lstStyle/>
+          <a:p>
+            <a:pPr marL="0" marR="0" lvl="0" indent="0" algn="l" rtl="0">
+              <a:spcBef>
+                <a:spcPts val="0"/>
+              </a:spcBef>
+              <a:buSzPct val="25000"/>
+              <a:buNone/>
+            </a:pPr>
+            <a:endParaRPr sz="2000" b="0" i="0" u="none" strike="noStrike" cap="none">
+              <a:solidFill>
+                <a:schemeClr val="dk1"/>
+              </a:solidFill>
+              <a:latin typeface="Arial"/>
+              <a:ea typeface="Arial"/>
+              <a:cs typeface="Arial"/>
+              <a:sym typeface="Arial"/>
+            </a:endParaRPr>
+          </a:p>
+        </p:txBody>
+      </p:sp>
+      <p:sp>
+        <p:nvSpPr>
+          <p:cNvPr id="1171" name="Shape 1171"/>
+          <p:cNvSpPr txBox="1">
+            <a:spLocks noGrp="1"/>
+          </p:cNvSpPr>
+          <p:nvPr>
+            <p:ph type="sldNum" idx="12"/>
+          </p:nvPr>
+        </p:nvSpPr>
+        <p:spPr>
+          <a:xfrm>
+            <a:off x="3884853" y="8685863"/>
+            <a:ext cx="2971499" cy="456599"/>
+          </a:xfrm>
+          <a:prstGeom prst="rect">
+            <a:avLst/>
+          </a:prstGeom>
+          <a:noFill/>
+          <a:ln>
+            <a:noFill/>
+          </a:ln>
+        </p:spPr>
+        <p:txBody>
+          <a:bodyPr lIns="89825" tIns="44900" rIns="89825" bIns="44900" anchor="t" anchorCtr="0">
+            <a:noAutofit/>
+          </a:bodyPr>
+          <a:lstStyle/>
+          <a:p>
+            <a:pPr marL="0" marR="0" lvl="0" indent="0" algn="l" rtl="0">
+              <a:lnSpc>
+                <a:spcPct val="100000"/>
+              </a:lnSpc>
+              <a:spcBef>
+                <a:spcPts val="0"/>
+              </a:spcBef>
+              <a:spcAft>
+                <a:spcPts val="0"/>
+              </a:spcAft>
+              <a:buClr>
+                <a:srgbClr val="000000"/>
+              </a:buClr>
+              <a:buSzPct val="25000"/>
+              <a:buFont typeface="Arial"/>
+              <a:buNone/>
+            </a:pPr>
+            <a:r>
+              <a:rPr lang="en-US" sz="1800" b="0" i="0" u="none" strike="noStrike" cap="none">
+                <a:solidFill>
+                  <a:srgbClr val="000000"/>
+                </a:solidFill>
+                <a:latin typeface="Arial"/>
+                <a:ea typeface="Arial"/>
+                <a:cs typeface="Arial"/>
+                <a:sym typeface="Arial"/>
+              </a:rPr>
+              <a:t> </a:t>
+            </a:r>
+          </a:p>
+        </p:txBody>
+      </p:sp>
+    </p:spTree>
   </p:cSld>
   <p:clrMapOvr>
     <a:masterClrMapping/>
@@ -9312,6 +9499,5452 @@
       </p:par>
     </p:tnLst>
   </p:timing>
+</p:sld>
+</file>
+
+<file path=ppt/slides/slide11.xml><?xml version="1.0" encoding="utf-8"?>
+<p:sld xmlns:a="http://schemas.openxmlformats.org/drawingml/2006/main" xmlns:r="http://schemas.openxmlformats.org/officeDocument/2006/relationships" xmlns:p="http://schemas.openxmlformats.org/presentationml/2006/main">
+  <p:cSld>
+    <p:spTree>
+      <p:nvGrpSpPr>
+        <p:cNvPr id="1" name="Shape 1172"/>
+        <p:cNvGrpSpPr/>
+        <p:nvPr/>
+      </p:nvGrpSpPr>
+      <p:grpSpPr>
+        <a:xfrm>
+          <a:off x="0" y="0"/>
+          <a:ext cx="0" cy="0"/>
+          <a:chOff x="0" y="0"/>
+          <a:chExt cx="0" cy="0"/>
+        </a:xfrm>
+      </p:grpSpPr>
+      <p:sp>
+        <p:nvSpPr>
+          <p:cNvPr id="67" name="Shape 1208"/>
+          <p:cNvSpPr/>
+          <p:nvPr/>
+        </p:nvSpPr>
+        <p:spPr>
+          <a:xfrm>
+            <a:off x="7089216" y="3891844"/>
+            <a:ext cx="1641238" cy="620739"/>
+          </a:xfrm>
+          <a:prstGeom prst="rect">
+            <a:avLst/>
+          </a:prstGeom>
+          <a:solidFill>
+            <a:schemeClr val="lt1"/>
+          </a:solidFill>
+          <a:ln w="9525" cap="flat" cmpd="sng">
+            <a:solidFill>
+              <a:schemeClr val="dk1"/>
+            </a:solidFill>
+            <a:prstDash val="solid"/>
+            <a:round/>
+            <a:headEnd type="none" w="med" len="med"/>
+            <a:tailEnd type="none" w="med" len="med"/>
+          </a:ln>
+        </p:spPr>
+        <p:txBody>
+          <a:bodyPr lIns="91425" tIns="45700" rIns="91425" bIns="45700" anchor="b" anchorCtr="0">
+            <a:noAutofit/>
+          </a:bodyPr>
+          <a:lstStyle/>
+          <a:p>
+            <a:pPr lvl="0" algn="ctr">
+              <a:buClr>
+                <a:srgbClr val="000000"/>
+              </a:buClr>
+            </a:pPr>
+            <a:r>
+              <a:rPr lang="en-US" sz="1100" dirty="0" smtClean="0">
+                <a:solidFill>
+                  <a:schemeClr val="dk1"/>
+                </a:solidFill>
+              </a:rPr>
+              <a:t>User Provided Service</a:t>
+            </a:r>
+            <a:endParaRPr sz="1600" b="0" i="0" u="none" strike="noStrike" cap="none" dirty="0">
+              <a:solidFill>
+                <a:schemeClr val="dk1"/>
+              </a:solidFill>
+              <a:latin typeface="Arial"/>
+              <a:ea typeface="Arial"/>
+              <a:cs typeface="Arial"/>
+              <a:sym typeface="Arial"/>
+            </a:endParaRPr>
+          </a:p>
+        </p:txBody>
+      </p:sp>
+      <p:sp>
+        <p:nvSpPr>
+          <p:cNvPr id="1173" name="Shape 1173"/>
+          <p:cNvSpPr txBox="1">
+            <a:spLocks noGrp="1"/>
+          </p:cNvSpPr>
+          <p:nvPr>
+            <p:ph type="title"/>
+          </p:nvPr>
+        </p:nvSpPr>
+        <p:spPr>
+          <a:prstGeom prst="rect">
+            <a:avLst/>
+          </a:prstGeom>
+          <a:noFill/>
+          <a:ln>
+            <a:noFill/>
+          </a:ln>
+        </p:spPr>
+        <p:txBody>
+          <a:bodyPr lIns="0" tIns="0" rIns="0" bIns="0" anchor="t" anchorCtr="0">
+            <a:noAutofit/>
+          </a:bodyPr>
+          <a:lstStyle/>
+          <a:p>
+            <a:pPr marL="0" marR="0" lvl="0" indent="0" algn="l" rtl="0">
+              <a:lnSpc>
+                <a:spcPct val="90000"/>
+              </a:lnSpc>
+              <a:spcBef>
+                <a:spcPts val="0"/>
+              </a:spcBef>
+              <a:spcAft>
+                <a:spcPts val="0"/>
+              </a:spcAft>
+              <a:buClr>
+                <a:srgbClr val="00685D"/>
+              </a:buClr>
+              <a:buSzPct val="25000"/>
+              <a:buFont typeface="Arial"/>
+              <a:buNone/>
+            </a:pPr>
+            <a:r>
+              <a:rPr lang="en-US" sz="2800" b="0" i="0" u="none" strike="noStrike" cap="none" dirty="0">
+                <a:solidFill>
+                  <a:srgbClr val="00685D"/>
+                </a:solidFill>
+                <a:latin typeface="Arial"/>
+                <a:ea typeface="Arial"/>
+                <a:cs typeface="Arial"/>
+                <a:sym typeface="Arial"/>
+              </a:rPr>
+              <a:t>Pivotal Cloud Foundry </a:t>
+            </a:r>
+            <a:r>
+              <a:rPr lang="en-US" sz="2800" b="0" i="0" u="none" strike="noStrike" cap="none" dirty="0" smtClean="0">
+                <a:solidFill>
+                  <a:srgbClr val="00685D"/>
+                </a:solidFill>
+                <a:latin typeface="Arial"/>
+                <a:ea typeface="Arial"/>
+                <a:cs typeface="Arial"/>
+                <a:sym typeface="Arial"/>
+              </a:rPr>
+              <a:t>Architecture Recap</a:t>
+            </a:r>
+            <a:endParaRPr lang="en-US" sz="2800" b="0" i="0" u="none" strike="noStrike" cap="none" dirty="0">
+              <a:solidFill>
+                <a:srgbClr val="00685D"/>
+              </a:solidFill>
+              <a:latin typeface="Arial"/>
+              <a:ea typeface="Arial"/>
+              <a:cs typeface="Arial"/>
+              <a:sym typeface="Arial"/>
+            </a:endParaRPr>
+          </a:p>
+        </p:txBody>
+      </p:sp>
+      <p:sp>
+        <p:nvSpPr>
+          <p:cNvPr id="3" name="Text Placeholder 2"/>
+          <p:cNvSpPr>
+            <a:spLocks noGrp="1"/>
+          </p:cNvSpPr>
+          <p:nvPr>
+            <p:ph type="body" sz="quarter" idx="10"/>
+          </p:nvPr>
+        </p:nvSpPr>
+        <p:spPr/>
+        <p:txBody>
+          <a:bodyPr/>
+          <a:lstStyle/>
+          <a:p>
+            <a:endParaRPr lang="en-US"/>
+          </a:p>
+        </p:txBody>
+      </p:sp>
+      <p:grpSp>
+        <p:nvGrpSpPr>
+          <p:cNvPr id="1174" name="Shape 1174"/>
+          <p:cNvGrpSpPr/>
+          <p:nvPr/>
+        </p:nvGrpSpPr>
+        <p:grpSpPr>
+          <a:xfrm>
+            <a:off x="575965" y="980939"/>
+            <a:ext cx="3645377" cy="920860"/>
+            <a:chOff x="1092200" y="1176869"/>
+            <a:chExt cx="1744199" cy="920860"/>
+          </a:xfrm>
+        </p:grpSpPr>
+        <p:sp>
+          <p:nvSpPr>
+            <p:cNvPr id="1175" name="Shape 1175"/>
+            <p:cNvSpPr/>
+            <p:nvPr/>
+          </p:nvSpPr>
+          <p:spPr>
+            <a:xfrm>
+              <a:off x="1092200" y="1176869"/>
+              <a:ext cx="1744199" cy="897599"/>
+            </a:xfrm>
+            <a:prstGeom prst="rect">
+              <a:avLst/>
+            </a:prstGeom>
+            <a:solidFill>
+              <a:schemeClr val="lt1"/>
+            </a:solidFill>
+            <a:ln w="9525" cap="flat" cmpd="sng">
+              <a:solidFill>
+                <a:schemeClr val="dk1"/>
+              </a:solidFill>
+              <a:prstDash val="solid"/>
+              <a:round/>
+              <a:headEnd type="none" w="med" len="med"/>
+              <a:tailEnd type="none" w="med" len="med"/>
+            </a:ln>
+          </p:spPr>
+          <p:txBody>
+            <a:bodyPr lIns="91425" tIns="45700" rIns="91425" bIns="45700" anchor="ctr" anchorCtr="0">
+              <a:noAutofit/>
+            </a:bodyPr>
+            <a:lstStyle/>
+            <a:p>
+              <a:pPr marL="0" marR="0" lvl="0" indent="0" algn="ctr" rtl="0">
+                <a:lnSpc>
+                  <a:spcPct val="100000"/>
+                </a:lnSpc>
+                <a:spcBef>
+                  <a:spcPts val="0"/>
+                </a:spcBef>
+                <a:spcAft>
+                  <a:spcPts val="0"/>
+                </a:spcAft>
+                <a:buClr>
+                  <a:srgbClr val="000000"/>
+                </a:buClr>
+                <a:buFont typeface="Arial"/>
+                <a:buNone/>
+              </a:pPr>
+              <a:endParaRPr sz="1800" b="0" i="0" u="none" strike="noStrike" cap="none">
+                <a:solidFill>
+                  <a:schemeClr val="dk1"/>
+                </a:solidFill>
+                <a:latin typeface="Arial"/>
+                <a:ea typeface="Arial"/>
+                <a:cs typeface="Arial"/>
+                <a:sym typeface="Arial"/>
+              </a:endParaRPr>
+            </a:p>
+          </p:txBody>
+        </p:sp>
+        <p:grpSp>
+          <p:nvGrpSpPr>
+            <p:cNvPr id="1176" name="Shape 1176"/>
+            <p:cNvGrpSpPr/>
+            <p:nvPr/>
+          </p:nvGrpSpPr>
+          <p:grpSpPr>
+            <a:xfrm>
+              <a:off x="1163919" y="1239446"/>
+              <a:ext cx="1621566" cy="568433"/>
+              <a:chOff x="5481921" y="2721113"/>
+              <a:chExt cx="1621566" cy="568433"/>
+            </a:xfrm>
+          </p:grpSpPr>
+          <p:sp>
+            <p:nvSpPr>
+              <p:cNvPr id="1177" name="Shape 1177"/>
+              <p:cNvSpPr/>
+              <p:nvPr/>
+            </p:nvSpPr>
+            <p:spPr>
+              <a:xfrm>
+                <a:off x="5481921" y="2721113"/>
+                <a:ext cx="1613099" cy="272100"/>
+              </a:xfrm>
+              <a:prstGeom prst="roundRect">
+                <a:avLst>
+                  <a:gd name="adj" fmla="val 17740"/>
+                </a:avLst>
+              </a:prstGeom>
+              <a:solidFill>
+                <a:srgbClr val="33928A"/>
+              </a:solidFill>
+              <a:ln>
+                <a:noFill/>
+              </a:ln>
+            </p:spPr>
+            <p:txBody>
+              <a:bodyPr lIns="91425" tIns="0" rIns="91425" bIns="0" anchor="ctr" anchorCtr="0">
+                <a:noAutofit/>
+              </a:bodyPr>
+              <a:lstStyle/>
+              <a:p>
+                <a:pPr marL="0" marR="0" lvl="0" indent="0" algn="l" rtl="0">
+                  <a:lnSpc>
+                    <a:spcPct val="100000"/>
+                  </a:lnSpc>
+                  <a:spcBef>
+                    <a:spcPts val="0"/>
+                  </a:spcBef>
+                  <a:spcAft>
+                    <a:spcPts val="0"/>
+                  </a:spcAft>
+                  <a:buClr>
+                    <a:srgbClr val="F2F2F2"/>
+                  </a:buClr>
+                  <a:buSzPct val="25000"/>
+                  <a:buFont typeface="Calibri"/>
+                  <a:buNone/>
+                </a:pPr>
+                <a:r>
+                  <a:rPr lang="en-US" sz="1200" b="0" i="0" u="none" strike="noStrike" cap="none">
+                    <a:solidFill>
+                      <a:srgbClr val="F2F2F2"/>
+                    </a:solidFill>
+                    <a:latin typeface="Calibri"/>
+                    <a:ea typeface="Calibri"/>
+                    <a:cs typeface="Calibri"/>
+                    <a:sym typeface="Calibri"/>
+                  </a:rPr>
+                  <a:t>Ops Manager UI</a:t>
+                </a:r>
+              </a:p>
+            </p:txBody>
+          </p:sp>
+          <p:sp>
+            <p:nvSpPr>
+              <p:cNvPr id="1178" name="Shape 1178"/>
+              <p:cNvSpPr/>
+              <p:nvPr/>
+            </p:nvSpPr>
+            <p:spPr>
+              <a:xfrm>
+                <a:off x="5490387" y="3017446"/>
+                <a:ext cx="1613099" cy="272100"/>
+              </a:xfrm>
+              <a:prstGeom prst="roundRect">
+                <a:avLst>
+                  <a:gd name="adj" fmla="val 17740"/>
+                </a:avLst>
+              </a:prstGeom>
+              <a:solidFill>
+                <a:srgbClr val="33928A"/>
+              </a:solidFill>
+              <a:ln>
+                <a:noFill/>
+              </a:ln>
+            </p:spPr>
+            <p:txBody>
+              <a:bodyPr lIns="91425" tIns="0" rIns="91425" bIns="0" anchor="ctr" anchorCtr="0">
+                <a:noAutofit/>
+              </a:bodyPr>
+              <a:lstStyle/>
+              <a:p>
+                <a:pPr marL="0" marR="0" lvl="0" indent="0" algn="l" rtl="0">
+                  <a:lnSpc>
+                    <a:spcPct val="100000"/>
+                  </a:lnSpc>
+                  <a:spcBef>
+                    <a:spcPts val="0"/>
+                  </a:spcBef>
+                  <a:spcAft>
+                    <a:spcPts val="0"/>
+                  </a:spcAft>
+                  <a:buClr>
+                    <a:srgbClr val="F2F2F2"/>
+                  </a:buClr>
+                  <a:buSzPct val="25000"/>
+                  <a:buFont typeface="Calibri"/>
+                  <a:buNone/>
+                </a:pPr>
+                <a:r>
+                  <a:rPr lang="en-US" sz="1200" b="0" i="0" u="none" strike="noStrike" cap="none">
+                    <a:solidFill>
+                      <a:srgbClr val="F2F2F2"/>
+                    </a:solidFill>
+                    <a:latin typeface="Calibri"/>
+                    <a:ea typeface="Calibri"/>
+                    <a:cs typeface="Calibri"/>
+                    <a:sym typeface="Calibri"/>
+                  </a:rPr>
+                  <a:t>Ops Manager Director</a:t>
+                </a:r>
+              </a:p>
+            </p:txBody>
+          </p:sp>
+          <p:sp>
+            <p:nvSpPr>
+              <p:cNvPr id="1179" name="Shape 1179"/>
+              <p:cNvSpPr/>
+              <p:nvPr/>
+            </p:nvSpPr>
+            <p:spPr>
+              <a:xfrm rot="-2700000">
+                <a:off x="6900111" y="2774853"/>
+                <a:ext cx="100974" cy="148068"/>
+              </a:xfrm>
+              <a:custGeom>
+                <a:avLst/>
+                <a:gdLst/>
+                <a:ahLst/>
+                <a:cxnLst/>
+                <a:rect l="0" t="0" r="0" b="0"/>
+                <a:pathLst>
+                  <a:path w="120000" h="120000" extrusionOk="0">
+                    <a:moveTo>
+                      <a:pt x="18701" y="0"/>
+                    </a:moveTo>
+                    <a:cubicBezTo>
+                      <a:pt x="27010" y="0"/>
+                      <a:pt x="34235" y="12740"/>
+                      <a:pt x="37662" y="31892"/>
+                    </a:cubicBezTo>
+                    <a:lnTo>
+                      <a:pt x="82337" y="31892"/>
+                    </a:lnTo>
+                    <a:cubicBezTo>
+                      <a:pt x="85765" y="12740"/>
+                      <a:pt x="92989" y="0"/>
+                      <a:pt x="101298" y="0"/>
+                    </a:cubicBezTo>
+                    <a:cubicBezTo>
+                      <a:pt x="109439" y="0"/>
+                      <a:pt x="116540" y="12234"/>
+                      <a:pt x="120000" y="30839"/>
+                    </a:cubicBezTo>
+                    <a:lnTo>
+                      <a:pt x="101879" y="30839"/>
+                    </a:lnTo>
+                    <a:lnTo>
+                      <a:pt x="96571" y="60000"/>
+                    </a:lnTo>
+                    <a:lnTo>
+                      <a:pt x="101879" y="89160"/>
+                    </a:lnTo>
+                    <a:lnTo>
+                      <a:pt x="120000" y="89160"/>
+                    </a:lnTo>
+                    <a:cubicBezTo>
+                      <a:pt x="116540" y="107765"/>
+                      <a:pt x="109439" y="120000"/>
+                      <a:pt x="101298" y="120000"/>
+                    </a:cubicBezTo>
+                    <a:cubicBezTo>
+                      <a:pt x="92989" y="120000"/>
+                      <a:pt x="85765" y="107259"/>
+                      <a:pt x="82337" y="88107"/>
+                    </a:cubicBezTo>
+                    <a:lnTo>
+                      <a:pt x="37662" y="88107"/>
+                    </a:lnTo>
+                    <a:cubicBezTo>
+                      <a:pt x="34235" y="107259"/>
+                      <a:pt x="27010" y="120000"/>
+                      <a:pt x="18701" y="120000"/>
+                    </a:cubicBezTo>
+                    <a:cubicBezTo>
+                      <a:pt x="10560" y="120000"/>
+                      <a:pt x="3459" y="107765"/>
+                      <a:pt x="0" y="89160"/>
+                    </a:cubicBezTo>
+                    <a:lnTo>
+                      <a:pt x="18120" y="89160"/>
+                    </a:lnTo>
+                    <a:lnTo>
+                      <a:pt x="23428" y="60000"/>
+                    </a:lnTo>
+                    <a:lnTo>
+                      <a:pt x="18120" y="30839"/>
+                    </a:lnTo>
+                    <a:lnTo>
+                      <a:pt x="0" y="30839"/>
+                    </a:lnTo>
+                    <a:cubicBezTo>
+                      <a:pt x="3459" y="12234"/>
+                      <a:pt x="10560" y="0"/>
+                      <a:pt x="18701" y="0"/>
+                    </a:cubicBezTo>
+                    <a:close/>
+                  </a:path>
+                </a:pathLst>
+              </a:custGeom>
+              <a:solidFill>
+                <a:schemeClr val="lt1"/>
+              </a:solidFill>
+              <a:ln>
+                <a:noFill/>
+              </a:ln>
+            </p:spPr>
+            <p:txBody>
+              <a:bodyPr lIns="91425" tIns="45700" rIns="91425" bIns="45700" anchor="ctr" anchorCtr="0">
+                <a:noAutofit/>
+              </a:bodyPr>
+              <a:lstStyle/>
+              <a:p>
+                <a:pPr marL="0" marR="0" lvl="0" indent="0" algn="ctr" rtl="0">
+                  <a:lnSpc>
+                    <a:spcPct val="80000"/>
+                  </a:lnSpc>
+                  <a:spcBef>
+                    <a:spcPts val="0"/>
+                  </a:spcBef>
+                  <a:spcAft>
+                    <a:spcPts val="0"/>
+                  </a:spcAft>
+                  <a:buClr>
+                    <a:srgbClr val="000000"/>
+                  </a:buClr>
+                  <a:buFont typeface="Arial"/>
+                  <a:buNone/>
+                </a:pPr>
+                <a:endParaRPr sz="300" b="0" i="0" u="none" strike="noStrike" cap="none">
+                  <a:solidFill>
+                    <a:schemeClr val="lt1"/>
+                  </a:solidFill>
+                  <a:latin typeface="Arial"/>
+                  <a:ea typeface="Arial"/>
+                  <a:cs typeface="Arial"/>
+                  <a:sym typeface="Arial"/>
+                </a:endParaRPr>
+              </a:p>
+            </p:txBody>
+          </p:sp>
+        </p:grpSp>
+        <p:sp>
+          <p:nvSpPr>
+            <p:cNvPr id="1180" name="Shape 1180"/>
+            <p:cNvSpPr txBox="1"/>
+            <p:nvPr/>
+          </p:nvSpPr>
+          <p:spPr>
+            <a:xfrm>
+              <a:off x="1097423" y="1820830"/>
+              <a:ext cx="1714043" cy="276899"/>
+            </a:xfrm>
+            <a:prstGeom prst="rect">
+              <a:avLst/>
+            </a:prstGeom>
+            <a:noFill/>
+            <a:ln>
+              <a:noFill/>
+            </a:ln>
+          </p:spPr>
+          <p:txBody>
+            <a:bodyPr lIns="91425" tIns="45700" rIns="91425" bIns="45700" anchor="t" anchorCtr="0">
+              <a:noAutofit/>
+            </a:bodyPr>
+            <a:lstStyle/>
+            <a:p>
+              <a:pPr marL="0" marR="0" lvl="0" indent="0" algn="ctr" rtl="0">
+                <a:lnSpc>
+                  <a:spcPct val="90000"/>
+                </a:lnSpc>
+                <a:spcBef>
+                  <a:spcPts val="0"/>
+                </a:spcBef>
+                <a:spcAft>
+                  <a:spcPts val="0"/>
+                </a:spcAft>
+                <a:buClr>
+                  <a:schemeClr val="dk1"/>
+                </a:buClr>
+                <a:buSzPct val="25000"/>
+                <a:buFont typeface="Arial"/>
+                <a:buNone/>
+              </a:pPr>
+              <a:r>
+                <a:rPr lang="en-US" sz="1100" b="1" i="0" u="none" strike="noStrike" cap="none" dirty="0">
+                  <a:solidFill>
+                    <a:schemeClr val="dk1"/>
+                  </a:solidFill>
+                  <a:latin typeface="Arial"/>
+                  <a:ea typeface="Arial"/>
+                  <a:cs typeface="Arial"/>
+                  <a:sym typeface="Arial"/>
+                </a:rPr>
+                <a:t>Operations Manager – Infrastructure Automation</a:t>
+              </a:r>
+            </a:p>
+          </p:txBody>
+        </p:sp>
+      </p:grpSp>
+      <p:sp>
+        <p:nvSpPr>
+          <p:cNvPr id="1181" name="Shape 1181"/>
+          <p:cNvSpPr/>
+          <p:nvPr/>
+        </p:nvSpPr>
+        <p:spPr>
+          <a:xfrm>
+            <a:off x="5303121" y="980939"/>
+            <a:ext cx="3378299" cy="2626770"/>
+          </a:xfrm>
+          <a:prstGeom prst="rect">
+            <a:avLst/>
+          </a:prstGeom>
+          <a:solidFill>
+            <a:schemeClr val="lt1"/>
+          </a:solidFill>
+          <a:ln w="9525" cap="flat" cmpd="sng">
+            <a:solidFill>
+              <a:schemeClr val="dk1"/>
+            </a:solidFill>
+            <a:prstDash val="solid"/>
+            <a:round/>
+            <a:headEnd type="none" w="med" len="med"/>
+            <a:tailEnd type="none" w="med" len="med"/>
+          </a:ln>
+        </p:spPr>
+        <p:txBody>
+          <a:bodyPr lIns="91425" tIns="45700" rIns="91425" bIns="45700" anchor="ctr" anchorCtr="0">
+            <a:noAutofit/>
+          </a:bodyPr>
+          <a:lstStyle/>
+          <a:p>
+            <a:pPr marL="0" marR="0" lvl="0" indent="0" algn="ctr" rtl="0">
+              <a:lnSpc>
+                <a:spcPct val="100000"/>
+              </a:lnSpc>
+              <a:spcBef>
+                <a:spcPts val="0"/>
+              </a:spcBef>
+              <a:spcAft>
+                <a:spcPts val="0"/>
+              </a:spcAft>
+              <a:buClr>
+                <a:srgbClr val="000000"/>
+              </a:buClr>
+              <a:buFont typeface="Arial"/>
+              <a:buNone/>
+            </a:pPr>
+            <a:endParaRPr sz="1800" b="0" i="0" u="none" strike="noStrike" cap="none">
+              <a:solidFill>
+                <a:schemeClr val="dk1"/>
+              </a:solidFill>
+              <a:latin typeface="Arial"/>
+              <a:ea typeface="Arial"/>
+              <a:cs typeface="Arial"/>
+              <a:sym typeface="Arial"/>
+            </a:endParaRPr>
+          </a:p>
+        </p:txBody>
+      </p:sp>
+      <p:sp>
+        <p:nvSpPr>
+          <p:cNvPr id="1182" name="Shape 1182"/>
+          <p:cNvSpPr/>
+          <p:nvPr/>
+        </p:nvSpPr>
+        <p:spPr>
+          <a:xfrm>
+            <a:off x="7017378" y="3052678"/>
+            <a:ext cx="1611899" cy="272699"/>
+          </a:xfrm>
+          <a:prstGeom prst="roundRect">
+            <a:avLst>
+              <a:gd name="adj" fmla="val 9038"/>
+            </a:avLst>
+          </a:prstGeom>
+          <a:solidFill>
+            <a:srgbClr val="33928A"/>
+          </a:solidFill>
+          <a:ln>
+            <a:noFill/>
+          </a:ln>
+        </p:spPr>
+        <p:txBody>
+          <a:bodyPr lIns="91425" tIns="0" rIns="91425" bIns="0" anchor="ctr" anchorCtr="0">
+            <a:noAutofit/>
+          </a:bodyPr>
+          <a:lstStyle/>
+          <a:p>
+            <a:pPr marL="0" marR="0" lvl="0" indent="0" algn="l" rtl="0">
+              <a:lnSpc>
+                <a:spcPct val="100000"/>
+              </a:lnSpc>
+              <a:spcBef>
+                <a:spcPts val="0"/>
+              </a:spcBef>
+              <a:spcAft>
+                <a:spcPts val="0"/>
+              </a:spcAft>
+              <a:buClr>
+                <a:srgbClr val="F2F2F2"/>
+              </a:buClr>
+              <a:buSzPct val="25000"/>
+              <a:buFont typeface="Calibri"/>
+              <a:buNone/>
+            </a:pPr>
+            <a:r>
+              <a:rPr lang="en-US" sz="1200" b="0" i="0" u="none" strike="noStrike" cap="none">
+                <a:solidFill>
+                  <a:srgbClr val="F2F2F2"/>
+                </a:solidFill>
+                <a:latin typeface="Calibri"/>
+                <a:ea typeface="Calibri"/>
+                <a:cs typeface="Calibri"/>
+                <a:sym typeface="Calibri"/>
+              </a:rPr>
+              <a:t>App Log Aggregator</a:t>
+            </a:r>
+          </a:p>
+        </p:txBody>
+      </p:sp>
+      <p:sp>
+        <p:nvSpPr>
+          <p:cNvPr id="1183" name="Shape 1183"/>
+          <p:cNvSpPr/>
+          <p:nvPr/>
+        </p:nvSpPr>
+        <p:spPr>
+          <a:xfrm>
+            <a:off x="7000443" y="1698276"/>
+            <a:ext cx="1611899" cy="272699"/>
+          </a:xfrm>
+          <a:prstGeom prst="roundRect">
+            <a:avLst>
+              <a:gd name="adj" fmla="val 9038"/>
+            </a:avLst>
+          </a:prstGeom>
+          <a:solidFill>
+            <a:srgbClr val="33928A"/>
+          </a:solidFill>
+          <a:ln>
+            <a:noFill/>
+          </a:ln>
+        </p:spPr>
+        <p:txBody>
+          <a:bodyPr lIns="91425" tIns="0" rIns="91425" bIns="0" anchor="ctr" anchorCtr="0">
+            <a:noAutofit/>
+          </a:bodyPr>
+          <a:lstStyle/>
+          <a:p>
+            <a:pPr marL="0" marR="0" lvl="0" indent="0" algn="l" rtl="0">
+              <a:lnSpc>
+                <a:spcPct val="100000"/>
+              </a:lnSpc>
+              <a:spcBef>
+                <a:spcPts val="0"/>
+              </a:spcBef>
+              <a:spcAft>
+                <a:spcPts val="0"/>
+              </a:spcAft>
+              <a:buClr>
+                <a:srgbClr val="F2F2F2"/>
+              </a:buClr>
+              <a:buSzPct val="25000"/>
+              <a:buFont typeface="Calibri"/>
+              <a:buNone/>
+            </a:pPr>
+            <a:r>
+              <a:rPr lang="en-US" sz="1200" b="0" i="0" u="none" strike="noStrike" cap="none">
+                <a:solidFill>
+                  <a:srgbClr val="F2F2F2"/>
+                </a:solidFill>
+                <a:latin typeface="Calibri"/>
+                <a:ea typeface="Calibri"/>
+                <a:cs typeface="Calibri"/>
+                <a:sym typeface="Calibri"/>
+              </a:rPr>
+              <a:t>Login Server</a:t>
+            </a:r>
+          </a:p>
+        </p:txBody>
+      </p:sp>
+      <p:sp>
+        <p:nvSpPr>
+          <p:cNvPr id="1184" name="Shape 1184"/>
+          <p:cNvSpPr/>
+          <p:nvPr/>
+        </p:nvSpPr>
+        <p:spPr>
+          <a:xfrm>
+            <a:off x="5357910" y="1104075"/>
+            <a:ext cx="3263100" cy="272100"/>
+          </a:xfrm>
+          <a:prstGeom prst="roundRect">
+            <a:avLst>
+              <a:gd name="adj" fmla="val 17740"/>
+            </a:avLst>
+          </a:prstGeom>
+          <a:solidFill>
+            <a:srgbClr val="33928A"/>
+          </a:solidFill>
+          <a:ln>
+            <a:noFill/>
+          </a:ln>
+        </p:spPr>
+        <p:txBody>
+          <a:bodyPr lIns="91425" tIns="0" rIns="91425" bIns="0" anchor="ctr" anchorCtr="0">
+            <a:noAutofit/>
+          </a:bodyPr>
+          <a:lstStyle/>
+          <a:p>
+            <a:pPr marL="0" marR="0" lvl="0" indent="0" algn="ctr" rtl="0">
+              <a:lnSpc>
+                <a:spcPct val="100000"/>
+              </a:lnSpc>
+              <a:spcBef>
+                <a:spcPts val="0"/>
+              </a:spcBef>
+              <a:spcAft>
+                <a:spcPts val="0"/>
+              </a:spcAft>
+              <a:buClr>
+                <a:srgbClr val="F2F2F2"/>
+              </a:buClr>
+              <a:buSzPct val="25000"/>
+              <a:buFont typeface="Calibri"/>
+              <a:buNone/>
+            </a:pPr>
+            <a:r>
+              <a:rPr lang="en-US" sz="1200" b="0" i="0" u="none" strike="noStrike" cap="none">
+                <a:solidFill>
+                  <a:srgbClr val="F2F2F2"/>
+                </a:solidFill>
+                <a:latin typeface="Calibri"/>
+                <a:ea typeface="Calibri"/>
+                <a:cs typeface="Calibri"/>
+                <a:sym typeface="Calibri"/>
+              </a:rPr>
+              <a:t>Dynamic Router</a:t>
+            </a:r>
+          </a:p>
+        </p:txBody>
+      </p:sp>
+      <p:sp>
+        <p:nvSpPr>
+          <p:cNvPr id="1185" name="Shape 1185"/>
+          <p:cNvSpPr/>
+          <p:nvPr/>
+        </p:nvSpPr>
+        <p:spPr>
+          <a:xfrm>
+            <a:off x="8314235" y="1141693"/>
+            <a:ext cx="196499" cy="196499"/>
+          </a:xfrm>
+          <a:custGeom>
+            <a:avLst/>
+            <a:gdLst/>
+            <a:ahLst/>
+            <a:cxnLst/>
+            <a:rect l="0" t="0" r="0" b="0"/>
+            <a:pathLst>
+              <a:path w="120000" h="120000" extrusionOk="0">
+                <a:moveTo>
+                  <a:pt x="52669" y="69893"/>
+                </a:moveTo>
+                <a:lnTo>
+                  <a:pt x="52669" y="92828"/>
+                </a:lnTo>
+                <a:lnTo>
+                  <a:pt x="41041" y="92828"/>
+                </a:lnTo>
+                <a:lnTo>
+                  <a:pt x="60000" y="117431"/>
+                </a:lnTo>
+                <a:lnTo>
+                  <a:pt x="78958" y="92828"/>
+                </a:lnTo>
+                <a:lnTo>
+                  <a:pt x="67330" y="92828"/>
+                </a:lnTo>
+                <a:lnTo>
+                  <a:pt x="67330" y="69893"/>
+                </a:lnTo>
+                <a:close/>
+                <a:moveTo>
+                  <a:pt x="90877" y="41041"/>
+                </a:moveTo>
+                <a:lnTo>
+                  <a:pt x="66274" y="60000"/>
+                </a:lnTo>
+                <a:lnTo>
+                  <a:pt x="90877" y="78958"/>
+                </a:lnTo>
+                <a:lnTo>
+                  <a:pt x="90877" y="67330"/>
+                </a:lnTo>
+                <a:lnTo>
+                  <a:pt x="113812" y="67330"/>
+                </a:lnTo>
+                <a:lnTo>
+                  <a:pt x="113812" y="52669"/>
+                </a:lnTo>
+                <a:lnTo>
+                  <a:pt x="90877" y="52669"/>
+                </a:lnTo>
+                <a:close/>
+                <a:moveTo>
+                  <a:pt x="29122" y="41041"/>
+                </a:moveTo>
+                <a:lnTo>
+                  <a:pt x="29122" y="52669"/>
+                </a:lnTo>
+                <a:lnTo>
+                  <a:pt x="6187" y="52669"/>
+                </a:lnTo>
+                <a:lnTo>
+                  <a:pt x="6187" y="67330"/>
+                </a:lnTo>
+                <a:lnTo>
+                  <a:pt x="29122" y="67330"/>
+                </a:lnTo>
+                <a:lnTo>
+                  <a:pt x="29122" y="78958"/>
+                </a:lnTo>
+                <a:lnTo>
+                  <a:pt x="53724" y="60000"/>
+                </a:lnTo>
+                <a:close/>
+                <a:moveTo>
+                  <a:pt x="60000" y="2569"/>
+                </a:moveTo>
+                <a:lnTo>
+                  <a:pt x="41041" y="27171"/>
+                </a:lnTo>
+                <a:lnTo>
+                  <a:pt x="52669" y="27171"/>
+                </a:lnTo>
+                <a:lnTo>
+                  <a:pt x="52669" y="50106"/>
+                </a:lnTo>
+                <a:lnTo>
+                  <a:pt x="67330" y="50106"/>
+                </a:lnTo>
+                <a:lnTo>
+                  <a:pt x="67330" y="27171"/>
+                </a:lnTo>
+                <a:lnTo>
+                  <a:pt x="78958" y="27171"/>
+                </a:lnTo>
+                <a:close/>
+                <a:moveTo>
+                  <a:pt x="60000" y="0"/>
+                </a:moveTo>
+                <a:cubicBezTo>
+                  <a:pt x="93137" y="0"/>
+                  <a:pt x="120000" y="26862"/>
+                  <a:pt x="120000" y="60000"/>
+                </a:cubicBezTo>
+                <a:cubicBezTo>
+                  <a:pt x="120000" y="93137"/>
+                  <a:pt x="93137" y="120000"/>
+                  <a:pt x="60000" y="120000"/>
+                </a:cubicBezTo>
+                <a:cubicBezTo>
+                  <a:pt x="26862" y="120000"/>
+                  <a:pt x="0" y="93137"/>
+                  <a:pt x="0" y="60000"/>
+                </a:cubicBezTo>
+                <a:cubicBezTo>
+                  <a:pt x="0" y="26862"/>
+                  <a:pt x="26862" y="0"/>
+                  <a:pt x="60000" y="0"/>
+                </a:cubicBezTo>
+                <a:close/>
+              </a:path>
+            </a:pathLst>
+          </a:custGeom>
+          <a:solidFill>
+            <a:schemeClr val="lt1"/>
+          </a:solidFill>
+          <a:ln>
+            <a:noFill/>
+          </a:ln>
+        </p:spPr>
+        <p:txBody>
+          <a:bodyPr lIns="91425" tIns="45700" rIns="91425" bIns="45700" anchor="ctr" anchorCtr="0">
+            <a:noAutofit/>
+          </a:bodyPr>
+          <a:lstStyle/>
+          <a:p>
+            <a:pPr marL="0" marR="0" lvl="0" indent="0" algn="ctr" rtl="0">
+              <a:lnSpc>
+                <a:spcPct val="80000"/>
+              </a:lnSpc>
+              <a:spcBef>
+                <a:spcPts val="0"/>
+              </a:spcBef>
+              <a:spcAft>
+                <a:spcPts val="0"/>
+              </a:spcAft>
+              <a:buClr>
+                <a:srgbClr val="000000"/>
+              </a:buClr>
+              <a:buFont typeface="Arial"/>
+              <a:buNone/>
+            </a:pPr>
+            <a:endParaRPr sz="300" b="0" i="0" u="none" strike="noStrike" cap="none">
+              <a:solidFill>
+                <a:schemeClr val="lt1"/>
+              </a:solidFill>
+              <a:latin typeface="Arial"/>
+              <a:ea typeface="Arial"/>
+              <a:cs typeface="Arial"/>
+              <a:sym typeface="Arial"/>
+            </a:endParaRPr>
+          </a:p>
+        </p:txBody>
+      </p:sp>
+      <p:sp>
+        <p:nvSpPr>
+          <p:cNvPr id="1186" name="Shape 1186"/>
+          <p:cNvSpPr/>
+          <p:nvPr/>
+        </p:nvSpPr>
+        <p:spPr>
+          <a:xfrm>
+            <a:off x="5357910" y="1400447"/>
+            <a:ext cx="1613099" cy="272100"/>
+          </a:xfrm>
+          <a:prstGeom prst="roundRect">
+            <a:avLst>
+              <a:gd name="adj" fmla="val 17740"/>
+            </a:avLst>
+          </a:prstGeom>
+          <a:solidFill>
+            <a:srgbClr val="33928A"/>
+          </a:solidFill>
+          <a:ln>
+            <a:noFill/>
+          </a:ln>
+        </p:spPr>
+        <p:txBody>
+          <a:bodyPr lIns="91425" tIns="0" rIns="91425" bIns="0" anchor="ctr" anchorCtr="0">
+            <a:noAutofit/>
+          </a:bodyPr>
+          <a:lstStyle/>
+          <a:p>
+            <a:pPr marL="0" marR="0" lvl="0" indent="0" algn="l" rtl="0">
+              <a:lnSpc>
+                <a:spcPct val="100000"/>
+              </a:lnSpc>
+              <a:spcBef>
+                <a:spcPts val="0"/>
+              </a:spcBef>
+              <a:spcAft>
+                <a:spcPts val="0"/>
+              </a:spcAft>
+              <a:buClr>
+                <a:srgbClr val="F2F2F2"/>
+              </a:buClr>
+              <a:buSzPct val="25000"/>
+              <a:buFont typeface="Calibri"/>
+              <a:buNone/>
+            </a:pPr>
+            <a:r>
+              <a:rPr lang="en-US" sz="1200" b="0" i="0" u="none" strike="noStrike" cap="none">
+                <a:solidFill>
+                  <a:srgbClr val="F2F2F2"/>
+                </a:solidFill>
+                <a:latin typeface="Calibri"/>
+                <a:ea typeface="Calibri"/>
+                <a:cs typeface="Calibri"/>
+                <a:sym typeface="Calibri"/>
+              </a:rPr>
+              <a:t>Cloud Controller</a:t>
+            </a:r>
+          </a:p>
+        </p:txBody>
+      </p:sp>
+      <p:sp>
+        <p:nvSpPr>
+          <p:cNvPr id="1187" name="Shape 1187"/>
+          <p:cNvSpPr/>
+          <p:nvPr/>
+        </p:nvSpPr>
+        <p:spPr>
+          <a:xfrm>
+            <a:off x="5357910" y="1698276"/>
+            <a:ext cx="1611899" cy="272699"/>
+          </a:xfrm>
+          <a:prstGeom prst="roundRect">
+            <a:avLst>
+              <a:gd name="adj" fmla="val 9038"/>
+            </a:avLst>
+          </a:prstGeom>
+          <a:solidFill>
+            <a:srgbClr val="33928A"/>
+          </a:solidFill>
+          <a:ln>
+            <a:noFill/>
+          </a:ln>
+        </p:spPr>
+        <p:txBody>
+          <a:bodyPr lIns="91425" tIns="0" rIns="91425" bIns="0" anchor="ctr" anchorCtr="0">
+            <a:noAutofit/>
+          </a:bodyPr>
+          <a:lstStyle/>
+          <a:p>
+            <a:pPr marL="0" marR="0" lvl="0" indent="0" algn="l" rtl="0">
+              <a:lnSpc>
+                <a:spcPct val="100000"/>
+              </a:lnSpc>
+              <a:spcBef>
+                <a:spcPts val="0"/>
+              </a:spcBef>
+              <a:spcAft>
+                <a:spcPts val="0"/>
+              </a:spcAft>
+              <a:buClr>
+                <a:srgbClr val="F2F2F2"/>
+              </a:buClr>
+              <a:buSzPct val="25000"/>
+              <a:buFont typeface="Calibri"/>
+              <a:buNone/>
+            </a:pPr>
+            <a:r>
+              <a:rPr lang="en-US" sz="1200" b="0" i="0" u="none" strike="noStrike" cap="none">
+                <a:solidFill>
+                  <a:srgbClr val="F2F2F2"/>
+                </a:solidFill>
+                <a:latin typeface="Calibri"/>
+                <a:ea typeface="Calibri"/>
+                <a:cs typeface="Calibri"/>
+                <a:sym typeface="Calibri"/>
+              </a:rPr>
+              <a:t>UAA</a:t>
+            </a:r>
+          </a:p>
+        </p:txBody>
+      </p:sp>
+      <p:sp>
+        <p:nvSpPr>
+          <p:cNvPr id="1188" name="Shape 1188"/>
+          <p:cNvSpPr/>
+          <p:nvPr/>
+        </p:nvSpPr>
+        <p:spPr>
+          <a:xfrm>
+            <a:off x="7004039" y="1400463"/>
+            <a:ext cx="1611899" cy="272699"/>
+          </a:xfrm>
+          <a:prstGeom prst="roundRect">
+            <a:avLst>
+              <a:gd name="adj" fmla="val 9038"/>
+            </a:avLst>
+          </a:prstGeom>
+          <a:solidFill>
+            <a:srgbClr val="33928A"/>
+          </a:solidFill>
+          <a:ln>
+            <a:noFill/>
+          </a:ln>
+        </p:spPr>
+        <p:txBody>
+          <a:bodyPr lIns="91425" tIns="0" rIns="91425" bIns="0" anchor="ctr" anchorCtr="0">
+            <a:noAutofit/>
+          </a:bodyPr>
+          <a:lstStyle/>
+          <a:p>
+            <a:pPr marL="0" marR="0" lvl="0" indent="0" algn="l" rtl="0">
+              <a:lnSpc>
+                <a:spcPct val="100000"/>
+              </a:lnSpc>
+              <a:spcBef>
+                <a:spcPts val="0"/>
+              </a:spcBef>
+              <a:spcAft>
+                <a:spcPts val="0"/>
+              </a:spcAft>
+              <a:buClr>
+                <a:srgbClr val="F2F2F2"/>
+              </a:buClr>
+              <a:buSzPct val="25000"/>
+              <a:buFont typeface="Calibri"/>
+              <a:buNone/>
+            </a:pPr>
+            <a:r>
+              <a:rPr lang="en-US" sz="1200" b="0" i="0" u="none" strike="noStrike" cap="none">
+                <a:solidFill>
+                  <a:srgbClr val="F2F2F2"/>
+                </a:solidFill>
+                <a:latin typeface="Calibri"/>
+                <a:ea typeface="Calibri"/>
+                <a:cs typeface="Calibri"/>
+                <a:sym typeface="Calibri"/>
+              </a:rPr>
+              <a:t>Health Manager</a:t>
+            </a:r>
+          </a:p>
+        </p:txBody>
+      </p:sp>
+      <p:sp>
+        <p:nvSpPr>
+          <p:cNvPr id="1189" name="Shape 1189"/>
+          <p:cNvSpPr/>
+          <p:nvPr/>
+        </p:nvSpPr>
+        <p:spPr>
+          <a:xfrm>
+            <a:off x="5362389" y="1998267"/>
+            <a:ext cx="3264000" cy="699538"/>
+          </a:xfrm>
+          <a:prstGeom prst="roundRect">
+            <a:avLst>
+              <a:gd name="adj" fmla="val 2039"/>
+            </a:avLst>
+          </a:prstGeom>
+          <a:solidFill>
+            <a:srgbClr val="2E7D8C"/>
+          </a:solidFill>
+          <a:ln>
+            <a:noFill/>
+          </a:ln>
+        </p:spPr>
+        <p:txBody>
+          <a:bodyPr lIns="91425" tIns="0" rIns="91425" bIns="0" anchor="t" anchorCtr="0">
+            <a:noAutofit/>
+          </a:bodyPr>
+          <a:lstStyle/>
+          <a:p>
+            <a:pPr marL="0" marR="0" lvl="0" indent="0" algn="ctr" rtl="0">
+              <a:lnSpc>
+                <a:spcPct val="100000"/>
+              </a:lnSpc>
+              <a:spcBef>
+                <a:spcPts val="0"/>
+              </a:spcBef>
+              <a:spcAft>
+                <a:spcPts val="0"/>
+              </a:spcAft>
+              <a:buClr>
+                <a:srgbClr val="F2F2F2"/>
+              </a:buClr>
+              <a:buSzPct val="25000"/>
+              <a:buFont typeface="Calibri"/>
+              <a:buNone/>
+            </a:pPr>
+            <a:r>
+              <a:rPr lang="en-US" sz="1200" b="0" i="0" u="none" strike="noStrike" cap="none" dirty="0">
+                <a:solidFill>
+                  <a:srgbClr val="F2F2F2"/>
+                </a:solidFill>
+                <a:latin typeface="Calibri"/>
+                <a:ea typeface="Calibri"/>
+                <a:cs typeface="Calibri"/>
+                <a:sym typeface="Calibri"/>
+              </a:rPr>
+              <a:t>Distributed Containerized Runtime </a:t>
+            </a:r>
+          </a:p>
+        </p:txBody>
+      </p:sp>
+      <p:sp>
+        <p:nvSpPr>
+          <p:cNvPr id="1190" name="Shape 1190"/>
+          <p:cNvSpPr/>
+          <p:nvPr/>
+        </p:nvSpPr>
+        <p:spPr>
+          <a:xfrm>
+            <a:off x="5360010" y="2737008"/>
+            <a:ext cx="3263100" cy="272100"/>
+          </a:xfrm>
+          <a:prstGeom prst="roundRect">
+            <a:avLst>
+              <a:gd name="adj" fmla="val 17740"/>
+            </a:avLst>
+          </a:prstGeom>
+          <a:solidFill>
+            <a:srgbClr val="33928A"/>
+          </a:solidFill>
+          <a:ln>
+            <a:noFill/>
+          </a:ln>
+        </p:spPr>
+        <p:txBody>
+          <a:bodyPr lIns="91425" tIns="0" rIns="91425" bIns="0" anchor="ctr" anchorCtr="0">
+            <a:noAutofit/>
+          </a:bodyPr>
+          <a:lstStyle/>
+          <a:p>
+            <a:pPr marL="0" marR="0" lvl="0" indent="0" algn="ctr" rtl="0">
+              <a:lnSpc>
+                <a:spcPct val="100000"/>
+              </a:lnSpc>
+              <a:spcBef>
+                <a:spcPts val="0"/>
+              </a:spcBef>
+              <a:spcAft>
+                <a:spcPts val="0"/>
+              </a:spcAft>
+              <a:buClr>
+                <a:srgbClr val="F2F2F2"/>
+              </a:buClr>
+              <a:buSzPct val="25000"/>
+              <a:buFont typeface="Calibri"/>
+              <a:buNone/>
+            </a:pPr>
+            <a:r>
+              <a:rPr lang="en-US" sz="1200" b="0" i="0" u="none" strike="noStrike" cap="none">
+                <a:solidFill>
+                  <a:srgbClr val="F2F2F2"/>
+                </a:solidFill>
+                <a:latin typeface="Calibri"/>
+                <a:ea typeface="Calibri"/>
+                <a:cs typeface="Calibri"/>
+                <a:sym typeface="Calibri"/>
+              </a:rPr>
+              <a:t>Messaging (NATS)</a:t>
+            </a:r>
+          </a:p>
+        </p:txBody>
+      </p:sp>
+      <p:sp>
+        <p:nvSpPr>
+          <p:cNvPr id="1191" name="Shape 1191"/>
+          <p:cNvSpPr/>
+          <p:nvPr/>
+        </p:nvSpPr>
+        <p:spPr>
+          <a:xfrm>
+            <a:off x="5406114" y="2316892"/>
+            <a:ext cx="1515300" cy="269099"/>
+          </a:xfrm>
+          <a:prstGeom prst="roundRect">
+            <a:avLst>
+              <a:gd name="adj" fmla="val 10428"/>
+            </a:avLst>
+          </a:prstGeom>
+          <a:noFill/>
+          <a:ln w="12700" cap="flat" cmpd="sng">
+            <a:solidFill>
+              <a:schemeClr val="lt1"/>
+            </a:solidFill>
+            <a:prstDash val="solid"/>
+            <a:round/>
+            <a:headEnd type="none" w="med" len="med"/>
+            <a:tailEnd type="none" w="med" len="med"/>
+          </a:ln>
+        </p:spPr>
+        <p:txBody>
+          <a:bodyPr lIns="91425" tIns="0" rIns="91425" bIns="0" anchor="ctr" anchorCtr="0">
+            <a:noAutofit/>
+          </a:bodyPr>
+          <a:lstStyle/>
+          <a:p>
+            <a:pPr marL="0" marR="0" lvl="0" indent="0" algn="l" rtl="0">
+              <a:lnSpc>
+                <a:spcPct val="100000"/>
+              </a:lnSpc>
+              <a:spcBef>
+                <a:spcPts val="0"/>
+              </a:spcBef>
+              <a:spcAft>
+                <a:spcPts val="0"/>
+              </a:spcAft>
+              <a:buClr>
+                <a:srgbClr val="F2F2F2"/>
+              </a:buClr>
+              <a:buSzPct val="25000"/>
+              <a:buFont typeface="Calibri"/>
+              <a:buNone/>
+            </a:pPr>
+            <a:r>
+              <a:rPr lang="en-US" sz="1200" b="0" i="0" u="none" strike="noStrike" cap="none">
+                <a:solidFill>
+                  <a:srgbClr val="F2F2F2"/>
+                </a:solidFill>
+                <a:latin typeface="Calibri"/>
+                <a:ea typeface="Calibri"/>
+                <a:cs typeface="Calibri"/>
+                <a:sym typeface="Calibri"/>
+              </a:rPr>
+              <a:t>Apps Container</a:t>
+            </a:r>
+          </a:p>
+        </p:txBody>
+      </p:sp>
+      <p:sp>
+        <p:nvSpPr>
+          <p:cNvPr id="1192" name="Shape 1192"/>
+          <p:cNvSpPr/>
+          <p:nvPr/>
+        </p:nvSpPr>
+        <p:spPr>
+          <a:xfrm>
+            <a:off x="6718999" y="1414788"/>
+            <a:ext cx="169800" cy="226499"/>
+          </a:xfrm>
+          <a:custGeom>
+            <a:avLst/>
+            <a:gdLst/>
+            <a:ahLst/>
+            <a:cxnLst/>
+            <a:rect l="0" t="0" r="0" b="0"/>
+            <a:pathLst>
+              <a:path w="120000" h="120000" extrusionOk="0">
+                <a:moveTo>
+                  <a:pt x="60000" y="92324"/>
+                </a:moveTo>
+                <a:lnTo>
+                  <a:pt x="38590" y="104580"/>
+                </a:lnTo>
+                <a:cubicBezTo>
+                  <a:pt x="44390" y="108214"/>
+                  <a:pt x="51904" y="110084"/>
+                  <a:pt x="60000" y="110084"/>
+                </a:cubicBezTo>
+                <a:cubicBezTo>
+                  <a:pt x="68096" y="110084"/>
+                  <a:pt x="75609" y="108214"/>
+                  <a:pt x="81409" y="104580"/>
+                </a:cubicBezTo>
+                <a:close/>
+                <a:moveTo>
+                  <a:pt x="23779" y="71589"/>
+                </a:moveTo>
+                <a:cubicBezTo>
+                  <a:pt x="22207" y="74563"/>
+                  <a:pt x="21433" y="77806"/>
+                  <a:pt x="21433" y="81184"/>
+                </a:cubicBezTo>
+                <a:cubicBezTo>
+                  <a:pt x="21433" y="90786"/>
+                  <a:pt x="27683" y="99295"/>
+                  <a:pt x="37705" y="104133"/>
+                </a:cubicBezTo>
+                <a:lnTo>
+                  <a:pt x="45903" y="84254"/>
+                </a:lnTo>
+                <a:close/>
+                <a:moveTo>
+                  <a:pt x="96220" y="71589"/>
+                </a:moveTo>
+                <a:lnTo>
+                  <a:pt x="74096" y="84254"/>
+                </a:lnTo>
+                <a:lnTo>
+                  <a:pt x="82294" y="104133"/>
+                </a:lnTo>
+                <a:cubicBezTo>
+                  <a:pt x="92316" y="99295"/>
+                  <a:pt x="98566" y="90786"/>
+                  <a:pt x="98566" y="81184"/>
+                </a:cubicBezTo>
+                <a:cubicBezTo>
+                  <a:pt x="98566" y="77806"/>
+                  <a:pt x="97792" y="74563"/>
+                  <a:pt x="96220" y="71589"/>
+                </a:cubicBezTo>
+                <a:close/>
+                <a:moveTo>
+                  <a:pt x="60942" y="52356"/>
+                </a:moveTo>
+                <a:lnTo>
+                  <a:pt x="68711" y="71197"/>
+                </a:lnTo>
+                <a:lnTo>
+                  <a:pt x="96058" y="71197"/>
+                </a:lnTo>
+                <a:cubicBezTo>
+                  <a:pt x="90849" y="60351"/>
+                  <a:pt x="77132" y="52585"/>
+                  <a:pt x="60942" y="52356"/>
+                </a:cubicBezTo>
+                <a:close/>
+                <a:moveTo>
+                  <a:pt x="59057" y="52356"/>
+                </a:moveTo>
+                <a:cubicBezTo>
+                  <a:pt x="42867" y="52585"/>
+                  <a:pt x="29150" y="60351"/>
+                  <a:pt x="23941" y="71197"/>
+                </a:cubicBezTo>
+                <a:lnTo>
+                  <a:pt x="51287" y="71197"/>
+                </a:lnTo>
+                <a:close/>
+                <a:moveTo>
+                  <a:pt x="70359" y="14649"/>
+                </a:moveTo>
+                <a:lnTo>
+                  <a:pt x="111798" y="14649"/>
+                </a:lnTo>
+                <a:lnTo>
+                  <a:pt x="111798" y="29159"/>
+                </a:lnTo>
+                <a:lnTo>
+                  <a:pt x="88172" y="48677"/>
+                </a:lnTo>
+                <a:cubicBezTo>
+                  <a:pt x="102412" y="55551"/>
+                  <a:pt x="111798" y="67546"/>
+                  <a:pt x="111798" y="81184"/>
+                </a:cubicBezTo>
+                <a:cubicBezTo>
+                  <a:pt x="111798" y="102621"/>
+                  <a:pt x="88607" y="119999"/>
+                  <a:pt x="60000" y="119999"/>
+                </a:cubicBezTo>
+                <a:cubicBezTo>
+                  <a:pt x="31392" y="119999"/>
+                  <a:pt x="8201" y="102621"/>
+                  <a:pt x="8201" y="81184"/>
+                </a:cubicBezTo>
+                <a:cubicBezTo>
+                  <a:pt x="8201" y="67563"/>
+                  <a:pt x="17565" y="55580"/>
+                  <a:pt x="31772" y="48700"/>
+                </a:cubicBezTo>
+                <a:lnTo>
+                  <a:pt x="8201" y="29226"/>
+                </a:lnTo>
+                <a:lnTo>
+                  <a:pt x="8201" y="14717"/>
+                </a:lnTo>
+                <a:lnTo>
+                  <a:pt x="49640" y="14717"/>
+                </a:lnTo>
+                <a:lnTo>
+                  <a:pt x="49640" y="29226"/>
+                </a:lnTo>
+                <a:lnTo>
+                  <a:pt x="49640" y="43151"/>
+                </a:lnTo>
+                <a:cubicBezTo>
+                  <a:pt x="52986" y="42636"/>
+                  <a:pt x="56451" y="42369"/>
+                  <a:pt x="60000" y="42369"/>
+                </a:cubicBezTo>
+                <a:lnTo>
+                  <a:pt x="70359" y="43151"/>
+                </a:lnTo>
+                <a:lnTo>
+                  <a:pt x="70359" y="29159"/>
+                </a:lnTo>
+                <a:close/>
+                <a:moveTo>
+                  <a:pt x="0" y="0"/>
+                </a:moveTo>
+                <a:lnTo>
+                  <a:pt x="120000" y="0"/>
+                </a:lnTo>
+                <a:lnTo>
+                  <a:pt x="120000" y="9380"/>
+                </a:lnTo>
+                <a:lnTo>
+                  <a:pt x="0" y="9380"/>
+                </a:lnTo>
+                <a:close/>
+              </a:path>
+            </a:pathLst>
+          </a:custGeom>
+          <a:solidFill>
+            <a:schemeClr val="lt1"/>
+          </a:solidFill>
+          <a:ln>
+            <a:noFill/>
+          </a:ln>
+        </p:spPr>
+        <p:txBody>
+          <a:bodyPr lIns="91425" tIns="45700" rIns="91425" bIns="45700" anchor="ctr" anchorCtr="0">
+            <a:noAutofit/>
+          </a:bodyPr>
+          <a:lstStyle/>
+          <a:p>
+            <a:pPr marL="0" marR="0" lvl="0" indent="0" algn="ctr" rtl="0">
+              <a:lnSpc>
+                <a:spcPct val="80000"/>
+              </a:lnSpc>
+              <a:spcBef>
+                <a:spcPts val="0"/>
+              </a:spcBef>
+              <a:spcAft>
+                <a:spcPts val="0"/>
+              </a:spcAft>
+              <a:buClr>
+                <a:srgbClr val="000000"/>
+              </a:buClr>
+              <a:buFont typeface="Arial"/>
+              <a:buNone/>
+            </a:pPr>
+            <a:endParaRPr sz="300" b="0" i="0" u="none" strike="noStrike" cap="none">
+              <a:solidFill>
+                <a:schemeClr val="lt1"/>
+              </a:solidFill>
+              <a:latin typeface="Arial"/>
+              <a:ea typeface="Arial"/>
+              <a:cs typeface="Arial"/>
+              <a:sym typeface="Arial"/>
+            </a:endParaRPr>
+          </a:p>
+        </p:txBody>
+      </p:sp>
+      <p:sp>
+        <p:nvSpPr>
+          <p:cNvPr id="1193" name="Shape 1193"/>
+          <p:cNvSpPr/>
+          <p:nvPr/>
+        </p:nvSpPr>
+        <p:spPr>
+          <a:xfrm>
+            <a:off x="8328092" y="1445468"/>
+            <a:ext cx="207299" cy="182699"/>
+          </a:xfrm>
+          <a:prstGeom prst="heart">
+            <a:avLst/>
+          </a:prstGeom>
+          <a:solidFill>
+            <a:schemeClr val="lt1"/>
+          </a:solidFill>
+          <a:ln>
+            <a:noFill/>
+          </a:ln>
+        </p:spPr>
+        <p:txBody>
+          <a:bodyPr lIns="91425" tIns="45700" rIns="91425" bIns="45700" anchor="ctr" anchorCtr="0">
+            <a:noAutofit/>
+          </a:bodyPr>
+          <a:lstStyle/>
+          <a:p>
+            <a:pPr marL="0" marR="0" lvl="0" indent="0" algn="ctr" rtl="0">
+              <a:lnSpc>
+                <a:spcPct val="80000"/>
+              </a:lnSpc>
+              <a:spcBef>
+                <a:spcPts val="0"/>
+              </a:spcBef>
+              <a:spcAft>
+                <a:spcPts val="0"/>
+              </a:spcAft>
+              <a:buClr>
+                <a:srgbClr val="000000"/>
+              </a:buClr>
+              <a:buFont typeface="Arial"/>
+              <a:buNone/>
+            </a:pPr>
+            <a:endParaRPr sz="300" b="0" i="0" u="none" strike="noStrike" cap="none">
+              <a:solidFill>
+                <a:schemeClr val="lt1"/>
+              </a:solidFill>
+              <a:latin typeface="Arial"/>
+              <a:ea typeface="Arial"/>
+              <a:cs typeface="Arial"/>
+              <a:sym typeface="Arial"/>
+            </a:endParaRPr>
+          </a:p>
+        </p:txBody>
+      </p:sp>
+      <p:sp>
+        <p:nvSpPr>
+          <p:cNvPr id="1194" name="Shape 1194"/>
+          <p:cNvSpPr/>
+          <p:nvPr/>
+        </p:nvSpPr>
+        <p:spPr>
+          <a:xfrm>
+            <a:off x="6658124" y="1759809"/>
+            <a:ext cx="272999" cy="138300"/>
+          </a:xfrm>
+          <a:custGeom>
+            <a:avLst/>
+            <a:gdLst/>
+            <a:ahLst/>
+            <a:cxnLst/>
+            <a:rect l="0" t="0" r="0" b="0"/>
+            <a:pathLst>
+              <a:path w="120000" h="120000" extrusionOk="0">
+                <a:moveTo>
+                  <a:pt x="102275" y="40290"/>
+                </a:moveTo>
+                <a:cubicBezTo>
+                  <a:pt x="96763" y="40290"/>
+                  <a:pt x="92294" y="49114"/>
+                  <a:pt x="92294" y="60000"/>
+                </a:cubicBezTo>
+                <a:cubicBezTo>
+                  <a:pt x="92294" y="70885"/>
+                  <a:pt x="96763" y="79709"/>
+                  <a:pt x="102275" y="79709"/>
+                </a:cubicBezTo>
+                <a:cubicBezTo>
+                  <a:pt x="107787" y="79709"/>
+                  <a:pt x="112256" y="70885"/>
+                  <a:pt x="112256" y="60000"/>
+                </a:cubicBezTo>
+                <a:cubicBezTo>
+                  <a:pt x="112256" y="49114"/>
+                  <a:pt x="107787" y="40290"/>
+                  <a:pt x="102275" y="40290"/>
+                </a:cubicBezTo>
+                <a:close/>
+                <a:moveTo>
+                  <a:pt x="89615" y="0"/>
+                </a:moveTo>
+                <a:cubicBezTo>
+                  <a:pt x="106396" y="0"/>
+                  <a:pt x="120000" y="26862"/>
+                  <a:pt x="120000" y="60000"/>
+                </a:cubicBezTo>
+                <a:cubicBezTo>
+                  <a:pt x="120000" y="93137"/>
+                  <a:pt x="106396" y="120000"/>
+                  <a:pt x="89615" y="120000"/>
+                </a:cubicBezTo>
+                <a:cubicBezTo>
+                  <a:pt x="76702" y="120000"/>
+                  <a:pt x="65671" y="104092"/>
+                  <a:pt x="61344" y="81604"/>
+                </a:cubicBezTo>
+                <a:lnTo>
+                  <a:pt x="10941" y="81604"/>
+                </a:lnTo>
+                <a:lnTo>
+                  <a:pt x="10940" y="81605"/>
+                </a:lnTo>
+                <a:lnTo>
+                  <a:pt x="0" y="60000"/>
+                </a:lnTo>
+                <a:lnTo>
+                  <a:pt x="10911" y="38453"/>
+                </a:lnTo>
+                <a:lnTo>
+                  <a:pt x="21477" y="59317"/>
+                </a:lnTo>
+                <a:lnTo>
+                  <a:pt x="32072" y="38394"/>
+                </a:lnTo>
+                <a:lnTo>
+                  <a:pt x="32210" y="38394"/>
+                </a:lnTo>
+                <a:lnTo>
+                  <a:pt x="42805" y="59317"/>
+                </a:lnTo>
+                <a:lnTo>
+                  <a:pt x="53401" y="38394"/>
+                </a:lnTo>
+                <a:lnTo>
+                  <a:pt x="61344" y="38394"/>
+                </a:lnTo>
+                <a:cubicBezTo>
+                  <a:pt x="65671" y="15907"/>
+                  <a:pt x="76702" y="0"/>
+                  <a:pt x="89615" y="0"/>
+                </a:cubicBezTo>
+                <a:close/>
+              </a:path>
+            </a:pathLst>
+          </a:custGeom>
+          <a:solidFill>
+            <a:schemeClr val="lt1"/>
+          </a:solidFill>
+          <a:ln>
+            <a:noFill/>
+          </a:ln>
+        </p:spPr>
+        <p:txBody>
+          <a:bodyPr lIns="91425" tIns="45700" rIns="91425" bIns="45700" anchor="ctr" anchorCtr="0">
+            <a:noAutofit/>
+          </a:bodyPr>
+          <a:lstStyle/>
+          <a:p>
+            <a:pPr marL="0" marR="0" lvl="0" indent="0" algn="ctr" rtl="0">
+              <a:lnSpc>
+                <a:spcPct val="80000"/>
+              </a:lnSpc>
+              <a:spcBef>
+                <a:spcPts val="0"/>
+              </a:spcBef>
+              <a:spcAft>
+                <a:spcPts val="0"/>
+              </a:spcAft>
+              <a:buClr>
+                <a:srgbClr val="000000"/>
+              </a:buClr>
+              <a:buFont typeface="Arial"/>
+              <a:buNone/>
+            </a:pPr>
+            <a:endParaRPr sz="300" b="0" i="0" u="none" strike="noStrike" cap="none">
+              <a:solidFill>
+                <a:schemeClr val="lt1"/>
+              </a:solidFill>
+              <a:latin typeface="Arial"/>
+              <a:ea typeface="Arial"/>
+              <a:cs typeface="Arial"/>
+              <a:sym typeface="Arial"/>
+            </a:endParaRPr>
+          </a:p>
+        </p:txBody>
+      </p:sp>
+      <p:sp>
+        <p:nvSpPr>
+          <p:cNvPr id="1195" name="Shape 1195"/>
+          <p:cNvSpPr/>
+          <p:nvPr/>
+        </p:nvSpPr>
+        <p:spPr>
+          <a:xfrm>
+            <a:off x="6687974" y="2346251"/>
+            <a:ext cx="185399" cy="209100"/>
+          </a:xfrm>
+          <a:custGeom>
+            <a:avLst/>
+            <a:gdLst/>
+            <a:ahLst/>
+            <a:cxnLst/>
+            <a:rect l="0" t="0" r="0" b="0"/>
+            <a:pathLst>
+              <a:path w="120000" h="120000" extrusionOk="0">
+                <a:moveTo>
+                  <a:pt x="0" y="33813"/>
+                </a:moveTo>
+                <a:lnTo>
+                  <a:pt x="56402" y="62407"/>
+                </a:lnTo>
+                <a:lnTo>
+                  <a:pt x="56688" y="120000"/>
+                </a:lnTo>
+                <a:lnTo>
+                  <a:pt x="285" y="91405"/>
+                </a:lnTo>
+                <a:close/>
+                <a:moveTo>
+                  <a:pt x="120000" y="32982"/>
+                </a:moveTo>
+                <a:lnTo>
+                  <a:pt x="119714" y="90574"/>
+                </a:lnTo>
+                <a:lnTo>
+                  <a:pt x="63311" y="119168"/>
+                </a:lnTo>
+                <a:lnTo>
+                  <a:pt x="63597" y="61576"/>
+                </a:lnTo>
+                <a:close/>
+                <a:moveTo>
+                  <a:pt x="59874" y="0"/>
+                </a:moveTo>
+                <a:lnTo>
+                  <a:pt x="116151" y="28787"/>
+                </a:lnTo>
+                <a:lnTo>
+                  <a:pt x="59874" y="57575"/>
+                </a:lnTo>
+                <a:lnTo>
+                  <a:pt x="3596" y="28787"/>
+                </a:lnTo>
+                <a:close/>
+              </a:path>
+            </a:pathLst>
+          </a:custGeom>
+          <a:solidFill>
+            <a:schemeClr val="lt1"/>
+          </a:solidFill>
+          <a:ln>
+            <a:noFill/>
+          </a:ln>
+        </p:spPr>
+        <p:txBody>
+          <a:bodyPr lIns="91425" tIns="45700" rIns="91425" bIns="45700" anchor="ctr" anchorCtr="0">
+            <a:noAutofit/>
+          </a:bodyPr>
+          <a:lstStyle/>
+          <a:p>
+            <a:pPr marL="0" marR="0" lvl="0" indent="0" algn="ctr" rtl="0">
+              <a:lnSpc>
+                <a:spcPct val="80000"/>
+              </a:lnSpc>
+              <a:spcBef>
+                <a:spcPts val="0"/>
+              </a:spcBef>
+              <a:spcAft>
+                <a:spcPts val="0"/>
+              </a:spcAft>
+              <a:buClr>
+                <a:srgbClr val="000000"/>
+              </a:buClr>
+              <a:buFont typeface="Arial"/>
+              <a:buNone/>
+            </a:pPr>
+            <a:endParaRPr sz="300" b="0" i="0" u="none" strike="noStrike" cap="none">
+              <a:solidFill>
+                <a:schemeClr val="lt1"/>
+              </a:solidFill>
+              <a:latin typeface="Arial"/>
+              <a:ea typeface="Arial"/>
+              <a:cs typeface="Arial"/>
+              <a:sym typeface="Arial"/>
+            </a:endParaRPr>
+          </a:p>
+        </p:txBody>
+      </p:sp>
+      <p:sp>
+        <p:nvSpPr>
+          <p:cNvPr id="1196" name="Shape 1196"/>
+          <p:cNvSpPr/>
+          <p:nvPr/>
+        </p:nvSpPr>
+        <p:spPr>
+          <a:xfrm rot="-4305579">
+            <a:off x="8384286" y="3152065"/>
+            <a:ext cx="195524" cy="90315"/>
+          </a:xfrm>
+          <a:custGeom>
+            <a:avLst/>
+            <a:gdLst/>
+            <a:ahLst/>
+            <a:cxnLst/>
+            <a:rect l="0" t="0" r="0" b="0"/>
+            <a:pathLst>
+              <a:path w="120000" h="120000" extrusionOk="0">
+                <a:moveTo>
+                  <a:pt x="88994" y="62044"/>
+                </a:moveTo>
+                <a:cubicBezTo>
+                  <a:pt x="89110" y="80741"/>
+                  <a:pt x="82276" y="84242"/>
+                  <a:pt x="73852" y="84744"/>
+                </a:cubicBezTo>
+                <a:cubicBezTo>
+                  <a:pt x="73750" y="84803"/>
+                  <a:pt x="73646" y="84805"/>
+                  <a:pt x="73542" y="84805"/>
+                </a:cubicBezTo>
+                <a:lnTo>
+                  <a:pt x="73098" y="84805"/>
+                </a:lnTo>
+                <a:cubicBezTo>
+                  <a:pt x="71368" y="84931"/>
+                  <a:pt x="69579" y="84907"/>
+                  <a:pt x="67775" y="84878"/>
+                </a:cubicBezTo>
+                <a:lnTo>
+                  <a:pt x="67517" y="84805"/>
+                </a:lnTo>
+                <a:lnTo>
+                  <a:pt x="21098" y="84805"/>
+                </a:lnTo>
+                <a:cubicBezTo>
+                  <a:pt x="13218" y="86457"/>
+                  <a:pt x="18556" y="99195"/>
+                  <a:pt x="28014" y="112413"/>
+                </a:cubicBezTo>
+                <a:cubicBezTo>
+                  <a:pt x="38251" y="126719"/>
+                  <a:pt x="23773" y="117694"/>
+                  <a:pt x="17181" y="110524"/>
+                </a:cubicBezTo>
+                <a:cubicBezTo>
+                  <a:pt x="10589" y="103354"/>
+                  <a:pt x="1877" y="90864"/>
+                  <a:pt x="173" y="62880"/>
+                </a:cubicBezTo>
+                <a:cubicBezTo>
+                  <a:pt x="-1142" y="41255"/>
+                  <a:pt x="5176" y="36366"/>
+                  <a:pt x="13502" y="35387"/>
+                </a:cubicBezTo>
+                <a:cubicBezTo>
+                  <a:pt x="13987" y="35152"/>
+                  <a:pt x="14488" y="35094"/>
+                  <a:pt x="14996" y="35094"/>
+                </a:cubicBezTo>
+                <a:lnTo>
+                  <a:pt x="68249" y="35094"/>
+                </a:lnTo>
+                <a:cubicBezTo>
+                  <a:pt x="75613" y="33151"/>
+                  <a:pt x="70294" y="20602"/>
+                  <a:pt x="60981" y="7586"/>
+                </a:cubicBezTo>
+                <a:cubicBezTo>
+                  <a:pt x="50744" y="-6719"/>
+                  <a:pt x="65222" y="2305"/>
+                  <a:pt x="71814" y="9475"/>
+                </a:cubicBezTo>
+                <a:cubicBezTo>
+                  <a:pt x="78406" y="16645"/>
+                  <a:pt x="87118" y="29135"/>
+                  <a:pt x="88822" y="57119"/>
+                </a:cubicBezTo>
+                <a:cubicBezTo>
+                  <a:pt x="88928" y="58868"/>
+                  <a:pt x="88985" y="60507"/>
+                  <a:pt x="88994" y="62044"/>
+                </a:cubicBezTo>
+                <a:close/>
+                <a:moveTo>
+                  <a:pt x="120000" y="60095"/>
+                </a:moveTo>
+                <a:cubicBezTo>
+                  <a:pt x="120000" y="73742"/>
+                  <a:pt x="114315" y="84805"/>
+                  <a:pt x="107303" y="84805"/>
+                </a:cubicBezTo>
+                <a:cubicBezTo>
+                  <a:pt x="100291" y="84805"/>
+                  <a:pt x="94606" y="73742"/>
+                  <a:pt x="94606" y="60095"/>
+                </a:cubicBezTo>
+                <a:cubicBezTo>
+                  <a:pt x="94606" y="46448"/>
+                  <a:pt x="100291" y="35385"/>
+                  <a:pt x="107303" y="35385"/>
+                </a:cubicBezTo>
+                <a:cubicBezTo>
+                  <a:pt x="114315" y="35385"/>
+                  <a:pt x="120000" y="46448"/>
+                  <a:pt x="120000" y="60095"/>
+                </a:cubicBezTo>
+                <a:close/>
+              </a:path>
+            </a:pathLst>
+          </a:custGeom>
+          <a:solidFill>
+            <a:schemeClr val="lt1"/>
+          </a:solidFill>
+          <a:ln>
+            <a:noFill/>
+          </a:ln>
+        </p:spPr>
+        <p:txBody>
+          <a:bodyPr lIns="91425" tIns="45700" rIns="91425" bIns="45700" anchor="ctr" anchorCtr="0">
+            <a:noAutofit/>
+          </a:bodyPr>
+          <a:lstStyle/>
+          <a:p>
+            <a:pPr marL="0" marR="0" lvl="0" indent="0" algn="ctr" rtl="0">
+              <a:lnSpc>
+                <a:spcPct val="80000"/>
+              </a:lnSpc>
+              <a:spcBef>
+                <a:spcPts val="0"/>
+              </a:spcBef>
+              <a:spcAft>
+                <a:spcPts val="0"/>
+              </a:spcAft>
+              <a:buClr>
+                <a:srgbClr val="000000"/>
+              </a:buClr>
+              <a:buFont typeface="Arial"/>
+              <a:buNone/>
+            </a:pPr>
+            <a:endParaRPr sz="300" b="0" i="0" u="none" strike="noStrike" cap="none">
+              <a:solidFill>
+                <a:schemeClr val="lt1"/>
+              </a:solidFill>
+              <a:latin typeface="Arial"/>
+              <a:ea typeface="Arial"/>
+              <a:cs typeface="Arial"/>
+              <a:sym typeface="Arial"/>
+            </a:endParaRPr>
+          </a:p>
+        </p:txBody>
+      </p:sp>
+      <p:sp>
+        <p:nvSpPr>
+          <p:cNvPr id="1197" name="Shape 1197"/>
+          <p:cNvSpPr/>
+          <p:nvPr/>
+        </p:nvSpPr>
+        <p:spPr>
+          <a:xfrm rot="-10344867">
+            <a:off x="8287538" y="2781438"/>
+            <a:ext cx="249987" cy="220627"/>
+          </a:xfrm>
+          <a:custGeom>
+            <a:avLst/>
+            <a:gdLst/>
+            <a:ahLst/>
+            <a:cxnLst/>
+            <a:rect l="0" t="0" r="0" b="0"/>
+            <a:pathLst>
+              <a:path w="120000" h="120000" extrusionOk="0">
+                <a:moveTo>
+                  <a:pt x="31908" y="81758"/>
+                </a:moveTo>
+                <a:cubicBezTo>
+                  <a:pt x="37215" y="80959"/>
+                  <a:pt x="40945" y="75434"/>
+                  <a:pt x="40239" y="69420"/>
+                </a:cubicBezTo>
+                <a:cubicBezTo>
+                  <a:pt x="39533" y="63405"/>
+                  <a:pt x="34659" y="59178"/>
+                  <a:pt x="29351" y="59978"/>
+                </a:cubicBezTo>
+                <a:cubicBezTo>
+                  <a:pt x="24044" y="60778"/>
+                  <a:pt x="20314" y="66302"/>
+                  <a:pt x="21020" y="72317"/>
+                </a:cubicBezTo>
+                <a:cubicBezTo>
+                  <a:pt x="21726" y="78331"/>
+                  <a:pt x="26600" y="82558"/>
+                  <a:pt x="31908" y="81758"/>
+                </a:cubicBezTo>
+                <a:close/>
+                <a:moveTo>
+                  <a:pt x="60910" y="77387"/>
+                </a:moveTo>
+                <a:cubicBezTo>
+                  <a:pt x="66217" y="76587"/>
+                  <a:pt x="69947" y="71063"/>
+                  <a:pt x="69241" y="65049"/>
+                </a:cubicBezTo>
+                <a:cubicBezTo>
+                  <a:pt x="68535" y="59034"/>
+                  <a:pt x="63661" y="54807"/>
+                  <a:pt x="58353" y="55607"/>
+                </a:cubicBezTo>
+                <a:cubicBezTo>
+                  <a:pt x="53046" y="56407"/>
+                  <a:pt x="49316" y="61931"/>
+                  <a:pt x="50022" y="67945"/>
+                </a:cubicBezTo>
+                <a:cubicBezTo>
+                  <a:pt x="50728" y="73960"/>
+                  <a:pt x="55602" y="78187"/>
+                  <a:pt x="60910" y="77387"/>
+                </a:cubicBezTo>
+                <a:close/>
+                <a:moveTo>
+                  <a:pt x="89912" y="73016"/>
+                </a:moveTo>
+                <a:cubicBezTo>
+                  <a:pt x="95219" y="72216"/>
+                  <a:pt x="98949" y="66692"/>
+                  <a:pt x="98243" y="60677"/>
+                </a:cubicBezTo>
+                <a:cubicBezTo>
+                  <a:pt x="97537" y="54663"/>
+                  <a:pt x="92663" y="50435"/>
+                  <a:pt x="87355" y="51235"/>
+                </a:cubicBezTo>
+                <a:cubicBezTo>
+                  <a:pt x="82048" y="52035"/>
+                  <a:pt x="78318" y="57560"/>
+                  <a:pt x="79024" y="63574"/>
+                </a:cubicBezTo>
+                <a:cubicBezTo>
+                  <a:pt x="79730" y="69588"/>
+                  <a:pt x="84604" y="73816"/>
+                  <a:pt x="89912" y="73016"/>
+                </a:cubicBezTo>
+                <a:close/>
+                <a:moveTo>
+                  <a:pt x="66214" y="119233"/>
+                </a:moveTo>
+                <a:cubicBezTo>
+                  <a:pt x="33257" y="124200"/>
+                  <a:pt x="3759" y="104520"/>
+                  <a:pt x="327" y="75276"/>
+                </a:cubicBezTo>
+                <a:cubicBezTo>
+                  <a:pt x="-3104" y="46032"/>
+                  <a:pt x="20829" y="18299"/>
+                  <a:pt x="53785" y="13331"/>
+                </a:cubicBezTo>
+                <a:cubicBezTo>
+                  <a:pt x="60361" y="12340"/>
+                  <a:pt x="66799" y="12330"/>
+                  <a:pt x="72892" y="13435"/>
+                </a:cubicBezTo>
+                <a:cubicBezTo>
+                  <a:pt x="87098" y="13167"/>
+                  <a:pt x="101300" y="8647"/>
+                  <a:pt x="115504" y="0"/>
+                </a:cubicBezTo>
+                <a:cubicBezTo>
+                  <a:pt x="111514" y="10106"/>
+                  <a:pt x="108615" y="20212"/>
+                  <a:pt x="106908" y="30341"/>
+                </a:cubicBezTo>
+                <a:cubicBezTo>
+                  <a:pt x="113870" y="37567"/>
+                  <a:pt x="118443" y="46814"/>
+                  <a:pt x="119672" y="57288"/>
+                </a:cubicBezTo>
+                <a:cubicBezTo>
+                  <a:pt x="123104" y="86532"/>
+                  <a:pt x="99170" y="114265"/>
+                  <a:pt x="66214" y="119233"/>
+                </a:cubicBezTo>
+                <a:close/>
+              </a:path>
+            </a:pathLst>
+          </a:custGeom>
+          <a:solidFill>
+            <a:schemeClr val="lt1"/>
+          </a:solidFill>
+          <a:ln>
+            <a:noFill/>
+          </a:ln>
+        </p:spPr>
+        <p:txBody>
+          <a:bodyPr lIns="91425" tIns="45700" rIns="91425" bIns="45700" anchor="ctr" anchorCtr="0">
+            <a:noAutofit/>
+          </a:bodyPr>
+          <a:lstStyle/>
+          <a:p>
+            <a:pPr marL="0" marR="0" lvl="0" indent="0" algn="ctr" rtl="0">
+              <a:lnSpc>
+                <a:spcPct val="80000"/>
+              </a:lnSpc>
+              <a:spcBef>
+                <a:spcPts val="0"/>
+              </a:spcBef>
+              <a:spcAft>
+                <a:spcPts val="0"/>
+              </a:spcAft>
+              <a:buClr>
+                <a:srgbClr val="000000"/>
+              </a:buClr>
+              <a:buFont typeface="Arial"/>
+              <a:buNone/>
+            </a:pPr>
+            <a:endParaRPr sz="300" b="0" i="0" u="none" strike="noStrike" cap="none">
+              <a:solidFill>
+                <a:schemeClr val="lt1"/>
+              </a:solidFill>
+              <a:latin typeface="Arial"/>
+              <a:ea typeface="Arial"/>
+              <a:cs typeface="Arial"/>
+              <a:sym typeface="Arial"/>
+            </a:endParaRPr>
+          </a:p>
+        </p:txBody>
+      </p:sp>
+      <p:sp>
+        <p:nvSpPr>
+          <p:cNvPr id="1198" name="Shape 1198"/>
+          <p:cNvSpPr/>
+          <p:nvPr/>
+        </p:nvSpPr>
+        <p:spPr>
+          <a:xfrm>
+            <a:off x="8344681" y="2070070"/>
+            <a:ext cx="192000" cy="189300"/>
+          </a:xfrm>
+          <a:custGeom>
+            <a:avLst/>
+            <a:gdLst/>
+            <a:ahLst/>
+            <a:cxnLst/>
+            <a:rect l="0" t="0" r="0" b="0"/>
+            <a:pathLst>
+              <a:path w="120000" h="120000" extrusionOk="0">
+                <a:moveTo>
+                  <a:pt x="60000" y="35630"/>
+                </a:moveTo>
+                <a:cubicBezTo>
+                  <a:pt x="46279" y="35630"/>
+                  <a:pt x="35156" y="46908"/>
+                  <a:pt x="35156" y="60821"/>
+                </a:cubicBezTo>
+                <a:cubicBezTo>
+                  <a:pt x="35156" y="74734"/>
+                  <a:pt x="46279" y="86012"/>
+                  <a:pt x="60000" y="86012"/>
+                </a:cubicBezTo>
+                <a:cubicBezTo>
+                  <a:pt x="73720" y="86012"/>
+                  <a:pt x="84843" y="74734"/>
+                  <a:pt x="84843" y="60821"/>
+                </a:cubicBezTo>
+                <a:cubicBezTo>
+                  <a:pt x="84843" y="46908"/>
+                  <a:pt x="73720" y="35630"/>
+                  <a:pt x="60000" y="35630"/>
+                </a:cubicBezTo>
+                <a:close/>
+                <a:moveTo>
+                  <a:pt x="54509" y="0"/>
+                </a:moveTo>
+                <a:lnTo>
+                  <a:pt x="59259" y="0"/>
+                </a:lnTo>
+                <a:lnTo>
+                  <a:pt x="59987" y="0"/>
+                </a:lnTo>
+                <a:lnTo>
+                  <a:pt x="64738" y="0"/>
+                </a:lnTo>
+                <a:cubicBezTo>
+                  <a:pt x="66440" y="0"/>
+                  <a:pt x="67820" y="1399"/>
+                  <a:pt x="67820" y="3125"/>
+                </a:cubicBezTo>
+                <a:cubicBezTo>
+                  <a:pt x="67820" y="6825"/>
+                  <a:pt x="68365" y="10011"/>
+                  <a:pt x="69012" y="13612"/>
+                </a:cubicBezTo>
+                <a:cubicBezTo>
+                  <a:pt x="73686" y="14542"/>
+                  <a:pt x="78115" y="16166"/>
+                  <a:pt x="82122" y="18502"/>
+                </a:cubicBezTo>
+                <a:cubicBezTo>
+                  <a:pt x="84996" y="16084"/>
+                  <a:pt x="87504" y="13963"/>
+                  <a:pt x="89914" y="11050"/>
+                </a:cubicBezTo>
+                <a:cubicBezTo>
+                  <a:pt x="91009" y="9728"/>
+                  <a:pt x="92953" y="9555"/>
+                  <a:pt x="94257" y="10665"/>
+                </a:cubicBezTo>
+                <a:lnTo>
+                  <a:pt x="97895" y="13761"/>
+                </a:lnTo>
+                <a:lnTo>
+                  <a:pt x="98453" y="14236"/>
+                </a:lnTo>
+                <a:lnTo>
+                  <a:pt x="102092" y="17332"/>
+                </a:lnTo>
+                <a:cubicBezTo>
+                  <a:pt x="103396" y="18441"/>
+                  <a:pt x="103566" y="20412"/>
+                  <a:pt x="102472" y="21735"/>
+                </a:cubicBezTo>
+                <a:cubicBezTo>
+                  <a:pt x="100120" y="24577"/>
+                  <a:pt x="98517" y="27380"/>
+                  <a:pt x="96723" y="30571"/>
+                </a:cubicBezTo>
+                <a:cubicBezTo>
+                  <a:pt x="99680" y="34226"/>
+                  <a:pt x="102110" y="38333"/>
+                  <a:pt x="103790" y="42821"/>
+                </a:cubicBezTo>
+                <a:cubicBezTo>
+                  <a:pt x="107575" y="42842"/>
+                  <a:pt x="110872" y="42859"/>
+                  <a:pt x="114606" y="42192"/>
+                </a:cubicBezTo>
+                <a:cubicBezTo>
+                  <a:pt x="116282" y="41892"/>
+                  <a:pt x="117880" y="43027"/>
+                  <a:pt x="118176" y="44727"/>
+                </a:cubicBezTo>
+                <a:lnTo>
+                  <a:pt x="119001" y="49470"/>
+                </a:lnTo>
+                <a:lnTo>
+                  <a:pt x="119127" y="50198"/>
+                </a:lnTo>
+                <a:lnTo>
+                  <a:pt x="119952" y="54941"/>
+                </a:lnTo>
+                <a:cubicBezTo>
+                  <a:pt x="120248" y="56641"/>
+                  <a:pt x="119128" y="58262"/>
+                  <a:pt x="117452" y="58562"/>
+                </a:cubicBezTo>
+                <a:cubicBezTo>
+                  <a:pt x="113831" y="59209"/>
+                  <a:pt x="110814" y="60319"/>
+                  <a:pt x="107397" y="61602"/>
+                </a:cubicBezTo>
+                <a:cubicBezTo>
+                  <a:pt x="107350" y="66635"/>
+                  <a:pt x="106543" y="71483"/>
+                  <a:pt x="105001" y="76006"/>
+                </a:cubicBezTo>
+                <a:cubicBezTo>
+                  <a:pt x="107825" y="78436"/>
+                  <a:pt x="110309" y="80556"/>
+                  <a:pt x="113535" y="82445"/>
+                </a:cubicBezTo>
+                <a:cubicBezTo>
+                  <a:pt x="115009" y="83308"/>
+                  <a:pt x="115514" y="85219"/>
+                  <a:pt x="114663" y="86714"/>
+                </a:cubicBezTo>
+                <a:lnTo>
+                  <a:pt x="112288" y="90885"/>
+                </a:lnTo>
+                <a:lnTo>
+                  <a:pt x="111923" y="91525"/>
+                </a:lnTo>
+                <a:lnTo>
+                  <a:pt x="109548" y="95696"/>
+                </a:lnTo>
+                <a:cubicBezTo>
+                  <a:pt x="108697" y="97191"/>
+                  <a:pt x="106812" y="97703"/>
+                  <a:pt x="105338" y="96840"/>
+                </a:cubicBezTo>
+                <a:cubicBezTo>
+                  <a:pt x="102159" y="94979"/>
+                  <a:pt x="99148" y="93863"/>
+                  <a:pt x="95724" y="92621"/>
+                </a:cubicBezTo>
+                <a:cubicBezTo>
+                  <a:pt x="92690" y="96298"/>
+                  <a:pt x="89066" y="99441"/>
+                  <a:pt x="85035" y="101989"/>
+                </a:cubicBezTo>
+                <a:cubicBezTo>
+                  <a:pt x="85642" y="105597"/>
+                  <a:pt x="86204" y="108780"/>
+                  <a:pt x="87452" y="112257"/>
+                </a:cubicBezTo>
+                <a:cubicBezTo>
+                  <a:pt x="88034" y="113879"/>
+                  <a:pt x="87209" y="115672"/>
+                  <a:pt x="85610" y="116263"/>
+                </a:cubicBezTo>
+                <a:lnTo>
+                  <a:pt x="81146" y="117910"/>
+                </a:lnTo>
+                <a:lnTo>
+                  <a:pt x="80462" y="118163"/>
+                </a:lnTo>
+                <a:lnTo>
+                  <a:pt x="75998" y="119810"/>
+                </a:lnTo>
+                <a:cubicBezTo>
+                  <a:pt x="74398" y="120401"/>
+                  <a:pt x="72630" y="119564"/>
+                  <a:pt x="72047" y="117942"/>
+                </a:cubicBezTo>
+                <a:cubicBezTo>
+                  <a:pt x="70827" y="114541"/>
+                  <a:pt x="69281" y="111783"/>
+                  <a:pt x="67508" y="108707"/>
+                </a:cubicBezTo>
+                <a:cubicBezTo>
+                  <a:pt x="64986" y="109185"/>
+                  <a:pt x="62388" y="109404"/>
+                  <a:pt x="59740" y="109404"/>
+                </a:cubicBezTo>
+                <a:cubicBezTo>
+                  <a:pt x="57395" y="109404"/>
+                  <a:pt x="55089" y="109233"/>
+                  <a:pt x="52843" y="108842"/>
+                </a:cubicBezTo>
+                <a:cubicBezTo>
+                  <a:pt x="51110" y="111851"/>
+                  <a:pt x="49598" y="114571"/>
+                  <a:pt x="48399" y="117911"/>
+                </a:cubicBezTo>
+                <a:cubicBezTo>
+                  <a:pt x="47817" y="119533"/>
+                  <a:pt x="46048" y="120369"/>
+                  <a:pt x="44449" y="119779"/>
+                </a:cubicBezTo>
+                <a:lnTo>
+                  <a:pt x="39985" y="118131"/>
+                </a:lnTo>
+                <a:lnTo>
+                  <a:pt x="39301" y="117879"/>
+                </a:lnTo>
+                <a:lnTo>
+                  <a:pt x="34837" y="116231"/>
+                </a:lnTo>
+                <a:cubicBezTo>
+                  <a:pt x="33238" y="115641"/>
+                  <a:pt x="32413" y="113848"/>
+                  <a:pt x="32995" y="112226"/>
+                </a:cubicBezTo>
+                <a:cubicBezTo>
+                  <a:pt x="34177" y="108932"/>
+                  <a:pt x="34744" y="105903"/>
+                  <a:pt x="35315" y="102525"/>
+                </a:cubicBezTo>
+                <a:cubicBezTo>
+                  <a:pt x="31121" y="100000"/>
+                  <a:pt x="27346" y="96839"/>
+                  <a:pt x="24186" y="93111"/>
+                </a:cubicBezTo>
+                <a:cubicBezTo>
+                  <a:pt x="20709" y="94372"/>
+                  <a:pt x="17664" y="95492"/>
+                  <a:pt x="14446" y="97376"/>
+                </a:cubicBezTo>
+                <a:cubicBezTo>
+                  <a:pt x="12971" y="98239"/>
+                  <a:pt x="11086" y="97727"/>
+                  <a:pt x="10235" y="96232"/>
+                </a:cubicBezTo>
+                <a:lnTo>
+                  <a:pt x="7860" y="92060"/>
+                </a:lnTo>
+                <a:lnTo>
+                  <a:pt x="7496" y="91421"/>
+                </a:lnTo>
+                <a:lnTo>
+                  <a:pt x="5121" y="87250"/>
+                </a:lnTo>
+                <a:cubicBezTo>
+                  <a:pt x="4270" y="85755"/>
+                  <a:pt x="4775" y="83843"/>
+                  <a:pt x="6249" y="82980"/>
+                </a:cubicBezTo>
+                <a:cubicBezTo>
+                  <a:pt x="9438" y="81114"/>
+                  <a:pt x="11901" y="79021"/>
+                  <a:pt x="14684" y="76626"/>
+                </a:cubicBezTo>
+                <a:cubicBezTo>
+                  <a:pt x="13059" y="72092"/>
+                  <a:pt x="12172" y="67221"/>
+                  <a:pt x="12139" y="62154"/>
+                </a:cubicBezTo>
+                <a:cubicBezTo>
+                  <a:pt x="8910" y="60944"/>
+                  <a:pt x="6003" y="59904"/>
+                  <a:pt x="2547" y="59286"/>
+                </a:cubicBezTo>
+                <a:cubicBezTo>
+                  <a:pt x="871" y="58987"/>
+                  <a:pt x="-248" y="57366"/>
+                  <a:pt x="47" y="55666"/>
+                </a:cubicBezTo>
+                <a:lnTo>
+                  <a:pt x="872" y="50922"/>
+                </a:lnTo>
+                <a:lnTo>
+                  <a:pt x="998" y="50195"/>
+                </a:lnTo>
+                <a:lnTo>
+                  <a:pt x="1823" y="45451"/>
+                </a:lnTo>
+                <a:cubicBezTo>
+                  <a:pt x="2119" y="43752"/>
+                  <a:pt x="3717" y="42617"/>
+                  <a:pt x="5393" y="42916"/>
+                </a:cubicBezTo>
+                <a:cubicBezTo>
+                  <a:pt x="8830" y="43531"/>
+                  <a:pt x="11896" y="43565"/>
+                  <a:pt x="15314" y="43548"/>
+                </a:cubicBezTo>
+                <a:cubicBezTo>
+                  <a:pt x="17069" y="38935"/>
+                  <a:pt x="19504" y="34665"/>
+                  <a:pt x="22511" y="30877"/>
+                </a:cubicBezTo>
+                <a:cubicBezTo>
+                  <a:pt x="20727" y="27704"/>
+                  <a:pt x="19127" y="24912"/>
+                  <a:pt x="16786" y="22083"/>
+                </a:cubicBezTo>
+                <a:cubicBezTo>
+                  <a:pt x="15692" y="20761"/>
+                  <a:pt x="15862" y="18789"/>
+                  <a:pt x="17166" y="17680"/>
+                </a:cubicBezTo>
+                <a:lnTo>
+                  <a:pt x="20804" y="14584"/>
+                </a:lnTo>
+                <a:lnTo>
+                  <a:pt x="21362" y="14109"/>
+                </a:lnTo>
+                <a:lnTo>
+                  <a:pt x="25001" y="11013"/>
+                </a:lnTo>
+                <a:cubicBezTo>
+                  <a:pt x="25653" y="10458"/>
+                  <a:pt x="26465" y="10224"/>
+                  <a:pt x="27251" y="10294"/>
+                </a:cubicBezTo>
+                <a:cubicBezTo>
+                  <a:pt x="28037" y="10363"/>
+                  <a:pt x="28796" y="10737"/>
+                  <a:pt x="29343" y="11398"/>
+                </a:cubicBezTo>
+                <a:cubicBezTo>
+                  <a:pt x="31698" y="14243"/>
+                  <a:pt x="34145" y="16333"/>
+                  <a:pt x="36936" y="18681"/>
+                </a:cubicBezTo>
+                <a:cubicBezTo>
+                  <a:pt x="41010" y="16346"/>
+                  <a:pt x="45470" y="14641"/>
+                  <a:pt x="50210" y="13751"/>
+                </a:cubicBezTo>
+                <a:cubicBezTo>
+                  <a:pt x="50867" y="10092"/>
+                  <a:pt x="51427" y="6872"/>
+                  <a:pt x="51427" y="3125"/>
+                </a:cubicBezTo>
+                <a:cubicBezTo>
+                  <a:pt x="51427" y="1399"/>
+                  <a:pt x="52807" y="0"/>
+                  <a:pt x="54509" y="0"/>
+                </a:cubicBezTo>
+                <a:close/>
+              </a:path>
+            </a:pathLst>
+          </a:custGeom>
+          <a:solidFill>
+            <a:schemeClr val="lt1"/>
+          </a:solidFill>
+          <a:ln>
+            <a:noFill/>
+          </a:ln>
+        </p:spPr>
+        <p:txBody>
+          <a:bodyPr lIns="91425" tIns="45700" rIns="91425" bIns="45700" anchor="ctr" anchorCtr="0">
+            <a:noAutofit/>
+          </a:bodyPr>
+          <a:lstStyle/>
+          <a:p>
+            <a:pPr marL="0" marR="0" lvl="0" indent="0" algn="ctr" rtl="0">
+              <a:lnSpc>
+                <a:spcPct val="80000"/>
+              </a:lnSpc>
+              <a:spcBef>
+                <a:spcPts val="0"/>
+              </a:spcBef>
+              <a:spcAft>
+                <a:spcPts val="0"/>
+              </a:spcAft>
+              <a:buClr>
+                <a:srgbClr val="000000"/>
+              </a:buClr>
+              <a:buFont typeface="Arial"/>
+              <a:buNone/>
+            </a:pPr>
+            <a:endParaRPr sz="300" b="0" i="0" u="none" strike="noStrike" cap="none">
+              <a:solidFill>
+                <a:schemeClr val="lt1"/>
+              </a:solidFill>
+              <a:latin typeface="Arial"/>
+              <a:ea typeface="Arial"/>
+              <a:cs typeface="Arial"/>
+              <a:sym typeface="Arial"/>
+            </a:endParaRPr>
+          </a:p>
+        </p:txBody>
+      </p:sp>
+      <p:sp>
+        <p:nvSpPr>
+          <p:cNvPr id="1199" name="Shape 1199"/>
+          <p:cNvSpPr/>
+          <p:nvPr/>
+        </p:nvSpPr>
+        <p:spPr>
+          <a:xfrm>
+            <a:off x="5366378" y="3052678"/>
+            <a:ext cx="1611899" cy="272699"/>
+          </a:xfrm>
+          <a:prstGeom prst="roundRect">
+            <a:avLst>
+              <a:gd name="adj" fmla="val 9038"/>
+            </a:avLst>
+          </a:prstGeom>
+          <a:solidFill>
+            <a:srgbClr val="33928A"/>
+          </a:solidFill>
+          <a:ln>
+            <a:noFill/>
+          </a:ln>
+        </p:spPr>
+        <p:txBody>
+          <a:bodyPr lIns="91425" tIns="0" rIns="91425" bIns="0" anchor="ctr" anchorCtr="0">
+            <a:noAutofit/>
+          </a:bodyPr>
+          <a:lstStyle/>
+          <a:p>
+            <a:pPr marL="0" marR="0" lvl="0" indent="0" algn="l" rtl="0">
+              <a:lnSpc>
+                <a:spcPct val="100000"/>
+              </a:lnSpc>
+              <a:spcBef>
+                <a:spcPts val="0"/>
+              </a:spcBef>
+              <a:spcAft>
+                <a:spcPts val="0"/>
+              </a:spcAft>
+              <a:buClr>
+                <a:srgbClr val="F2F2F2"/>
+              </a:buClr>
+              <a:buSzPct val="25000"/>
+              <a:buFont typeface="Calibri"/>
+              <a:buNone/>
+            </a:pPr>
+            <a:r>
+              <a:rPr lang="en-US" sz="1200" b="0" i="0" u="none" strike="noStrike" cap="none">
+                <a:solidFill>
+                  <a:srgbClr val="F2F2F2"/>
+                </a:solidFill>
+                <a:latin typeface="Calibri"/>
+                <a:ea typeface="Calibri"/>
+                <a:cs typeface="Calibri"/>
+                <a:sym typeface="Calibri"/>
+              </a:rPr>
+              <a:t>Metrics Collection</a:t>
+            </a:r>
+          </a:p>
+        </p:txBody>
+      </p:sp>
+      <p:sp>
+        <p:nvSpPr>
+          <p:cNvPr id="1200" name="Shape 1200"/>
+          <p:cNvSpPr/>
+          <p:nvPr/>
+        </p:nvSpPr>
+        <p:spPr>
+          <a:xfrm>
+            <a:off x="7040182" y="2308426"/>
+            <a:ext cx="1515300" cy="269099"/>
+          </a:xfrm>
+          <a:prstGeom prst="roundRect">
+            <a:avLst>
+              <a:gd name="adj" fmla="val 10428"/>
+            </a:avLst>
+          </a:prstGeom>
+          <a:noFill/>
+          <a:ln w="12700" cap="flat" cmpd="sng">
+            <a:solidFill>
+              <a:schemeClr val="lt1"/>
+            </a:solidFill>
+            <a:prstDash val="solid"/>
+            <a:round/>
+            <a:headEnd type="none" w="med" len="med"/>
+            <a:tailEnd type="none" w="med" len="med"/>
+          </a:ln>
+        </p:spPr>
+        <p:txBody>
+          <a:bodyPr lIns="91425" tIns="0" rIns="91425" bIns="0" anchor="ctr" anchorCtr="0">
+            <a:noAutofit/>
+          </a:bodyPr>
+          <a:lstStyle/>
+          <a:p>
+            <a:pPr marL="0" marR="0" lvl="0" indent="0" algn="l" rtl="0">
+              <a:lnSpc>
+                <a:spcPct val="100000"/>
+              </a:lnSpc>
+              <a:spcBef>
+                <a:spcPts val="0"/>
+              </a:spcBef>
+              <a:spcAft>
+                <a:spcPts val="0"/>
+              </a:spcAft>
+              <a:buClr>
+                <a:srgbClr val="F2F2F2"/>
+              </a:buClr>
+              <a:buSzPct val="25000"/>
+              <a:buFont typeface="Calibri"/>
+              <a:buNone/>
+            </a:pPr>
+            <a:r>
+              <a:rPr lang="en-US" sz="1200" b="0" i="0" u="none" strike="noStrike" cap="none">
+                <a:solidFill>
+                  <a:srgbClr val="F2F2F2"/>
+                </a:solidFill>
+                <a:latin typeface="Calibri"/>
+                <a:ea typeface="Calibri"/>
+                <a:cs typeface="Calibri"/>
+                <a:sym typeface="Calibri"/>
+              </a:rPr>
+              <a:t>Apps Container</a:t>
+            </a:r>
+          </a:p>
+        </p:txBody>
+      </p:sp>
+      <p:sp>
+        <p:nvSpPr>
+          <p:cNvPr id="1201" name="Shape 1201"/>
+          <p:cNvSpPr/>
+          <p:nvPr/>
+        </p:nvSpPr>
+        <p:spPr>
+          <a:xfrm>
+            <a:off x="8322042" y="2337784"/>
+            <a:ext cx="185399" cy="209100"/>
+          </a:xfrm>
+          <a:custGeom>
+            <a:avLst/>
+            <a:gdLst/>
+            <a:ahLst/>
+            <a:cxnLst/>
+            <a:rect l="0" t="0" r="0" b="0"/>
+            <a:pathLst>
+              <a:path w="120000" h="120000" extrusionOk="0">
+                <a:moveTo>
+                  <a:pt x="0" y="33813"/>
+                </a:moveTo>
+                <a:lnTo>
+                  <a:pt x="56402" y="62407"/>
+                </a:lnTo>
+                <a:lnTo>
+                  <a:pt x="56688" y="120000"/>
+                </a:lnTo>
+                <a:lnTo>
+                  <a:pt x="285" y="91405"/>
+                </a:lnTo>
+                <a:close/>
+                <a:moveTo>
+                  <a:pt x="120000" y="32982"/>
+                </a:moveTo>
+                <a:lnTo>
+                  <a:pt x="119714" y="90574"/>
+                </a:lnTo>
+                <a:lnTo>
+                  <a:pt x="63311" y="119168"/>
+                </a:lnTo>
+                <a:lnTo>
+                  <a:pt x="63597" y="61576"/>
+                </a:lnTo>
+                <a:close/>
+                <a:moveTo>
+                  <a:pt x="59874" y="0"/>
+                </a:moveTo>
+                <a:lnTo>
+                  <a:pt x="116151" y="28787"/>
+                </a:lnTo>
+                <a:lnTo>
+                  <a:pt x="59874" y="57575"/>
+                </a:lnTo>
+                <a:lnTo>
+                  <a:pt x="3596" y="28787"/>
+                </a:lnTo>
+                <a:close/>
+              </a:path>
+            </a:pathLst>
+          </a:custGeom>
+          <a:solidFill>
+            <a:schemeClr val="lt1"/>
+          </a:solidFill>
+          <a:ln>
+            <a:noFill/>
+          </a:ln>
+        </p:spPr>
+        <p:txBody>
+          <a:bodyPr lIns="91425" tIns="45700" rIns="91425" bIns="45700" anchor="ctr" anchorCtr="0">
+            <a:noAutofit/>
+          </a:bodyPr>
+          <a:lstStyle/>
+          <a:p>
+            <a:pPr marL="0" marR="0" lvl="0" indent="0" algn="ctr" rtl="0">
+              <a:lnSpc>
+                <a:spcPct val="80000"/>
+              </a:lnSpc>
+              <a:spcBef>
+                <a:spcPts val="0"/>
+              </a:spcBef>
+              <a:spcAft>
+                <a:spcPts val="0"/>
+              </a:spcAft>
+              <a:buClr>
+                <a:srgbClr val="000000"/>
+              </a:buClr>
+              <a:buFont typeface="Arial"/>
+              <a:buNone/>
+            </a:pPr>
+            <a:endParaRPr sz="300" b="0" i="0" u="none" strike="noStrike" cap="none">
+              <a:solidFill>
+                <a:schemeClr val="lt1"/>
+              </a:solidFill>
+              <a:latin typeface="Arial"/>
+              <a:ea typeface="Arial"/>
+              <a:cs typeface="Arial"/>
+              <a:sym typeface="Arial"/>
+            </a:endParaRPr>
+          </a:p>
+        </p:txBody>
+      </p:sp>
+      <p:sp>
+        <p:nvSpPr>
+          <p:cNvPr id="1202" name="Shape 1202"/>
+          <p:cNvSpPr/>
+          <p:nvPr/>
+        </p:nvSpPr>
+        <p:spPr>
+          <a:xfrm>
+            <a:off x="8368056" y="1747058"/>
+            <a:ext cx="149699" cy="183600"/>
+          </a:xfrm>
+          <a:custGeom>
+            <a:avLst/>
+            <a:gdLst/>
+            <a:ahLst/>
+            <a:cxnLst/>
+            <a:rect l="0" t="0" r="0" b="0"/>
+            <a:pathLst>
+              <a:path w="120000" h="120000" extrusionOk="0">
+                <a:moveTo>
+                  <a:pt x="59999" y="58970"/>
+                </a:moveTo>
+                <a:cubicBezTo>
+                  <a:pt x="51715" y="58970"/>
+                  <a:pt x="44999" y="64227"/>
+                  <a:pt x="44999" y="70713"/>
+                </a:cubicBezTo>
+                <a:cubicBezTo>
+                  <a:pt x="44999" y="75921"/>
+                  <a:pt x="49328" y="80336"/>
+                  <a:pt x="55384" y="81728"/>
+                </a:cubicBezTo>
+                <a:lnTo>
+                  <a:pt x="55384" y="104696"/>
+                </a:lnTo>
+                <a:cubicBezTo>
+                  <a:pt x="55384" y="106691"/>
+                  <a:pt x="57450" y="108309"/>
+                  <a:pt x="59999" y="108309"/>
+                </a:cubicBezTo>
+                <a:cubicBezTo>
+                  <a:pt x="62548" y="108309"/>
+                  <a:pt x="64615" y="106691"/>
+                  <a:pt x="64615" y="104696"/>
+                </a:cubicBezTo>
+                <a:lnTo>
+                  <a:pt x="64615" y="81728"/>
+                </a:lnTo>
+                <a:cubicBezTo>
+                  <a:pt x="70671" y="80336"/>
+                  <a:pt x="75000" y="75921"/>
+                  <a:pt x="75000" y="70713"/>
+                </a:cubicBezTo>
+                <a:cubicBezTo>
+                  <a:pt x="75000" y="64227"/>
+                  <a:pt x="68284" y="58970"/>
+                  <a:pt x="59999" y="58970"/>
+                </a:cubicBezTo>
+                <a:close/>
+                <a:moveTo>
+                  <a:pt x="59999" y="16169"/>
+                </a:moveTo>
+                <a:cubicBezTo>
+                  <a:pt x="47455" y="16169"/>
+                  <a:pt x="37286" y="24130"/>
+                  <a:pt x="37286" y="33951"/>
+                </a:cubicBezTo>
+                <a:lnTo>
+                  <a:pt x="37286" y="33952"/>
+                </a:lnTo>
+                <a:lnTo>
+                  <a:pt x="37255" y="33952"/>
+                </a:lnTo>
+                <a:lnTo>
+                  <a:pt x="37255" y="51044"/>
+                </a:lnTo>
+                <a:lnTo>
+                  <a:pt x="82744" y="51044"/>
+                </a:lnTo>
+                <a:lnTo>
+                  <a:pt x="82744" y="33952"/>
+                </a:lnTo>
+                <a:lnTo>
+                  <a:pt x="82712" y="33952"/>
+                </a:lnTo>
+                <a:cubicBezTo>
+                  <a:pt x="82712" y="33951"/>
+                  <a:pt x="82712" y="33951"/>
+                  <a:pt x="82712" y="33951"/>
+                </a:cubicBezTo>
+                <a:cubicBezTo>
+                  <a:pt x="82712" y="24130"/>
+                  <a:pt x="72543" y="16169"/>
+                  <a:pt x="59999" y="16169"/>
+                </a:cubicBezTo>
+                <a:close/>
+                <a:moveTo>
+                  <a:pt x="60000" y="0"/>
+                </a:moveTo>
+                <a:cubicBezTo>
+                  <a:pt x="83180" y="0"/>
+                  <a:pt x="101972" y="14712"/>
+                  <a:pt x="101972" y="32860"/>
+                </a:cubicBezTo>
+                <a:lnTo>
+                  <a:pt x="101972" y="32860"/>
+                </a:lnTo>
+                <a:lnTo>
+                  <a:pt x="101972" y="51044"/>
+                </a:lnTo>
+                <a:lnTo>
+                  <a:pt x="105320" y="51044"/>
+                </a:lnTo>
+                <a:cubicBezTo>
+                  <a:pt x="113427" y="51044"/>
+                  <a:pt x="120000" y="56189"/>
+                  <a:pt x="120000" y="62537"/>
+                </a:cubicBezTo>
+                <a:lnTo>
+                  <a:pt x="120000" y="108507"/>
+                </a:lnTo>
+                <a:cubicBezTo>
+                  <a:pt x="120000" y="114854"/>
+                  <a:pt x="113427" y="120000"/>
+                  <a:pt x="105320" y="120000"/>
+                </a:cubicBezTo>
+                <a:lnTo>
+                  <a:pt x="14679" y="120000"/>
+                </a:lnTo>
+                <a:cubicBezTo>
+                  <a:pt x="6572" y="120000"/>
+                  <a:pt x="0" y="114854"/>
+                  <a:pt x="0" y="108507"/>
+                </a:cubicBezTo>
+                <a:lnTo>
+                  <a:pt x="0" y="62537"/>
+                </a:lnTo>
+                <a:cubicBezTo>
+                  <a:pt x="0" y="56189"/>
+                  <a:pt x="6572" y="51044"/>
+                  <a:pt x="14679" y="51044"/>
+                </a:cubicBezTo>
+                <a:lnTo>
+                  <a:pt x="18027" y="51044"/>
+                </a:lnTo>
+                <a:lnTo>
+                  <a:pt x="18027" y="32860"/>
+                </a:lnTo>
+                <a:cubicBezTo>
+                  <a:pt x="18027" y="14712"/>
+                  <a:pt x="36819" y="0"/>
+                  <a:pt x="60000" y="0"/>
+                </a:cubicBezTo>
+                <a:close/>
+              </a:path>
+            </a:pathLst>
+          </a:custGeom>
+          <a:solidFill>
+            <a:schemeClr val="lt1"/>
+          </a:solidFill>
+          <a:ln>
+            <a:noFill/>
+          </a:ln>
+        </p:spPr>
+        <p:txBody>
+          <a:bodyPr lIns="91425" tIns="45700" rIns="91425" bIns="45700" anchor="ctr" anchorCtr="0">
+            <a:noAutofit/>
+          </a:bodyPr>
+          <a:lstStyle/>
+          <a:p>
+            <a:pPr marL="0" marR="0" lvl="0" indent="0" algn="ctr" rtl="0">
+              <a:lnSpc>
+                <a:spcPct val="80000"/>
+              </a:lnSpc>
+              <a:spcBef>
+                <a:spcPts val="0"/>
+              </a:spcBef>
+              <a:spcAft>
+                <a:spcPts val="0"/>
+              </a:spcAft>
+              <a:buClr>
+                <a:srgbClr val="000000"/>
+              </a:buClr>
+              <a:buFont typeface="Arial"/>
+              <a:buNone/>
+            </a:pPr>
+            <a:endParaRPr sz="450" b="0" i="0" u="none" strike="noStrike" cap="none">
+              <a:solidFill>
+                <a:schemeClr val="lt1"/>
+              </a:solidFill>
+              <a:latin typeface="Arial"/>
+              <a:ea typeface="Arial"/>
+              <a:cs typeface="Arial"/>
+              <a:sym typeface="Arial"/>
+            </a:endParaRPr>
+          </a:p>
+        </p:txBody>
+      </p:sp>
+      <p:sp>
+        <p:nvSpPr>
+          <p:cNvPr id="1204" name="Shape 1204"/>
+          <p:cNvSpPr txBox="1"/>
+          <p:nvPr/>
+        </p:nvSpPr>
+        <p:spPr>
+          <a:xfrm>
+            <a:off x="5433678" y="3334710"/>
+            <a:ext cx="3167399" cy="272999"/>
+          </a:xfrm>
+          <a:prstGeom prst="rect">
+            <a:avLst/>
+          </a:prstGeom>
+          <a:noFill/>
+          <a:ln>
+            <a:noFill/>
+          </a:ln>
+        </p:spPr>
+        <p:txBody>
+          <a:bodyPr lIns="91425" tIns="45700" rIns="91425" bIns="45700" anchor="t" anchorCtr="0">
+            <a:noAutofit/>
+          </a:bodyPr>
+          <a:lstStyle/>
+          <a:p>
+            <a:pPr marL="0" marR="0" lvl="0" indent="0" algn="ctr" rtl="0">
+              <a:lnSpc>
+                <a:spcPct val="100000"/>
+              </a:lnSpc>
+              <a:spcBef>
+                <a:spcPts val="0"/>
+              </a:spcBef>
+              <a:spcAft>
+                <a:spcPts val="0"/>
+              </a:spcAft>
+              <a:buClr>
+                <a:schemeClr val="dk1"/>
+              </a:buClr>
+              <a:buSzPct val="25000"/>
+              <a:buFont typeface="Arial"/>
+              <a:buNone/>
+            </a:pPr>
+            <a:r>
+              <a:rPr lang="en-US" sz="1110" b="1" i="0" u="none" strike="noStrike" cap="none" dirty="0">
+                <a:solidFill>
+                  <a:schemeClr val="dk1"/>
+                </a:solidFill>
+                <a:latin typeface="Arial"/>
+                <a:ea typeface="Arial"/>
+                <a:cs typeface="Arial"/>
+                <a:sym typeface="Arial"/>
+              </a:rPr>
+              <a:t>Elastic Runtime – Application Management</a:t>
+            </a:r>
+          </a:p>
+        </p:txBody>
+      </p:sp>
+      <p:pic>
+        <p:nvPicPr>
+          <p:cNvPr id="1205" name="Shape 1205"/>
+          <p:cNvPicPr preferRelativeResize="0"/>
+          <p:nvPr/>
+        </p:nvPicPr>
+        <p:blipFill rotWithShape="1">
+          <a:blip r:embed="rId3">
+            <a:alphaModFix/>
+          </a:blip>
+          <a:srcRect/>
+          <a:stretch/>
+        </p:blipFill>
+        <p:spPr>
+          <a:xfrm>
+            <a:off x="6708586" y="3073269"/>
+            <a:ext cx="237000" cy="237000"/>
+          </a:xfrm>
+          <a:prstGeom prst="rect">
+            <a:avLst/>
+          </a:prstGeom>
+          <a:noFill/>
+          <a:ln>
+            <a:noFill/>
+          </a:ln>
+        </p:spPr>
+      </p:pic>
+      <p:grpSp>
+        <p:nvGrpSpPr>
+          <p:cNvPr id="1207" name="Shape 1207"/>
+          <p:cNvGrpSpPr/>
+          <p:nvPr/>
+        </p:nvGrpSpPr>
+        <p:grpSpPr>
+          <a:xfrm>
+            <a:off x="2484410" y="2704277"/>
+            <a:ext cx="1744199" cy="903432"/>
+            <a:chOff x="6358466" y="2184400"/>
+            <a:chExt cx="1744199" cy="903432"/>
+          </a:xfrm>
+        </p:grpSpPr>
+        <p:sp>
+          <p:nvSpPr>
+            <p:cNvPr id="1208" name="Shape 1208"/>
+            <p:cNvSpPr/>
+            <p:nvPr/>
+          </p:nvSpPr>
+          <p:spPr>
+            <a:xfrm>
+              <a:off x="6358466" y="2184400"/>
+              <a:ext cx="1744199" cy="897599"/>
+            </a:xfrm>
+            <a:prstGeom prst="rect">
+              <a:avLst/>
+            </a:prstGeom>
+            <a:solidFill>
+              <a:schemeClr val="lt1"/>
+            </a:solidFill>
+            <a:ln w="9525" cap="flat" cmpd="sng">
+              <a:solidFill>
+                <a:schemeClr val="dk1"/>
+              </a:solidFill>
+              <a:prstDash val="solid"/>
+              <a:round/>
+              <a:headEnd type="none" w="med" len="med"/>
+              <a:tailEnd type="none" w="med" len="med"/>
+            </a:ln>
+          </p:spPr>
+          <p:txBody>
+            <a:bodyPr lIns="91425" tIns="45700" rIns="91425" bIns="45700" anchor="ctr" anchorCtr="0">
+              <a:noAutofit/>
+            </a:bodyPr>
+            <a:lstStyle/>
+            <a:p>
+              <a:pPr marL="0" marR="0" lvl="0" indent="0" algn="ctr" rtl="0">
+                <a:lnSpc>
+                  <a:spcPct val="100000"/>
+                </a:lnSpc>
+                <a:spcBef>
+                  <a:spcPts val="0"/>
+                </a:spcBef>
+                <a:spcAft>
+                  <a:spcPts val="0"/>
+                </a:spcAft>
+                <a:buClr>
+                  <a:srgbClr val="000000"/>
+                </a:buClr>
+                <a:buFont typeface="Arial"/>
+                <a:buNone/>
+              </a:pPr>
+              <a:endParaRPr sz="1800" b="0" i="0" u="none" strike="noStrike" cap="none">
+                <a:solidFill>
+                  <a:schemeClr val="dk1"/>
+                </a:solidFill>
+                <a:latin typeface="Arial"/>
+                <a:ea typeface="Arial"/>
+                <a:cs typeface="Arial"/>
+                <a:sym typeface="Arial"/>
+              </a:endParaRPr>
+            </a:p>
+          </p:txBody>
+        </p:sp>
+        <p:sp>
+          <p:nvSpPr>
+            <p:cNvPr id="1209" name="Shape 1209"/>
+            <p:cNvSpPr txBox="1"/>
+            <p:nvPr/>
+          </p:nvSpPr>
+          <p:spPr>
+            <a:xfrm>
+              <a:off x="6790080" y="2810933"/>
+              <a:ext cx="897110" cy="276899"/>
+            </a:xfrm>
+            <a:prstGeom prst="rect">
+              <a:avLst/>
+            </a:prstGeom>
+            <a:noFill/>
+            <a:ln>
+              <a:noFill/>
+            </a:ln>
+          </p:spPr>
+          <p:txBody>
+            <a:bodyPr lIns="91425" tIns="45700" rIns="91425" bIns="45700" anchor="t" anchorCtr="0">
+              <a:noAutofit/>
+            </a:bodyPr>
+            <a:lstStyle/>
+            <a:p>
+              <a:pPr marL="0" marR="0" lvl="0" indent="0" algn="ctr" rtl="0">
+                <a:lnSpc>
+                  <a:spcPct val="100000"/>
+                </a:lnSpc>
+                <a:spcBef>
+                  <a:spcPts val="0"/>
+                </a:spcBef>
+                <a:spcAft>
+                  <a:spcPts val="0"/>
+                </a:spcAft>
+                <a:buClr>
+                  <a:schemeClr val="dk1"/>
+                </a:buClr>
+                <a:buSzPct val="25000"/>
+                <a:buFont typeface="Arial"/>
+                <a:buNone/>
+              </a:pPr>
+              <a:r>
+                <a:rPr lang="en-US" sz="1200" b="1" i="0" u="none" strike="noStrike" cap="none" dirty="0">
+                  <a:solidFill>
+                    <a:schemeClr val="dk1"/>
+                  </a:solidFill>
+                  <a:latin typeface="Arial"/>
+                  <a:ea typeface="Arial"/>
+                  <a:cs typeface="Arial"/>
+                  <a:sym typeface="Arial"/>
+                </a:rPr>
+                <a:t>Service</a:t>
+              </a:r>
+            </a:p>
+          </p:txBody>
+        </p:sp>
+        <p:grpSp>
+          <p:nvGrpSpPr>
+            <p:cNvPr id="1210" name="Shape 1210"/>
+            <p:cNvGrpSpPr/>
+            <p:nvPr/>
+          </p:nvGrpSpPr>
+          <p:grpSpPr>
+            <a:xfrm>
+              <a:off x="6430190" y="2221581"/>
+              <a:ext cx="1613099" cy="568430"/>
+              <a:chOff x="5490387" y="1527312"/>
+              <a:chExt cx="1613099" cy="568430"/>
+            </a:xfrm>
+          </p:grpSpPr>
+          <p:sp>
+            <p:nvSpPr>
+              <p:cNvPr id="1211" name="Shape 1211"/>
+              <p:cNvSpPr/>
+              <p:nvPr/>
+            </p:nvSpPr>
+            <p:spPr>
+              <a:xfrm>
+                <a:off x="5490387" y="1527312"/>
+                <a:ext cx="1613099" cy="272100"/>
+              </a:xfrm>
+              <a:prstGeom prst="roundRect">
+                <a:avLst>
+                  <a:gd name="adj" fmla="val 17740"/>
+                </a:avLst>
+              </a:prstGeom>
+              <a:solidFill>
+                <a:srgbClr val="33928A"/>
+              </a:solidFill>
+              <a:ln>
+                <a:noFill/>
+              </a:ln>
+            </p:spPr>
+            <p:txBody>
+              <a:bodyPr lIns="91425" tIns="0" rIns="91425" bIns="0" anchor="ctr" anchorCtr="0">
+                <a:noAutofit/>
+              </a:bodyPr>
+              <a:lstStyle/>
+              <a:p>
+                <a:pPr marL="0" marR="0" lvl="0" indent="0" algn="l" rtl="0">
+                  <a:lnSpc>
+                    <a:spcPct val="100000"/>
+                  </a:lnSpc>
+                  <a:spcBef>
+                    <a:spcPts val="0"/>
+                  </a:spcBef>
+                  <a:spcAft>
+                    <a:spcPts val="0"/>
+                  </a:spcAft>
+                  <a:buClr>
+                    <a:srgbClr val="F2F2F2"/>
+                  </a:buClr>
+                  <a:buSzPct val="25000"/>
+                  <a:buFont typeface="Calibri"/>
+                  <a:buNone/>
+                </a:pPr>
+                <a:r>
+                  <a:rPr lang="en-US" sz="1200" b="0" i="0" u="none" strike="noStrike" cap="none" dirty="0">
+                    <a:solidFill>
+                      <a:srgbClr val="F2F2F2"/>
+                    </a:solidFill>
+                    <a:latin typeface="Calibri"/>
+                    <a:ea typeface="Calibri"/>
+                    <a:cs typeface="Calibri"/>
+                    <a:sym typeface="Calibri"/>
+                  </a:rPr>
+                  <a:t>Service </a:t>
+                </a:r>
+                <a:r>
+                  <a:rPr lang="en-US" sz="1200" b="0" i="0" u="none" strike="noStrike" cap="none" dirty="0" smtClean="0">
+                    <a:solidFill>
+                      <a:srgbClr val="F2F2F2"/>
+                    </a:solidFill>
+                    <a:latin typeface="Calibri"/>
+                    <a:ea typeface="Calibri"/>
+                    <a:cs typeface="Calibri"/>
+                    <a:sym typeface="Calibri"/>
+                  </a:rPr>
+                  <a:t>Broker*</a:t>
+                </a:r>
+                <a:endParaRPr lang="en-US" sz="1200" b="0" i="0" u="none" strike="noStrike" cap="none" dirty="0">
+                  <a:solidFill>
+                    <a:srgbClr val="F2F2F2"/>
+                  </a:solidFill>
+                  <a:latin typeface="Calibri"/>
+                  <a:ea typeface="Calibri"/>
+                  <a:cs typeface="Calibri"/>
+                  <a:sym typeface="Calibri"/>
+                </a:endParaRPr>
+              </a:p>
+            </p:txBody>
+          </p:sp>
+          <p:sp>
+            <p:nvSpPr>
+              <p:cNvPr id="1212" name="Shape 1212"/>
+              <p:cNvSpPr/>
+              <p:nvPr/>
+            </p:nvSpPr>
+            <p:spPr>
+              <a:xfrm>
+                <a:off x="5490387" y="1823642"/>
+                <a:ext cx="1613099" cy="272100"/>
+              </a:xfrm>
+              <a:prstGeom prst="roundRect">
+                <a:avLst>
+                  <a:gd name="adj" fmla="val 17740"/>
+                </a:avLst>
+              </a:prstGeom>
+              <a:solidFill>
+                <a:srgbClr val="33928A"/>
+              </a:solidFill>
+              <a:ln>
+                <a:noFill/>
+              </a:ln>
+            </p:spPr>
+            <p:txBody>
+              <a:bodyPr lIns="91425" tIns="0" rIns="91425" bIns="0" anchor="ctr" anchorCtr="0">
+                <a:noAutofit/>
+              </a:bodyPr>
+              <a:lstStyle/>
+              <a:p>
+                <a:pPr marL="0" marR="0" lvl="0" indent="0" algn="l" rtl="0">
+                  <a:lnSpc>
+                    <a:spcPct val="100000"/>
+                  </a:lnSpc>
+                  <a:spcBef>
+                    <a:spcPts val="0"/>
+                  </a:spcBef>
+                  <a:spcAft>
+                    <a:spcPts val="0"/>
+                  </a:spcAft>
+                  <a:buClr>
+                    <a:srgbClr val="F2F2F2"/>
+                  </a:buClr>
+                  <a:buSzPct val="25000"/>
+                  <a:buFont typeface="Calibri"/>
+                  <a:buNone/>
+                </a:pPr>
+                <a:r>
+                  <a:rPr lang="en-US" sz="1200" b="0" i="0" u="none" strike="noStrike" cap="none">
+                    <a:solidFill>
+                      <a:srgbClr val="F2F2F2"/>
+                    </a:solidFill>
+                    <a:latin typeface="Calibri"/>
+                    <a:ea typeface="Calibri"/>
+                    <a:cs typeface="Calibri"/>
+                    <a:sym typeface="Calibri"/>
+                  </a:rPr>
+                  <a:t>Service Nodes</a:t>
+                </a:r>
+              </a:p>
+            </p:txBody>
+          </p:sp>
+          <p:sp>
+            <p:nvSpPr>
+              <p:cNvPr id="1213" name="Shape 1213"/>
+              <p:cNvSpPr/>
+              <p:nvPr/>
+            </p:nvSpPr>
+            <p:spPr>
+              <a:xfrm>
+                <a:off x="6846607" y="1563850"/>
+                <a:ext cx="194099" cy="194099"/>
+              </a:xfrm>
+              <a:custGeom>
+                <a:avLst/>
+                <a:gdLst/>
+                <a:ahLst/>
+                <a:cxnLst/>
+                <a:rect l="0" t="0" r="0" b="0"/>
+                <a:pathLst>
+                  <a:path w="120000" h="120000" extrusionOk="0">
+                    <a:moveTo>
+                      <a:pt x="25661" y="84323"/>
+                    </a:moveTo>
+                    <a:cubicBezTo>
+                      <a:pt x="19756" y="84323"/>
+                      <a:pt x="14969" y="89110"/>
+                      <a:pt x="14969" y="95015"/>
+                    </a:cubicBezTo>
+                    <a:lnTo>
+                      <a:pt x="14969" y="95015"/>
+                    </a:lnTo>
+                    <a:cubicBezTo>
+                      <a:pt x="14969" y="100920"/>
+                      <a:pt x="19756" y="105708"/>
+                      <a:pt x="25661" y="105708"/>
+                    </a:cubicBezTo>
+                    <a:cubicBezTo>
+                      <a:pt x="31566" y="105708"/>
+                      <a:pt x="36354" y="100920"/>
+                      <a:pt x="36354" y="95015"/>
+                    </a:cubicBezTo>
+                    <a:lnTo>
+                      <a:pt x="36354" y="84323"/>
+                    </a:lnTo>
+                    <a:close/>
+                    <a:moveTo>
+                      <a:pt x="84316" y="83607"/>
+                    </a:moveTo>
+                    <a:lnTo>
+                      <a:pt x="84316" y="94299"/>
+                    </a:lnTo>
+                    <a:cubicBezTo>
+                      <a:pt x="84316" y="100204"/>
+                      <a:pt x="89103" y="104992"/>
+                      <a:pt x="95008" y="104992"/>
+                    </a:cubicBezTo>
+                    <a:lnTo>
+                      <a:pt x="95008" y="104992"/>
+                    </a:lnTo>
+                    <a:cubicBezTo>
+                      <a:pt x="100914" y="104992"/>
+                      <a:pt x="105701" y="100204"/>
+                      <a:pt x="105701" y="94299"/>
+                    </a:cubicBezTo>
+                    <a:cubicBezTo>
+                      <a:pt x="105701" y="88394"/>
+                      <a:pt x="100914" y="83607"/>
+                      <a:pt x="95008" y="83607"/>
+                    </a:cubicBezTo>
+                    <a:close/>
+                    <a:moveTo>
+                      <a:pt x="49735" y="49517"/>
+                    </a:moveTo>
+                    <a:lnTo>
+                      <a:pt x="49735" y="49645"/>
+                    </a:lnTo>
+                    <a:lnTo>
+                      <a:pt x="49627" y="49645"/>
+                    </a:lnTo>
+                    <a:lnTo>
+                      <a:pt x="49627" y="70372"/>
+                    </a:lnTo>
+                    <a:lnTo>
+                      <a:pt x="70366" y="70372"/>
+                    </a:lnTo>
+                    <a:lnTo>
+                      <a:pt x="70366" y="70334"/>
+                    </a:lnTo>
+                    <a:lnTo>
+                      <a:pt x="70481" y="70334"/>
+                    </a:lnTo>
+                    <a:lnTo>
+                      <a:pt x="70481" y="49627"/>
+                    </a:lnTo>
+                    <a:lnTo>
+                      <a:pt x="70372" y="49627"/>
+                    </a:lnTo>
+                    <a:lnTo>
+                      <a:pt x="70372" y="49517"/>
+                    </a:lnTo>
+                    <a:close/>
+                    <a:moveTo>
+                      <a:pt x="25092" y="14987"/>
+                    </a:moveTo>
+                    <a:cubicBezTo>
+                      <a:pt x="19187" y="14987"/>
+                      <a:pt x="14400" y="19774"/>
+                      <a:pt x="14400" y="25680"/>
+                    </a:cubicBezTo>
+                    <a:cubicBezTo>
+                      <a:pt x="14400" y="31585"/>
+                      <a:pt x="19187" y="36372"/>
+                      <a:pt x="25092" y="36372"/>
+                    </a:cubicBezTo>
+                    <a:lnTo>
+                      <a:pt x="35784" y="36372"/>
+                    </a:lnTo>
+                    <a:lnTo>
+                      <a:pt x="35784" y="25680"/>
+                    </a:lnTo>
+                    <a:cubicBezTo>
+                      <a:pt x="35784" y="19774"/>
+                      <a:pt x="30997" y="14987"/>
+                      <a:pt x="25092" y="14987"/>
+                    </a:cubicBezTo>
+                    <a:close/>
+                    <a:moveTo>
+                      <a:pt x="94338" y="14291"/>
+                    </a:moveTo>
+                    <a:cubicBezTo>
+                      <a:pt x="88433" y="14291"/>
+                      <a:pt x="83645" y="19079"/>
+                      <a:pt x="83645" y="24984"/>
+                    </a:cubicBezTo>
+                    <a:lnTo>
+                      <a:pt x="83645" y="35676"/>
+                    </a:lnTo>
+                    <a:lnTo>
+                      <a:pt x="94338" y="35676"/>
+                    </a:lnTo>
+                    <a:cubicBezTo>
+                      <a:pt x="100243" y="35676"/>
+                      <a:pt x="105030" y="30889"/>
+                      <a:pt x="105030" y="24984"/>
+                    </a:cubicBezTo>
+                    <a:lnTo>
+                      <a:pt x="105030" y="24984"/>
+                    </a:lnTo>
+                    <a:cubicBezTo>
+                      <a:pt x="105030" y="19079"/>
+                      <a:pt x="100243" y="14291"/>
+                      <a:pt x="94338" y="14291"/>
+                    </a:cubicBezTo>
+                    <a:close/>
+                    <a:moveTo>
+                      <a:pt x="95186" y="0"/>
+                    </a:moveTo>
+                    <a:cubicBezTo>
+                      <a:pt x="108890" y="0"/>
+                      <a:pt x="120000" y="11109"/>
+                      <a:pt x="120000" y="24813"/>
+                    </a:cubicBezTo>
+                    <a:lnTo>
+                      <a:pt x="119999" y="24813"/>
+                    </a:lnTo>
+                    <a:cubicBezTo>
+                      <a:pt x="119999" y="38518"/>
+                      <a:pt x="108890" y="49627"/>
+                      <a:pt x="95186" y="49627"/>
+                    </a:cubicBezTo>
+                    <a:lnTo>
+                      <a:pt x="83655" y="49627"/>
+                    </a:lnTo>
+                    <a:lnTo>
+                      <a:pt x="83655" y="70334"/>
+                    </a:lnTo>
+                    <a:lnTo>
+                      <a:pt x="95179" y="70334"/>
+                    </a:lnTo>
+                    <a:cubicBezTo>
+                      <a:pt x="108883" y="70334"/>
+                      <a:pt x="119993" y="81443"/>
+                      <a:pt x="119993" y="95147"/>
+                    </a:cubicBezTo>
+                    <a:cubicBezTo>
+                      <a:pt x="119993" y="108852"/>
+                      <a:pt x="108883" y="119961"/>
+                      <a:pt x="95179" y="119961"/>
+                    </a:cubicBezTo>
+                    <a:lnTo>
+                      <a:pt x="95179" y="119961"/>
+                    </a:lnTo>
+                    <a:cubicBezTo>
+                      <a:pt x="81475" y="119961"/>
+                      <a:pt x="70366" y="108852"/>
+                      <a:pt x="70366" y="95147"/>
+                    </a:cubicBezTo>
+                    <a:lnTo>
+                      <a:pt x="70366" y="84331"/>
+                    </a:lnTo>
+                    <a:lnTo>
+                      <a:pt x="49627" y="84331"/>
+                    </a:lnTo>
+                    <a:lnTo>
+                      <a:pt x="49627" y="95186"/>
+                    </a:lnTo>
+                    <a:cubicBezTo>
+                      <a:pt x="49627" y="108890"/>
+                      <a:pt x="38517" y="120000"/>
+                      <a:pt x="24813" y="120000"/>
+                    </a:cubicBezTo>
+                    <a:cubicBezTo>
+                      <a:pt x="11109" y="120000"/>
+                      <a:pt x="0" y="108890"/>
+                      <a:pt x="0" y="95186"/>
+                    </a:cubicBezTo>
+                    <a:lnTo>
+                      <a:pt x="0" y="95186"/>
+                    </a:lnTo>
+                    <a:cubicBezTo>
+                      <a:pt x="0" y="81481"/>
+                      <a:pt x="11109" y="70372"/>
+                      <a:pt x="24813" y="70372"/>
+                    </a:cubicBezTo>
+                    <a:lnTo>
+                      <a:pt x="36396" y="70372"/>
+                    </a:lnTo>
+                    <a:lnTo>
+                      <a:pt x="36396" y="49645"/>
+                    </a:lnTo>
+                    <a:lnTo>
+                      <a:pt x="24921" y="49645"/>
+                    </a:lnTo>
+                    <a:cubicBezTo>
+                      <a:pt x="11217" y="49645"/>
+                      <a:pt x="108" y="38536"/>
+                      <a:pt x="108" y="24831"/>
+                    </a:cubicBezTo>
+                    <a:cubicBezTo>
+                      <a:pt x="108" y="11127"/>
+                      <a:pt x="11217" y="18"/>
+                      <a:pt x="24921" y="18"/>
+                    </a:cubicBezTo>
+                    <a:lnTo>
+                      <a:pt x="24921" y="18"/>
+                    </a:lnTo>
+                    <a:cubicBezTo>
+                      <a:pt x="38625" y="18"/>
+                      <a:pt x="49735" y="11127"/>
+                      <a:pt x="49735" y="24832"/>
+                    </a:cubicBezTo>
+                    <a:lnTo>
+                      <a:pt x="49735" y="37072"/>
+                    </a:lnTo>
+                    <a:lnTo>
+                      <a:pt x="70372" y="37072"/>
+                    </a:lnTo>
+                    <a:lnTo>
+                      <a:pt x="70372" y="24813"/>
+                    </a:lnTo>
+                    <a:cubicBezTo>
+                      <a:pt x="70372" y="11109"/>
+                      <a:pt x="81482" y="0"/>
+                      <a:pt x="95186" y="0"/>
+                    </a:cubicBezTo>
+                    <a:close/>
+                  </a:path>
+                </a:pathLst>
+              </a:custGeom>
+              <a:solidFill>
+                <a:schemeClr val="lt1"/>
+              </a:solidFill>
+              <a:ln>
+                <a:noFill/>
+              </a:ln>
+            </p:spPr>
+            <p:txBody>
+              <a:bodyPr lIns="91425" tIns="45700" rIns="91425" bIns="45700" anchor="ctr" anchorCtr="0">
+                <a:noAutofit/>
+              </a:bodyPr>
+              <a:lstStyle/>
+              <a:p>
+                <a:pPr marL="0" marR="0" lvl="0" indent="0" algn="ctr" rtl="0">
+                  <a:lnSpc>
+                    <a:spcPct val="80000"/>
+                  </a:lnSpc>
+                  <a:spcBef>
+                    <a:spcPts val="0"/>
+                  </a:spcBef>
+                  <a:spcAft>
+                    <a:spcPts val="0"/>
+                  </a:spcAft>
+                  <a:buClr>
+                    <a:srgbClr val="000000"/>
+                  </a:buClr>
+                  <a:buFont typeface="Arial"/>
+                  <a:buNone/>
+                </a:pPr>
+                <a:endParaRPr sz="300" b="0" i="0" u="none" strike="noStrike" cap="none">
+                  <a:solidFill>
+                    <a:schemeClr val="lt1"/>
+                  </a:solidFill>
+                  <a:latin typeface="Arial"/>
+                  <a:ea typeface="Arial"/>
+                  <a:cs typeface="Arial"/>
+                  <a:sym typeface="Arial"/>
+                </a:endParaRPr>
+              </a:p>
+            </p:txBody>
+          </p:sp>
+        </p:grpSp>
+        <p:sp>
+          <p:nvSpPr>
+            <p:cNvPr id="1214" name="Shape 1214"/>
+            <p:cNvSpPr/>
+            <p:nvPr/>
+          </p:nvSpPr>
+          <p:spPr>
+            <a:xfrm>
+              <a:off x="7807128" y="2565175"/>
+              <a:ext cx="159900" cy="152700"/>
+            </a:xfrm>
+            <a:custGeom>
+              <a:avLst/>
+              <a:gdLst/>
+              <a:ahLst/>
+              <a:cxnLst/>
+              <a:rect l="0" t="0" r="0" b="0"/>
+              <a:pathLst>
+                <a:path w="120000" h="120000" extrusionOk="0">
+                  <a:moveTo>
+                    <a:pt x="0" y="67932"/>
+                  </a:moveTo>
+                  <a:cubicBezTo>
+                    <a:pt x="0" y="77010"/>
+                    <a:pt x="26863" y="84369"/>
+                    <a:pt x="60000" y="84369"/>
+                  </a:cubicBezTo>
+                  <a:cubicBezTo>
+                    <a:pt x="93137" y="84369"/>
+                    <a:pt x="120000" y="77010"/>
+                    <a:pt x="120000" y="67932"/>
+                  </a:cubicBezTo>
+                  <a:lnTo>
+                    <a:pt x="120000" y="103563"/>
+                  </a:lnTo>
+                  <a:lnTo>
+                    <a:pt x="120000" y="103665"/>
+                  </a:lnTo>
+                  <a:lnTo>
+                    <a:pt x="119962" y="103665"/>
+                  </a:lnTo>
+                  <a:cubicBezTo>
+                    <a:pt x="119797" y="112696"/>
+                    <a:pt x="93011" y="120000"/>
+                    <a:pt x="60000" y="120000"/>
+                  </a:cubicBezTo>
+                  <a:cubicBezTo>
+                    <a:pt x="26988" y="120000"/>
+                    <a:pt x="203" y="112696"/>
+                    <a:pt x="37" y="103665"/>
+                  </a:cubicBezTo>
+                  <a:lnTo>
+                    <a:pt x="0" y="103665"/>
+                  </a:lnTo>
+                  <a:lnTo>
+                    <a:pt x="0" y="103563"/>
+                  </a:lnTo>
+                  <a:close/>
+                  <a:moveTo>
+                    <a:pt x="0" y="22813"/>
+                  </a:moveTo>
+                  <a:cubicBezTo>
+                    <a:pt x="0" y="31890"/>
+                    <a:pt x="26863" y="39249"/>
+                    <a:pt x="60000" y="39249"/>
+                  </a:cubicBezTo>
+                  <a:cubicBezTo>
+                    <a:pt x="93137" y="39249"/>
+                    <a:pt x="120000" y="31890"/>
+                    <a:pt x="120000" y="22813"/>
+                  </a:cubicBezTo>
+                  <a:lnTo>
+                    <a:pt x="120000" y="58444"/>
+                  </a:lnTo>
+                  <a:lnTo>
+                    <a:pt x="120000" y="58546"/>
+                  </a:lnTo>
+                  <a:lnTo>
+                    <a:pt x="119962" y="58546"/>
+                  </a:lnTo>
+                  <a:cubicBezTo>
+                    <a:pt x="119797" y="67577"/>
+                    <a:pt x="93011" y="74880"/>
+                    <a:pt x="60000" y="74880"/>
+                  </a:cubicBezTo>
+                  <a:cubicBezTo>
+                    <a:pt x="26988" y="74880"/>
+                    <a:pt x="203" y="67577"/>
+                    <a:pt x="37" y="58546"/>
+                  </a:cubicBezTo>
+                  <a:lnTo>
+                    <a:pt x="0" y="58546"/>
+                  </a:lnTo>
+                  <a:lnTo>
+                    <a:pt x="0" y="58444"/>
+                  </a:lnTo>
+                  <a:close/>
+                  <a:moveTo>
+                    <a:pt x="59999" y="0"/>
+                  </a:moveTo>
+                  <a:cubicBezTo>
+                    <a:pt x="91314" y="0"/>
+                    <a:pt x="116699" y="6954"/>
+                    <a:pt x="116699" y="15532"/>
+                  </a:cubicBezTo>
+                  <a:cubicBezTo>
+                    <a:pt x="116699" y="24110"/>
+                    <a:pt x="91314" y="31064"/>
+                    <a:pt x="59999" y="31064"/>
+                  </a:cubicBezTo>
+                  <a:cubicBezTo>
+                    <a:pt x="28685" y="31064"/>
+                    <a:pt x="3300" y="24110"/>
+                    <a:pt x="3300" y="15532"/>
+                  </a:cubicBezTo>
+                  <a:cubicBezTo>
+                    <a:pt x="3300" y="6954"/>
+                    <a:pt x="28685" y="0"/>
+                    <a:pt x="59999" y="0"/>
+                  </a:cubicBezTo>
+                  <a:close/>
+                </a:path>
+              </a:pathLst>
+            </a:custGeom>
+            <a:solidFill>
+              <a:schemeClr val="lt1"/>
+            </a:solidFill>
+            <a:ln>
+              <a:noFill/>
+            </a:ln>
+          </p:spPr>
+          <p:txBody>
+            <a:bodyPr lIns="91425" tIns="45700" rIns="91425" bIns="45700" anchor="ctr" anchorCtr="0">
+              <a:noAutofit/>
+            </a:bodyPr>
+            <a:lstStyle/>
+            <a:p>
+              <a:pPr marL="0" marR="0" lvl="0" indent="0" algn="ctr" rtl="0">
+                <a:lnSpc>
+                  <a:spcPct val="80000"/>
+                </a:lnSpc>
+                <a:spcBef>
+                  <a:spcPts val="0"/>
+                </a:spcBef>
+                <a:spcAft>
+                  <a:spcPts val="0"/>
+                </a:spcAft>
+                <a:buClr>
+                  <a:srgbClr val="000000"/>
+                </a:buClr>
+                <a:buFont typeface="Arial"/>
+                <a:buNone/>
+              </a:pPr>
+              <a:endParaRPr sz="450" b="0" i="0" u="none" strike="noStrike" cap="none">
+                <a:solidFill>
+                  <a:schemeClr val="lt1"/>
+                </a:solidFill>
+                <a:latin typeface="Arial"/>
+                <a:ea typeface="Arial"/>
+                <a:cs typeface="Arial"/>
+                <a:sym typeface="Arial"/>
+              </a:endParaRPr>
+            </a:p>
+          </p:txBody>
+        </p:sp>
+      </p:grpSp>
+      <p:grpSp>
+        <p:nvGrpSpPr>
+          <p:cNvPr id="1215" name="Shape 1215"/>
+          <p:cNvGrpSpPr/>
+          <p:nvPr/>
+        </p:nvGrpSpPr>
+        <p:grpSpPr>
+          <a:xfrm>
+            <a:off x="586882" y="2697804"/>
+            <a:ext cx="1744199" cy="903429"/>
+            <a:chOff x="6358467" y="1176869"/>
+            <a:chExt cx="1744199" cy="903429"/>
+          </a:xfrm>
+        </p:grpSpPr>
+        <p:sp>
+          <p:nvSpPr>
+            <p:cNvPr id="1216" name="Shape 1216"/>
+            <p:cNvSpPr/>
+            <p:nvPr/>
+          </p:nvSpPr>
+          <p:spPr>
+            <a:xfrm>
+              <a:off x="6358467" y="1176869"/>
+              <a:ext cx="1744199" cy="897599"/>
+            </a:xfrm>
+            <a:prstGeom prst="rect">
+              <a:avLst/>
+            </a:prstGeom>
+            <a:solidFill>
+              <a:schemeClr val="lt1"/>
+            </a:solidFill>
+            <a:ln w="9525" cap="flat" cmpd="sng">
+              <a:solidFill>
+                <a:schemeClr val="dk1"/>
+              </a:solidFill>
+              <a:prstDash val="solid"/>
+              <a:round/>
+              <a:headEnd type="none" w="med" len="med"/>
+              <a:tailEnd type="none" w="med" len="med"/>
+            </a:ln>
+          </p:spPr>
+          <p:txBody>
+            <a:bodyPr lIns="91425" tIns="45700" rIns="91425" bIns="45700" anchor="ctr" anchorCtr="0">
+              <a:noAutofit/>
+            </a:bodyPr>
+            <a:lstStyle/>
+            <a:p>
+              <a:pPr marL="0" marR="0" lvl="0" indent="0" algn="ctr" rtl="0">
+                <a:lnSpc>
+                  <a:spcPct val="100000"/>
+                </a:lnSpc>
+                <a:spcBef>
+                  <a:spcPts val="0"/>
+                </a:spcBef>
+                <a:spcAft>
+                  <a:spcPts val="0"/>
+                </a:spcAft>
+                <a:buClr>
+                  <a:srgbClr val="000000"/>
+                </a:buClr>
+                <a:buFont typeface="Arial"/>
+                <a:buNone/>
+              </a:pPr>
+              <a:endParaRPr sz="1800" b="0" i="0" u="none" strike="noStrike" cap="none">
+                <a:solidFill>
+                  <a:schemeClr val="dk1"/>
+                </a:solidFill>
+                <a:latin typeface="Arial"/>
+                <a:ea typeface="Arial"/>
+                <a:cs typeface="Arial"/>
+                <a:sym typeface="Arial"/>
+              </a:endParaRPr>
+            </a:p>
+          </p:txBody>
+        </p:sp>
+        <p:grpSp>
+          <p:nvGrpSpPr>
+            <p:cNvPr id="1217" name="Shape 1217"/>
+            <p:cNvGrpSpPr/>
+            <p:nvPr/>
+          </p:nvGrpSpPr>
+          <p:grpSpPr>
+            <a:xfrm>
+              <a:off x="6430190" y="1230979"/>
+              <a:ext cx="1613099" cy="568430"/>
+              <a:chOff x="5490387" y="1527312"/>
+              <a:chExt cx="1613099" cy="568430"/>
+            </a:xfrm>
+          </p:grpSpPr>
+          <p:sp>
+            <p:nvSpPr>
+              <p:cNvPr id="1218" name="Shape 1218"/>
+              <p:cNvSpPr/>
+              <p:nvPr/>
+            </p:nvSpPr>
+            <p:spPr>
+              <a:xfrm>
+                <a:off x="5490387" y="1527312"/>
+                <a:ext cx="1613099" cy="272100"/>
+              </a:xfrm>
+              <a:prstGeom prst="roundRect">
+                <a:avLst>
+                  <a:gd name="adj" fmla="val 17740"/>
+                </a:avLst>
+              </a:prstGeom>
+              <a:solidFill>
+                <a:srgbClr val="33928A"/>
+              </a:solidFill>
+              <a:ln>
+                <a:noFill/>
+              </a:ln>
+            </p:spPr>
+            <p:txBody>
+              <a:bodyPr lIns="91425" tIns="0" rIns="91425" bIns="0" anchor="ctr" anchorCtr="0">
+                <a:noAutofit/>
+              </a:bodyPr>
+              <a:lstStyle/>
+              <a:p>
+                <a:pPr marL="0" marR="0" lvl="0" indent="0" algn="l" rtl="0">
+                  <a:lnSpc>
+                    <a:spcPct val="100000"/>
+                  </a:lnSpc>
+                  <a:spcBef>
+                    <a:spcPts val="0"/>
+                  </a:spcBef>
+                  <a:spcAft>
+                    <a:spcPts val="0"/>
+                  </a:spcAft>
+                  <a:buClr>
+                    <a:srgbClr val="F2F2F2"/>
+                  </a:buClr>
+                  <a:buSzPct val="25000"/>
+                  <a:buFont typeface="Calibri"/>
+                  <a:buNone/>
+                </a:pPr>
+                <a:r>
+                  <a:rPr lang="en-US" sz="1200" b="0" i="0" u="none" strike="noStrike" cap="none" dirty="0">
+                    <a:solidFill>
+                      <a:srgbClr val="F2F2F2"/>
+                    </a:solidFill>
+                    <a:latin typeface="Calibri"/>
+                    <a:ea typeface="Calibri"/>
+                    <a:cs typeface="Calibri"/>
+                    <a:sym typeface="Calibri"/>
+                  </a:rPr>
+                  <a:t>Service </a:t>
+                </a:r>
+                <a:r>
+                  <a:rPr lang="en-US" sz="1200" b="0" i="0" u="none" strike="noStrike" cap="none" dirty="0" smtClean="0">
+                    <a:solidFill>
+                      <a:srgbClr val="F2F2F2"/>
+                    </a:solidFill>
+                    <a:latin typeface="Calibri"/>
+                    <a:ea typeface="Calibri"/>
+                    <a:cs typeface="Calibri"/>
+                    <a:sym typeface="Calibri"/>
+                  </a:rPr>
+                  <a:t>Broker*</a:t>
+                </a:r>
+                <a:endParaRPr lang="en-US" sz="1200" b="0" i="0" u="none" strike="noStrike" cap="none" dirty="0">
+                  <a:solidFill>
+                    <a:srgbClr val="F2F2F2"/>
+                  </a:solidFill>
+                  <a:latin typeface="Calibri"/>
+                  <a:ea typeface="Calibri"/>
+                  <a:cs typeface="Calibri"/>
+                  <a:sym typeface="Calibri"/>
+                </a:endParaRPr>
+              </a:p>
+            </p:txBody>
+          </p:sp>
+          <p:sp>
+            <p:nvSpPr>
+              <p:cNvPr id="1219" name="Shape 1219"/>
+              <p:cNvSpPr/>
+              <p:nvPr/>
+            </p:nvSpPr>
+            <p:spPr>
+              <a:xfrm>
+                <a:off x="5490387" y="1823642"/>
+                <a:ext cx="1613099" cy="272100"/>
+              </a:xfrm>
+              <a:prstGeom prst="roundRect">
+                <a:avLst>
+                  <a:gd name="adj" fmla="val 17740"/>
+                </a:avLst>
+              </a:prstGeom>
+              <a:solidFill>
+                <a:srgbClr val="33928A"/>
+              </a:solidFill>
+              <a:ln>
+                <a:noFill/>
+              </a:ln>
+            </p:spPr>
+            <p:txBody>
+              <a:bodyPr lIns="91425" tIns="0" rIns="91425" bIns="0" anchor="ctr" anchorCtr="0">
+                <a:noAutofit/>
+              </a:bodyPr>
+              <a:lstStyle/>
+              <a:p>
+                <a:pPr marL="0" marR="0" lvl="0" indent="0" algn="l" rtl="0">
+                  <a:lnSpc>
+                    <a:spcPct val="100000"/>
+                  </a:lnSpc>
+                  <a:spcBef>
+                    <a:spcPts val="0"/>
+                  </a:spcBef>
+                  <a:spcAft>
+                    <a:spcPts val="0"/>
+                  </a:spcAft>
+                  <a:buClr>
+                    <a:srgbClr val="F2F2F2"/>
+                  </a:buClr>
+                  <a:buSzPct val="25000"/>
+                  <a:buFont typeface="Calibri"/>
+                  <a:buNone/>
+                </a:pPr>
+                <a:r>
+                  <a:rPr lang="en-US" sz="1200" b="0" i="0" u="none" strike="noStrike" cap="none">
+                    <a:solidFill>
+                      <a:srgbClr val="F2F2F2"/>
+                    </a:solidFill>
+                    <a:latin typeface="Calibri"/>
+                    <a:ea typeface="Calibri"/>
+                    <a:cs typeface="Calibri"/>
+                    <a:sym typeface="Calibri"/>
+                  </a:rPr>
+                  <a:t>Service Nodes</a:t>
+                </a:r>
+              </a:p>
+            </p:txBody>
+          </p:sp>
+          <p:sp>
+            <p:nvSpPr>
+              <p:cNvPr id="1220" name="Shape 1220"/>
+              <p:cNvSpPr/>
+              <p:nvPr/>
+            </p:nvSpPr>
+            <p:spPr>
+              <a:xfrm>
+                <a:off x="6846607" y="1563850"/>
+                <a:ext cx="194099" cy="194099"/>
+              </a:xfrm>
+              <a:custGeom>
+                <a:avLst/>
+                <a:gdLst/>
+                <a:ahLst/>
+                <a:cxnLst/>
+                <a:rect l="0" t="0" r="0" b="0"/>
+                <a:pathLst>
+                  <a:path w="120000" h="120000" extrusionOk="0">
+                    <a:moveTo>
+                      <a:pt x="25661" y="84323"/>
+                    </a:moveTo>
+                    <a:cubicBezTo>
+                      <a:pt x="19756" y="84323"/>
+                      <a:pt x="14969" y="89110"/>
+                      <a:pt x="14969" y="95015"/>
+                    </a:cubicBezTo>
+                    <a:lnTo>
+                      <a:pt x="14969" y="95015"/>
+                    </a:lnTo>
+                    <a:cubicBezTo>
+                      <a:pt x="14969" y="100920"/>
+                      <a:pt x="19756" y="105708"/>
+                      <a:pt x="25661" y="105708"/>
+                    </a:cubicBezTo>
+                    <a:cubicBezTo>
+                      <a:pt x="31566" y="105708"/>
+                      <a:pt x="36354" y="100920"/>
+                      <a:pt x="36354" y="95015"/>
+                    </a:cubicBezTo>
+                    <a:lnTo>
+                      <a:pt x="36354" y="84323"/>
+                    </a:lnTo>
+                    <a:close/>
+                    <a:moveTo>
+                      <a:pt x="84316" y="83607"/>
+                    </a:moveTo>
+                    <a:lnTo>
+                      <a:pt x="84316" y="94299"/>
+                    </a:lnTo>
+                    <a:cubicBezTo>
+                      <a:pt x="84316" y="100204"/>
+                      <a:pt x="89103" y="104992"/>
+                      <a:pt x="95008" y="104992"/>
+                    </a:cubicBezTo>
+                    <a:lnTo>
+                      <a:pt x="95008" y="104992"/>
+                    </a:lnTo>
+                    <a:cubicBezTo>
+                      <a:pt x="100914" y="104992"/>
+                      <a:pt x="105701" y="100204"/>
+                      <a:pt x="105701" y="94299"/>
+                    </a:cubicBezTo>
+                    <a:cubicBezTo>
+                      <a:pt x="105701" y="88394"/>
+                      <a:pt x="100914" y="83607"/>
+                      <a:pt x="95008" y="83607"/>
+                    </a:cubicBezTo>
+                    <a:close/>
+                    <a:moveTo>
+                      <a:pt x="49735" y="49517"/>
+                    </a:moveTo>
+                    <a:lnTo>
+                      <a:pt x="49735" y="49645"/>
+                    </a:lnTo>
+                    <a:lnTo>
+                      <a:pt x="49627" y="49645"/>
+                    </a:lnTo>
+                    <a:lnTo>
+                      <a:pt x="49627" y="70372"/>
+                    </a:lnTo>
+                    <a:lnTo>
+                      <a:pt x="70366" y="70372"/>
+                    </a:lnTo>
+                    <a:lnTo>
+                      <a:pt x="70366" y="70334"/>
+                    </a:lnTo>
+                    <a:lnTo>
+                      <a:pt x="70481" y="70334"/>
+                    </a:lnTo>
+                    <a:lnTo>
+                      <a:pt x="70481" y="49627"/>
+                    </a:lnTo>
+                    <a:lnTo>
+                      <a:pt x="70372" y="49627"/>
+                    </a:lnTo>
+                    <a:lnTo>
+                      <a:pt x="70372" y="49517"/>
+                    </a:lnTo>
+                    <a:close/>
+                    <a:moveTo>
+                      <a:pt x="25092" y="14987"/>
+                    </a:moveTo>
+                    <a:cubicBezTo>
+                      <a:pt x="19187" y="14987"/>
+                      <a:pt x="14400" y="19774"/>
+                      <a:pt x="14400" y="25680"/>
+                    </a:cubicBezTo>
+                    <a:cubicBezTo>
+                      <a:pt x="14400" y="31585"/>
+                      <a:pt x="19187" y="36372"/>
+                      <a:pt x="25092" y="36372"/>
+                    </a:cubicBezTo>
+                    <a:lnTo>
+                      <a:pt x="35784" y="36372"/>
+                    </a:lnTo>
+                    <a:lnTo>
+                      <a:pt x="35784" y="25680"/>
+                    </a:lnTo>
+                    <a:cubicBezTo>
+                      <a:pt x="35784" y="19774"/>
+                      <a:pt x="30997" y="14987"/>
+                      <a:pt x="25092" y="14987"/>
+                    </a:cubicBezTo>
+                    <a:close/>
+                    <a:moveTo>
+                      <a:pt x="94338" y="14291"/>
+                    </a:moveTo>
+                    <a:cubicBezTo>
+                      <a:pt x="88433" y="14291"/>
+                      <a:pt x="83645" y="19079"/>
+                      <a:pt x="83645" y="24984"/>
+                    </a:cubicBezTo>
+                    <a:lnTo>
+                      <a:pt x="83645" y="35676"/>
+                    </a:lnTo>
+                    <a:lnTo>
+                      <a:pt x="94338" y="35676"/>
+                    </a:lnTo>
+                    <a:cubicBezTo>
+                      <a:pt x="100243" y="35676"/>
+                      <a:pt x="105030" y="30889"/>
+                      <a:pt x="105030" y="24984"/>
+                    </a:cubicBezTo>
+                    <a:lnTo>
+                      <a:pt x="105030" y="24984"/>
+                    </a:lnTo>
+                    <a:cubicBezTo>
+                      <a:pt x="105030" y="19079"/>
+                      <a:pt x="100243" y="14291"/>
+                      <a:pt x="94338" y="14291"/>
+                    </a:cubicBezTo>
+                    <a:close/>
+                    <a:moveTo>
+                      <a:pt x="95186" y="0"/>
+                    </a:moveTo>
+                    <a:cubicBezTo>
+                      <a:pt x="108890" y="0"/>
+                      <a:pt x="120000" y="11109"/>
+                      <a:pt x="120000" y="24813"/>
+                    </a:cubicBezTo>
+                    <a:lnTo>
+                      <a:pt x="119999" y="24813"/>
+                    </a:lnTo>
+                    <a:cubicBezTo>
+                      <a:pt x="119999" y="38518"/>
+                      <a:pt x="108890" y="49627"/>
+                      <a:pt x="95186" y="49627"/>
+                    </a:cubicBezTo>
+                    <a:lnTo>
+                      <a:pt x="83655" y="49627"/>
+                    </a:lnTo>
+                    <a:lnTo>
+                      <a:pt x="83655" y="70334"/>
+                    </a:lnTo>
+                    <a:lnTo>
+                      <a:pt x="95179" y="70334"/>
+                    </a:lnTo>
+                    <a:cubicBezTo>
+                      <a:pt x="108883" y="70334"/>
+                      <a:pt x="119993" y="81443"/>
+                      <a:pt x="119993" y="95147"/>
+                    </a:cubicBezTo>
+                    <a:cubicBezTo>
+                      <a:pt x="119993" y="108852"/>
+                      <a:pt x="108883" y="119961"/>
+                      <a:pt x="95179" y="119961"/>
+                    </a:cubicBezTo>
+                    <a:lnTo>
+                      <a:pt x="95179" y="119961"/>
+                    </a:lnTo>
+                    <a:cubicBezTo>
+                      <a:pt x="81475" y="119961"/>
+                      <a:pt x="70366" y="108852"/>
+                      <a:pt x="70366" y="95147"/>
+                    </a:cubicBezTo>
+                    <a:lnTo>
+                      <a:pt x="70366" y="84331"/>
+                    </a:lnTo>
+                    <a:lnTo>
+                      <a:pt x="49627" y="84331"/>
+                    </a:lnTo>
+                    <a:lnTo>
+                      <a:pt x="49627" y="95186"/>
+                    </a:lnTo>
+                    <a:cubicBezTo>
+                      <a:pt x="49627" y="108890"/>
+                      <a:pt x="38517" y="120000"/>
+                      <a:pt x="24813" y="120000"/>
+                    </a:cubicBezTo>
+                    <a:cubicBezTo>
+                      <a:pt x="11109" y="120000"/>
+                      <a:pt x="0" y="108890"/>
+                      <a:pt x="0" y="95186"/>
+                    </a:cubicBezTo>
+                    <a:lnTo>
+                      <a:pt x="0" y="95186"/>
+                    </a:lnTo>
+                    <a:cubicBezTo>
+                      <a:pt x="0" y="81481"/>
+                      <a:pt x="11109" y="70372"/>
+                      <a:pt x="24813" y="70372"/>
+                    </a:cubicBezTo>
+                    <a:lnTo>
+                      <a:pt x="36396" y="70372"/>
+                    </a:lnTo>
+                    <a:lnTo>
+                      <a:pt x="36396" y="49645"/>
+                    </a:lnTo>
+                    <a:lnTo>
+                      <a:pt x="24921" y="49645"/>
+                    </a:lnTo>
+                    <a:cubicBezTo>
+                      <a:pt x="11217" y="49645"/>
+                      <a:pt x="108" y="38536"/>
+                      <a:pt x="108" y="24831"/>
+                    </a:cubicBezTo>
+                    <a:cubicBezTo>
+                      <a:pt x="108" y="11127"/>
+                      <a:pt x="11217" y="18"/>
+                      <a:pt x="24921" y="18"/>
+                    </a:cubicBezTo>
+                    <a:lnTo>
+                      <a:pt x="24921" y="18"/>
+                    </a:lnTo>
+                    <a:cubicBezTo>
+                      <a:pt x="38625" y="18"/>
+                      <a:pt x="49735" y="11127"/>
+                      <a:pt x="49735" y="24832"/>
+                    </a:cubicBezTo>
+                    <a:lnTo>
+                      <a:pt x="49735" y="37072"/>
+                    </a:lnTo>
+                    <a:lnTo>
+                      <a:pt x="70372" y="37072"/>
+                    </a:lnTo>
+                    <a:lnTo>
+                      <a:pt x="70372" y="24813"/>
+                    </a:lnTo>
+                    <a:cubicBezTo>
+                      <a:pt x="70372" y="11109"/>
+                      <a:pt x="81482" y="0"/>
+                      <a:pt x="95186" y="0"/>
+                    </a:cubicBezTo>
+                    <a:close/>
+                  </a:path>
+                </a:pathLst>
+              </a:custGeom>
+              <a:solidFill>
+                <a:schemeClr val="lt1"/>
+              </a:solidFill>
+              <a:ln>
+                <a:noFill/>
+              </a:ln>
+            </p:spPr>
+            <p:txBody>
+              <a:bodyPr lIns="91425" tIns="45700" rIns="91425" bIns="45700" anchor="ctr" anchorCtr="0">
+                <a:noAutofit/>
+              </a:bodyPr>
+              <a:lstStyle/>
+              <a:p>
+                <a:pPr marL="0" marR="0" lvl="0" indent="0" algn="ctr" rtl="0">
+                  <a:lnSpc>
+                    <a:spcPct val="80000"/>
+                  </a:lnSpc>
+                  <a:spcBef>
+                    <a:spcPts val="0"/>
+                  </a:spcBef>
+                  <a:spcAft>
+                    <a:spcPts val="0"/>
+                  </a:spcAft>
+                  <a:buClr>
+                    <a:srgbClr val="000000"/>
+                  </a:buClr>
+                  <a:buFont typeface="Arial"/>
+                  <a:buNone/>
+                </a:pPr>
+                <a:endParaRPr sz="300" b="0" i="0" u="none" strike="noStrike" cap="none">
+                  <a:solidFill>
+                    <a:schemeClr val="lt1"/>
+                  </a:solidFill>
+                  <a:latin typeface="Arial"/>
+                  <a:ea typeface="Arial"/>
+                  <a:cs typeface="Arial"/>
+                  <a:sym typeface="Arial"/>
+                </a:endParaRPr>
+              </a:p>
+            </p:txBody>
+          </p:sp>
+        </p:grpSp>
+        <p:sp>
+          <p:nvSpPr>
+            <p:cNvPr id="1221" name="Shape 1221"/>
+            <p:cNvSpPr txBox="1"/>
+            <p:nvPr/>
+          </p:nvSpPr>
+          <p:spPr>
+            <a:xfrm>
+              <a:off x="6791536" y="1803399"/>
+              <a:ext cx="905575" cy="276899"/>
+            </a:xfrm>
+            <a:prstGeom prst="rect">
+              <a:avLst/>
+            </a:prstGeom>
+            <a:noFill/>
+            <a:ln>
+              <a:noFill/>
+            </a:ln>
+          </p:spPr>
+          <p:txBody>
+            <a:bodyPr lIns="91425" tIns="45700" rIns="91425" bIns="45700" anchor="t" anchorCtr="0">
+              <a:noAutofit/>
+            </a:bodyPr>
+            <a:lstStyle/>
+            <a:p>
+              <a:pPr marL="0" marR="0" lvl="0" indent="0" algn="ctr" rtl="0">
+                <a:lnSpc>
+                  <a:spcPct val="100000"/>
+                </a:lnSpc>
+                <a:spcBef>
+                  <a:spcPts val="0"/>
+                </a:spcBef>
+                <a:spcAft>
+                  <a:spcPts val="0"/>
+                </a:spcAft>
+                <a:buClr>
+                  <a:schemeClr val="dk1"/>
+                </a:buClr>
+                <a:buSzPct val="25000"/>
+                <a:buFont typeface="Arial"/>
+                <a:buNone/>
+              </a:pPr>
+              <a:r>
+                <a:rPr lang="en-US" sz="1200" b="1" i="0" u="none" strike="noStrike" cap="none" dirty="0">
+                  <a:solidFill>
+                    <a:schemeClr val="dk1"/>
+                  </a:solidFill>
+                  <a:latin typeface="Arial"/>
+                  <a:ea typeface="Arial"/>
+                  <a:cs typeface="Arial"/>
+                  <a:sym typeface="Arial"/>
+                </a:rPr>
+                <a:t>Service</a:t>
+              </a:r>
+            </a:p>
+          </p:txBody>
+        </p:sp>
+        <p:sp>
+          <p:nvSpPr>
+            <p:cNvPr id="1222" name="Shape 1222"/>
+            <p:cNvSpPr/>
+            <p:nvPr/>
+          </p:nvSpPr>
+          <p:spPr>
+            <a:xfrm>
+              <a:off x="7807128" y="1574578"/>
+              <a:ext cx="159900" cy="152700"/>
+            </a:xfrm>
+            <a:custGeom>
+              <a:avLst/>
+              <a:gdLst/>
+              <a:ahLst/>
+              <a:cxnLst/>
+              <a:rect l="0" t="0" r="0" b="0"/>
+              <a:pathLst>
+                <a:path w="120000" h="120000" extrusionOk="0">
+                  <a:moveTo>
+                    <a:pt x="0" y="67932"/>
+                  </a:moveTo>
+                  <a:cubicBezTo>
+                    <a:pt x="0" y="77010"/>
+                    <a:pt x="26863" y="84369"/>
+                    <a:pt x="60000" y="84369"/>
+                  </a:cubicBezTo>
+                  <a:cubicBezTo>
+                    <a:pt x="93137" y="84369"/>
+                    <a:pt x="120000" y="77010"/>
+                    <a:pt x="120000" y="67932"/>
+                  </a:cubicBezTo>
+                  <a:lnTo>
+                    <a:pt x="120000" y="103563"/>
+                  </a:lnTo>
+                  <a:lnTo>
+                    <a:pt x="120000" y="103665"/>
+                  </a:lnTo>
+                  <a:lnTo>
+                    <a:pt x="119962" y="103665"/>
+                  </a:lnTo>
+                  <a:cubicBezTo>
+                    <a:pt x="119797" y="112696"/>
+                    <a:pt x="93011" y="120000"/>
+                    <a:pt x="60000" y="120000"/>
+                  </a:cubicBezTo>
+                  <a:cubicBezTo>
+                    <a:pt x="26988" y="120000"/>
+                    <a:pt x="203" y="112696"/>
+                    <a:pt x="37" y="103665"/>
+                  </a:cubicBezTo>
+                  <a:lnTo>
+                    <a:pt x="0" y="103665"/>
+                  </a:lnTo>
+                  <a:lnTo>
+                    <a:pt x="0" y="103563"/>
+                  </a:lnTo>
+                  <a:close/>
+                  <a:moveTo>
+                    <a:pt x="0" y="22813"/>
+                  </a:moveTo>
+                  <a:cubicBezTo>
+                    <a:pt x="0" y="31890"/>
+                    <a:pt x="26863" y="39249"/>
+                    <a:pt x="60000" y="39249"/>
+                  </a:cubicBezTo>
+                  <a:cubicBezTo>
+                    <a:pt x="93137" y="39249"/>
+                    <a:pt x="120000" y="31890"/>
+                    <a:pt x="120000" y="22813"/>
+                  </a:cubicBezTo>
+                  <a:lnTo>
+                    <a:pt x="120000" y="58444"/>
+                  </a:lnTo>
+                  <a:lnTo>
+                    <a:pt x="120000" y="58546"/>
+                  </a:lnTo>
+                  <a:lnTo>
+                    <a:pt x="119962" y="58546"/>
+                  </a:lnTo>
+                  <a:cubicBezTo>
+                    <a:pt x="119797" y="67577"/>
+                    <a:pt x="93011" y="74880"/>
+                    <a:pt x="60000" y="74880"/>
+                  </a:cubicBezTo>
+                  <a:cubicBezTo>
+                    <a:pt x="26988" y="74880"/>
+                    <a:pt x="203" y="67577"/>
+                    <a:pt x="37" y="58546"/>
+                  </a:cubicBezTo>
+                  <a:lnTo>
+                    <a:pt x="0" y="58546"/>
+                  </a:lnTo>
+                  <a:lnTo>
+                    <a:pt x="0" y="58444"/>
+                  </a:lnTo>
+                  <a:close/>
+                  <a:moveTo>
+                    <a:pt x="59999" y="0"/>
+                  </a:moveTo>
+                  <a:cubicBezTo>
+                    <a:pt x="91314" y="0"/>
+                    <a:pt x="116699" y="6954"/>
+                    <a:pt x="116699" y="15532"/>
+                  </a:cubicBezTo>
+                  <a:cubicBezTo>
+                    <a:pt x="116699" y="24110"/>
+                    <a:pt x="91314" y="31064"/>
+                    <a:pt x="59999" y="31064"/>
+                  </a:cubicBezTo>
+                  <a:cubicBezTo>
+                    <a:pt x="28685" y="31064"/>
+                    <a:pt x="3300" y="24110"/>
+                    <a:pt x="3300" y="15532"/>
+                  </a:cubicBezTo>
+                  <a:cubicBezTo>
+                    <a:pt x="3300" y="6954"/>
+                    <a:pt x="28685" y="0"/>
+                    <a:pt x="59999" y="0"/>
+                  </a:cubicBezTo>
+                  <a:close/>
+                </a:path>
+              </a:pathLst>
+            </a:custGeom>
+            <a:solidFill>
+              <a:schemeClr val="lt1"/>
+            </a:solidFill>
+            <a:ln>
+              <a:noFill/>
+            </a:ln>
+          </p:spPr>
+          <p:txBody>
+            <a:bodyPr lIns="91425" tIns="45700" rIns="91425" bIns="45700" anchor="ctr" anchorCtr="0">
+              <a:noAutofit/>
+            </a:bodyPr>
+            <a:lstStyle/>
+            <a:p>
+              <a:pPr marL="0" marR="0" lvl="0" indent="0" algn="ctr" rtl="0">
+                <a:lnSpc>
+                  <a:spcPct val="80000"/>
+                </a:lnSpc>
+                <a:spcBef>
+                  <a:spcPts val="0"/>
+                </a:spcBef>
+                <a:spcAft>
+                  <a:spcPts val="0"/>
+                </a:spcAft>
+                <a:buClr>
+                  <a:srgbClr val="000000"/>
+                </a:buClr>
+                <a:buFont typeface="Arial"/>
+                <a:buNone/>
+              </a:pPr>
+              <a:endParaRPr sz="450" b="0" i="0" u="none" strike="noStrike" cap="none">
+                <a:solidFill>
+                  <a:schemeClr val="lt1"/>
+                </a:solidFill>
+                <a:latin typeface="Arial"/>
+                <a:ea typeface="Arial"/>
+                <a:cs typeface="Arial"/>
+                <a:sym typeface="Arial"/>
+              </a:endParaRPr>
+            </a:p>
+          </p:txBody>
+        </p:sp>
+      </p:grpSp>
+      <p:sp>
+        <p:nvSpPr>
+          <p:cNvPr id="1223" name="Shape 1223"/>
+          <p:cNvSpPr/>
+          <p:nvPr/>
+        </p:nvSpPr>
+        <p:spPr>
+          <a:xfrm>
+            <a:off x="470830" y="2492110"/>
+            <a:ext cx="3839999" cy="1240199"/>
+          </a:xfrm>
+          <a:prstGeom prst="rect">
+            <a:avLst/>
+          </a:prstGeom>
+          <a:noFill/>
+          <a:ln w="12700" cap="flat" cmpd="sng">
+            <a:solidFill>
+              <a:schemeClr val="dk2"/>
+            </a:solidFill>
+            <a:prstDash val="dash"/>
+            <a:round/>
+            <a:headEnd type="none" w="med" len="med"/>
+            <a:tailEnd type="none" w="med" len="med"/>
+          </a:ln>
+        </p:spPr>
+        <p:txBody>
+          <a:bodyPr lIns="91425" tIns="45700" rIns="91425" bIns="45700" anchor="ctr" anchorCtr="0">
+            <a:noAutofit/>
+          </a:bodyPr>
+          <a:lstStyle/>
+          <a:p>
+            <a:pPr marL="0" marR="0" lvl="0" indent="0" algn="ctr" rtl="0">
+              <a:lnSpc>
+                <a:spcPct val="100000"/>
+              </a:lnSpc>
+              <a:spcBef>
+                <a:spcPts val="0"/>
+              </a:spcBef>
+              <a:spcAft>
+                <a:spcPts val="0"/>
+              </a:spcAft>
+              <a:buClr>
+                <a:srgbClr val="000000"/>
+              </a:buClr>
+              <a:buFont typeface="Arial"/>
+              <a:buNone/>
+            </a:pPr>
+            <a:endParaRPr sz="1400" b="0" i="0" u="none" strike="noStrike" cap="none">
+              <a:solidFill>
+                <a:schemeClr val="lt1"/>
+              </a:solidFill>
+              <a:latin typeface="Arial"/>
+              <a:ea typeface="Arial"/>
+              <a:cs typeface="Arial"/>
+              <a:sym typeface="Arial"/>
+            </a:endParaRPr>
+          </a:p>
+        </p:txBody>
+      </p:sp>
+      <p:cxnSp>
+        <p:nvCxnSpPr>
+          <p:cNvPr id="1224" name="Shape 1224"/>
+          <p:cNvCxnSpPr>
+            <a:stCxn id="1175" idx="2"/>
+            <a:endCxn id="1223" idx="0"/>
+          </p:cNvCxnSpPr>
+          <p:nvPr/>
+        </p:nvCxnSpPr>
+        <p:spPr>
+          <a:xfrm flipH="1">
+            <a:off x="2390830" y="1878538"/>
+            <a:ext cx="7824" cy="613572"/>
+          </a:xfrm>
+          <a:prstGeom prst="straightConnector1">
+            <a:avLst/>
+          </a:prstGeom>
+          <a:noFill/>
+          <a:ln w="19050" cap="flat" cmpd="sng">
+            <a:solidFill>
+              <a:schemeClr val="dk2"/>
+            </a:solidFill>
+            <a:prstDash val="solid"/>
+            <a:round/>
+            <a:headEnd type="none" w="med" len="med"/>
+            <a:tailEnd type="stealth" w="lg" len="lg"/>
+          </a:ln>
+        </p:spPr>
+      </p:cxnSp>
+      <p:cxnSp>
+        <p:nvCxnSpPr>
+          <p:cNvPr id="1225" name="Shape 1225"/>
+          <p:cNvCxnSpPr>
+            <a:stCxn id="1175" idx="3"/>
+          </p:cNvCxnSpPr>
+          <p:nvPr/>
+        </p:nvCxnSpPr>
+        <p:spPr>
+          <a:xfrm flipV="1">
+            <a:off x="4221342" y="1427470"/>
+            <a:ext cx="1029670" cy="2269"/>
+          </a:xfrm>
+          <a:prstGeom prst="straightConnector1">
+            <a:avLst/>
+          </a:prstGeom>
+          <a:noFill/>
+          <a:ln w="19050" cap="flat" cmpd="sng">
+            <a:solidFill>
+              <a:schemeClr val="dk2"/>
+            </a:solidFill>
+            <a:prstDash val="solid"/>
+            <a:round/>
+            <a:headEnd type="none" w="med" len="med"/>
+            <a:tailEnd type="stealth" w="lg" len="lg"/>
+          </a:ln>
+        </p:spPr>
+      </p:cxnSp>
+      <p:sp>
+        <p:nvSpPr>
+          <p:cNvPr id="54" name="Shape 1208"/>
+          <p:cNvSpPr/>
+          <p:nvPr/>
+        </p:nvSpPr>
+        <p:spPr>
+          <a:xfrm>
+            <a:off x="5332711" y="3884238"/>
+            <a:ext cx="1648235" cy="620739"/>
+          </a:xfrm>
+          <a:prstGeom prst="rect">
+            <a:avLst/>
+          </a:prstGeom>
+          <a:solidFill>
+            <a:schemeClr val="lt1"/>
+          </a:solidFill>
+          <a:ln w="9525" cap="flat" cmpd="sng">
+            <a:solidFill>
+              <a:schemeClr val="dk1"/>
+            </a:solidFill>
+            <a:prstDash val="solid"/>
+            <a:round/>
+            <a:headEnd type="none" w="med" len="med"/>
+            <a:tailEnd type="none" w="med" len="med"/>
+          </a:ln>
+        </p:spPr>
+        <p:txBody>
+          <a:bodyPr lIns="91425" tIns="45700" rIns="91425" bIns="45700" anchor="ctr" anchorCtr="0">
+            <a:noAutofit/>
+          </a:bodyPr>
+          <a:lstStyle/>
+          <a:p>
+            <a:pPr marL="0" marR="0" lvl="0" indent="0" algn="ctr" rtl="0">
+              <a:lnSpc>
+                <a:spcPct val="100000"/>
+              </a:lnSpc>
+              <a:spcBef>
+                <a:spcPts val="0"/>
+              </a:spcBef>
+              <a:spcAft>
+                <a:spcPts val="0"/>
+              </a:spcAft>
+              <a:buClr>
+                <a:srgbClr val="000000"/>
+              </a:buClr>
+              <a:buFont typeface="Arial"/>
+              <a:buNone/>
+            </a:pPr>
+            <a:endParaRPr sz="1800" b="0" i="0" u="none" strike="noStrike" cap="none">
+              <a:solidFill>
+                <a:schemeClr val="dk1"/>
+              </a:solidFill>
+              <a:latin typeface="Arial"/>
+              <a:ea typeface="Arial"/>
+              <a:cs typeface="Arial"/>
+              <a:sym typeface="Arial"/>
+            </a:endParaRPr>
+          </a:p>
+        </p:txBody>
+      </p:sp>
+      <p:sp>
+        <p:nvSpPr>
+          <p:cNvPr id="58" name="Shape 1211"/>
+          <p:cNvSpPr/>
+          <p:nvPr/>
+        </p:nvSpPr>
+        <p:spPr>
+          <a:xfrm>
+            <a:off x="5417442" y="3962795"/>
+            <a:ext cx="1458403" cy="272100"/>
+          </a:xfrm>
+          <a:prstGeom prst="roundRect">
+            <a:avLst>
+              <a:gd name="adj" fmla="val 17740"/>
+            </a:avLst>
+          </a:prstGeom>
+          <a:solidFill>
+            <a:schemeClr val="accent5">
+              <a:lumMod val="75000"/>
+            </a:schemeClr>
+          </a:solidFill>
+          <a:ln>
+            <a:noFill/>
+          </a:ln>
+        </p:spPr>
+        <p:txBody>
+          <a:bodyPr lIns="91425" tIns="0" rIns="91425" bIns="0" anchor="ctr" anchorCtr="0">
+            <a:noAutofit/>
+          </a:bodyPr>
+          <a:lstStyle/>
+          <a:p>
+            <a:pPr marL="0" marR="0" lvl="0" indent="0" algn="l" rtl="0">
+              <a:lnSpc>
+                <a:spcPct val="100000"/>
+              </a:lnSpc>
+              <a:spcBef>
+                <a:spcPts val="0"/>
+              </a:spcBef>
+              <a:spcAft>
+                <a:spcPts val="0"/>
+              </a:spcAft>
+              <a:buClr>
+                <a:srgbClr val="F2F2F2"/>
+              </a:buClr>
+              <a:buSzPct val="25000"/>
+              <a:buFont typeface="Calibri"/>
+              <a:buNone/>
+            </a:pPr>
+            <a:r>
+              <a:rPr lang="en-US" sz="1200" b="0" i="0" u="none" strike="noStrike" cap="none" dirty="0">
+                <a:solidFill>
+                  <a:srgbClr val="F2F2F2"/>
+                </a:solidFill>
+                <a:latin typeface="Calibri"/>
+                <a:ea typeface="Calibri"/>
+                <a:cs typeface="Calibri"/>
+                <a:sym typeface="Calibri"/>
+              </a:rPr>
+              <a:t>Service </a:t>
+            </a:r>
+            <a:r>
+              <a:rPr lang="en-US" sz="1200" b="0" i="0" u="none" strike="noStrike" cap="none" dirty="0" smtClean="0">
+                <a:solidFill>
+                  <a:srgbClr val="F2F2F2"/>
+                </a:solidFill>
+                <a:latin typeface="Calibri"/>
+                <a:ea typeface="Calibri"/>
+                <a:cs typeface="Calibri"/>
+                <a:sym typeface="Calibri"/>
+              </a:rPr>
+              <a:t>Broker*</a:t>
+            </a:r>
+            <a:endParaRPr lang="en-US" sz="1200" b="0" i="0" u="none" strike="noStrike" cap="none" dirty="0">
+              <a:solidFill>
+                <a:srgbClr val="F2F2F2"/>
+              </a:solidFill>
+              <a:latin typeface="Calibri"/>
+              <a:ea typeface="Calibri"/>
+              <a:cs typeface="Calibri"/>
+              <a:sym typeface="Calibri"/>
+            </a:endParaRPr>
+          </a:p>
+        </p:txBody>
+      </p:sp>
+      <p:sp>
+        <p:nvSpPr>
+          <p:cNvPr id="60" name="Shape 1213"/>
+          <p:cNvSpPr/>
+          <p:nvPr/>
+        </p:nvSpPr>
+        <p:spPr>
+          <a:xfrm>
+            <a:off x="6618966" y="3999333"/>
+            <a:ext cx="194099" cy="194099"/>
+          </a:xfrm>
+          <a:custGeom>
+            <a:avLst/>
+            <a:gdLst/>
+            <a:ahLst/>
+            <a:cxnLst/>
+            <a:rect l="0" t="0" r="0" b="0"/>
+            <a:pathLst>
+              <a:path w="120000" h="120000" extrusionOk="0">
+                <a:moveTo>
+                  <a:pt x="25661" y="84323"/>
+                </a:moveTo>
+                <a:cubicBezTo>
+                  <a:pt x="19756" y="84323"/>
+                  <a:pt x="14969" y="89110"/>
+                  <a:pt x="14969" y="95015"/>
+                </a:cubicBezTo>
+                <a:lnTo>
+                  <a:pt x="14969" y="95015"/>
+                </a:lnTo>
+                <a:cubicBezTo>
+                  <a:pt x="14969" y="100920"/>
+                  <a:pt x="19756" y="105708"/>
+                  <a:pt x="25661" y="105708"/>
+                </a:cubicBezTo>
+                <a:cubicBezTo>
+                  <a:pt x="31566" y="105708"/>
+                  <a:pt x="36354" y="100920"/>
+                  <a:pt x="36354" y="95015"/>
+                </a:cubicBezTo>
+                <a:lnTo>
+                  <a:pt x="36354" y="84323"/>
+                </a:lnTo>
+                <a:close/>
+                <a:moveTo>
+                  <a:pt x="84316" y="83607"/>
+                </a:moveTo>
+                <a:lnTo>
+                  <a:pt x="84316" y="94299"/>
+                </a:lnTo>
+                <a:cubicBezTo>
+                  <a:pt x="84316" y="100204"/>
+                  <a:pt x="89103" y="104992"/>
+                  <a:pt x="95008" y="104992"/>
+                </a:cubicBezTo>
+                <a:lnTo>
+                  <a:pt x="95008" y="104992"/>
+                </a:lnTo>
+                <a:cubicBezTo>
+                  <a:pt x="100914" y="104992"/>
+                  <a:pt x="105701" y="100204"/>
+                  <a:pt x="105701" y="94299"/>
+                </a:cubicBezTo>
+                <a:cubicBezTo>
+                  <a:pt x="105701" y="88394"/>
+                  <a:pt x="100914" y="83607"/>
+                  <a:pt x="95008" y="83607"/>
+                </a:cubicBezTo>
+                <a:close/>
+                <a:moveTo>
+                  <a:pt x="49735" y="49517"/>
+                </a:moveTo>
+                <a:lnTo>
+                  <a:pt x="49735" y="49645"/>
+                </a:lnTo>
+                <a:lnTo>
+                  <a:pt x="49627" y="49645"/>
+                </a:lnTo>
+                <a:lnTo>
+                  <a:pt x="49627" y="70372"/>
+                </a:lnTo>
+                <a:lnTo>
+                  <a:pt x="70366" y="70372"/>
+                </a:lnTo>
+                <a:lnTo>
+                  <a:pt x="70366" y="70334"/>
+                </a:lnTo>
+                <a:lnTo>
+                  <a:pt x="70481" y="70334"/>
+                </a:lnTo>
+                <a:lnTo>
+                  <a:pt x="70481" y="49627"/>
+                </a:lnTo>
+                <a:lnTo>
+                  <a:pt x="70372" y="49627"/>
+                </a:lnTo>
+                <a:lnTo>
+                  <a:pt x="70372" y="49517"/>
+                </a:lnTo>
+                <a:close/>
+                <a:moveTo>
+                  <a:pt x="25092" y="14987"/>
+                </a:moveTo>
+                <a:cubicBezTo>
+                  <a:pt x="19187" y="14987"/>
+                  <a:pt x="14400" y="19774"/>
+                  <a:pt x="14400" y="25680"/>
+                </a:cubicBezTo>
+                <a:cubicBezTo>
+                  <a:pt x="14400" y="31585"/>
+                  <a:pt x="19187" y="36372"/>
+                  <a:pt x="25092" y="36372"/>
+                </a:cubicBezTo>
+                <a:lnTo>
+                  <a:pt x="35784" y="36372"/>
+                </a:lnTo>
+                <a:lnTo>
+                  <a:pt x="35784" y="25680"/>
+                </a:lnTo>
+                <a:cubicBezTo>
+                  <a:pt x="35784" y="19774"/>
+                  <a:pt x="30997" y="14987"/>
+                  <a:pt x="25092" y="14987"/>
+                </a:cubicBezTo>
+                <a:close/>
+                <a:moveTo>
+                  <a:pt x="94338" y="14291"/>
+                </a:moveTo>
+                <a:cubicBezTo>
+                  <a:pt x="88433" y="14291"/>
+                  <a:pt x="83645" y="19079"/>
+                  <a:pt x="83645" y="24984"/>
+                </a:cubicBezTo>
+                <a:lnTo>
+                  <a:pt x="83645" y="35676"/>
+                </a:lnTo>
+                <a:lnTo>
+                  <a:pt x="94338" y="35676"/>
+                </a:lnTo>
+                <a:cubicBezTo>
+                  <a:pt x="100243" y="35676"/>
+                  <a:pt x="105030" y="30889"/>
+                  <a:pt x="105030" y="24984"/>
+                </a:cubicBezTo>
+                <a:lnTo>
+                  <a:pt x="105030" y="24984"/>
+                </a:lnTo>
+                <a:cubicBezTo>
+                  <a:pt x="105030" y="19079"/>
+                  <a:pt x="100243" y="14291"/>
+                  <a:pt x="94338" y="14291"/>
+                </a:cubicBezTo>
+                <a:close/>
+                <a:moveTo>
+                  <a:pt x="95186" y="0"/>
+                </a:moveTo>
+                <a:cubicBezTo>
+                  <a:pt x="108890" y="0"/>
+                  <a:pt x="120000" y="11109"/>
+                  <a:pt x="120000" y="24813"/>
+                </a:cubicBezTo>
+                <a:lnTo>
+                  <a:pt x="119999" y="24813"/>
+                </a:lnTo>
+                <a:cubicBezTo>
+                  <a:pt x="119999" y="38518"/>
+                  <a:pt x="108890" y="49627"/>
+                  <a:pt x="95186" y="49627"/>
+                </a:cubicBezTo>
+                <a:lnTo>
+                  <a:pt x="83655" y="49627"/>
+                </a:lnTo>
+                <a:lnTo>
+                  <a:pt x="83655" y="70334"/>
+                </a:lnTo>
+                <a:lnTo>
+                  <a:pt x="95179" y="70334"/>
+                </a:lnTo>
+                <a:cubicBezTo>
+                  <a:pt x="108883" y="70334"/>
+                  <a:pt x="119993" y="81443"/>
+                  <a:pt x="119993" y="95147"/>
+                </a:cubicBezTo>
+                <a:cubicBezTo>
+                  <a:pt x="119993" y="108852"/>
+                  <a:pt x="108883" y="119961"/>
+                  <a:pt x="95179" y="119961"/>
+                </a:cubicBezTo>
+                <a:lnTo>
+                  <a:pt x="95179" y="119961"/>
+                </a:lnTo>
+                <a:cubicBezTo>
+                  <a:pt x="81475" y="119961"/>
+                  <a:pt x="70366" y="108852"/>
+                  <a:pt x="70366" y="95147"/>
+                </a:cubicBezTo>
+                <a:lnTo>
+                  <a:pt x="70366" y="84331"/>
+                </a:lnTo>
+                <a:lnTo>
+                  <a:pt x="49627" y="84331"/>
+                </a:lnTo>
+                <a:lnTo>
+                  <a:pt x="49627" y="95186"/>
+                </a:lnTo>
+                <a:cubicBezTo>
+                  <a:pt x="49627" y="108890"/>
+                  <a:pt x="38517" y="120000"/>
+                  <a:pt x="24813" y="120000"/>
+                </a:cubicBezTo>
+                <a:cubicBezTo>
+                  <a:pt x="11109" y="120000"/>
+                  <a:pt x="0" y="108890"/>
+                  <a:pt x="0" y="95186"/>
+                </a:cubicBezTo>
+                <a:lnTo>
+                  <a:pt x="0" y="95186"/>
+                </a:lnTo>
+                <a:cubicBezTo>
+                  <a:pt x="0" y="81481"/>
+                  <a:pt x="11109" y="70372"/>
+                  <a:pt x="24813" y="70372"/>
+                </a:cubicBezTo>
+                <a:lnTo>
+                  <a:pt x="36396" y="70372"/>
+                </a:lnTo>
+                <a:lnTo>
+                  <a:pt x="36396" y="49645"/>
+                </a:lnTo>
+                <a:lnTo>
+                  <a:pt x="24921" y="49645"/>
+                </a:lnTo>
+                <a:cubicBezTo>
+                  <a:pt x="11217" y="49645"/>
+                  <a:pt x="108" y="38536"/>
+                  <a:pt x="108" y="24831"/>
+                </a:cubicBezTo>
+                <a:cubicBezTo>
+                  <a:pt x="108" y="11127"/>
+                  <a:pt x="11217" y="18"/>
+                  <a:pt x="24921" y="18"/>
+                </a:cubicBezTo>
+                <a:lnTo>
+                  <a:pt x="24921" y="18"/>
+                </a:lnTo>
+                <a:cubicBezTo>
+                  <a:pt x="38625" y="18"/>
+                  <a:pt x="49735" y="11127"/>
+                  <a:pt x="49735" y="24832"/>
+                </a:cubicBezTo>
+                <a:lnTo>
+                  <a:pt x="49735" y="37072"/>
+                </a:lnTo>
+                <a:lnTo>
+                  <a:pt x="70372" y="37072"/>
+                </a:lnTo>
+                <a:lnTo>
+                  <a:pt x="70372" y="24813"/>
+                </a:lnTo>
+                <a:cubicBezTo>
+                  <a:pt x="70372" y="11109"/>
+                  <a:pt x="81482" y="0"/>
+                  <a:pt x="95186" y="0"/>
+                </a:cubicBezTo>
+                <a:close/>
+              </a:path>
+            </a:pathLst>
+          </a:custGeom>
+          <a:solidFill>
+            <a:schemeClr val="lt1"/>
+          </a:solidFill>
+          <a:ln>
+            <a:noFill/>
+          </a:ln>
+        </p:spPr>
+        <p:txBody>
+          <a:bodyPr lIns="91425" tIns="45700" rIns="91425" bIns="45700" anchor="ctr" anchorCtr="0">
+            <a:noAutofit/>
+          </a:bodyPr>
+          <a:lstStyle/>
+          <a:p>
+            <a:pPr marL="0" marR="0" lvl="0" indent="0" algn="ctr" rtl="0">
+              <a:lnSpc>
+                <a:spcPct val="80000"/>
+              </a:lnSpc>
+              <a:spcBef>
+                <a:spcPts val="0"/>
+              </a:spcBef>
+              <a:spcAft>
+                <a:spcPts val="0"/>
+              </a:spcAft>
+              <a:buClr>
+                <a:srgbClr val="000000"/>
+              </a:buClr>
+              <a:buFont typeface="Arial"/>
+              <a:buNone/>
+            </a:pPr>
+            <a:endParaRPr sz="300" b="0" i="0" u="none" strike="noStrike" cap="none">
+              <a:solidFill>
+                <a:schemeClr val="lt1"/>
+              </a:solidFill>
+              <a:latin typeface="Arial"/>
+              <a:ea typeface="Arial"/>
+              <a:cs typeface="Arial"/>
+              <a:sym typeface="Arial"/>
+            </a:endParaRPr>
+          </a:p>
+        </p:txBody>
+      </p:sp>
+      <p:pic>
+        <p:nvPicPr>
+          <p:cNvPr id="61" name="Picture 60" descr="m348_oracle.png"/>
+          <p:cNvPicPr>
+            <a:picLocks noChangeAspect="1"/>
+          </p:cNvPicPr>
+          <p:nvPr/>
+        </p:nvPicPr>
+        <p:blipFill>
+          <a:blip r:embed="rId4">
+            <a:extLst>
+              <a:ext uri="{28A0092B-C50C-407E-A947-70E740481C1C}">
+                <a14:useLocalDpi xmlns:a14="http://schemas.microsoft.com/office/drawing/2010/main" val="0"/>
+              </a:ext>
+            </a:extLst>
+          </a:blip>
+          <a:stretch>
+            <a:fillRect/>
+          </a:stretch>
+        </p:blipFill>
+        <p:spPr>
+          <a:xfrm>
+            <a:off x="5561974" y="4236504"/>
+            <a:ext cx="1155390" cy="276079"/>
+          </a:xfrm>
+          <a:prstGeom prst="rect">
+            <a:avLst/>
+          </a:prstGeom>
+        </p:spPr>
+      </p:pic>
+      <p:pic>
+        <p:nvPicPr>
+          <p:cNvPr id="66" name="Picture 65" descr="m348_oracle.png"/>
+          <p:cNvPicPr>
+            <a:picLocks noChangeAspect="1"/>
+          </p:cNvPicPr>
+          <p:nvPr/>
+        </p:nvPicPr>
+        <p:blipFill>
+          <a:blip r:embed="rId4">
+            <a:extLst>
+              <a:ext uri="{28A0092B-C50C-407E-A947-70E740481C1C}">
+                <a14:useLocalDpi xmlns:a14="http://schemas.microsoft.com/office/drawing/2010/main" val="0"/>
+              </a:ext>
+            </a:extLst>
+          </a:blip>
+          <a:stretch>
+            <a:fillRect/>
+          </a:stretch>
+        </p:blipFill>
+        <p:spPr>
+          <a:xfrm>
+            <a:off x="7287722" y="3947366"/>
+            <a:ext cx="1155390" cy="276079"/>
+          </a:xfrm>
+          <a:prstGeom prst="rect">
+            <a:avLst/>
+          </a:prstGeom>
+        </p:spPr>
+      </p:pic>
+      <p:sp>
+        <p:nvSpPr>
+          <p:cNvPr id="4" name="TextBox 3"/>
+          <p:cNvSpPr txBox="1"/>
+          <p:nvPr/>
+        </p:nvSpPr>
+        <p:spPr>
+          <a:xfrm>
+            <a:off x="4228609" y="1211839"/>
+            <a:ext cx="961809" cy="400110"/>
+          </a:xfrm>
+          <a:prstGeom prst="rect">
+            <a:avLst/>
+          </a:prstGeom>
+          <a:noFill/>
+        </p:spPr>
+        <p:txBody>
+          <a:bodyPr wrap="none" rtlCol="0">
+            <a:spAutoFit/>
+          </a:bodyPr>
+          <a:lstStyle/>
+          <a:p>
+            <a:r>
+              <a:rPr lang="en-US" sz="1000" dirty="0" smtClean="0">
+                <a:solidFill>
+                  <a:schemeClr val="bg1"/>
+                </a:solidFill>
+              </a:rPr>
+              <a:t>Provision </a:t>
+            </a:r>
+          </a:p>
+          <a:p>
+            <a:r>
+              <a:rPr lang="en-US" sz="1000" dirty="0" smtClean="0">
+                <a:solidFill>
+                  <a:schemeClr val="bg1"/>
+                </a:solidFill>
+              </a:rPr>
+              <a:t>and Manages</a:t>
+            </a:r>
+            <a:endParaRPr lang="en-US" sz="1000" dirty="0">
+              <a:solidFill>
+                <a:schemeClr val="bg1"/>
+              </a:solidFill>
+            </a:endParaRPr>
+          </a:p>
+        </p:txBody>
+      </p:sp>
+      <p:sp>
+        <p:nvSpPr>
+          <p:cNvPr id="62" name="TextBox 61"/>
+          <p:cNvSpPr txBox="1"/>
+          <p:nvPr/>
+        </p:nvSpPr>
+        <p:spPr>
+          <a:xfrm>
+            <a:off x="2484410" y="1998267"/>
+            <a:ext cx="961809" cy="400110"/>
+          </a:xfrm>
+          <a:prstGeom prst="rect">
+            <a:avLst/>
+          </a:prstGeom>
+          <a:noFill/>
+        </p:spPr>
+        <p:txBody>
+          <a:bodyPr wrap="none" rtlCol="0">
+            <a:spAutoFit/>
+          </a:bodyPr>
+          <a:lstStyle/>
+          <a:p>
+            <a:r>
+              <a:rPr lang="en-US" sz="1000" dirty="0" smtClean="0">
+                <a:solidFill>
+                  <a:schemeClr val="bg1"/>
+                </a:solidFill>
+              </a:rPr>
+              <a:t>Provision </a:t>
+            </a:r>
+          </a:p>
+          <a:p>
+            <a:r>
+              <a:rPr lang="en-US" sz="1000" dirty="0" smtClean="0">
+                <a:solidFill>
+                  <a:schemeClr val="bg1"/>
+                </a:solidFill>
+              </a:rPr>
+              <a:t>and Manages</a:t>
+            </a:r>
+            <a:endParaRPr lang="en-US" sz="1000" dirty="0">
+              <a:solidFill>
+                <a:schemeClr val="bg1"/>
+              </a:solidFill>
+            </a:endParaRPr>
+          </a:p>
+        </p:txBody>
+      </p:sp>
+      <p:sp>
+        <p:nvSpPr>
+          <p:cNvPr id="63" name="TextBox 62"/>
+          <p:cNvSpPr txBox="1"/>
+          <p:nvPr/>
+        </p:nvSpPr>
+        <p:spPr>
+          <a:xfrm>
+            <a:off x="383477" y="4258756"/>
+            <a:ext cx="4465612" cy="246221"/>
+          </a:xfrm>
+          <a:prstGeom prst="rect">
+            <a:avLst/>
+          </a:prstGeom>
+          <a:noFill/>
+        </p:spPr>
+        <p:txBody>
+          <a:bodyPr wrap="square" rtlCol="0">
+            <a:spAutoFit/>
+          </a:bodyPr>
+          <a:lstStyle/>
+          <a:p>
+            <a:r>
+              <a:rPr lang="en-US" sz="1000" dirty="0" smtClean="0">
+                <a:solidFill>
+                  <a:schemeClr val="bg1"/>
+                </a:solidFill>
+              </a:rPr>
+              <a:t>* Service Brokers are registered with PCF ERS marketplace</a:t>
+            </a:r>
+            <a:endParaRPr lang="en-US" sz="1000" dirty="0">
+              <a:solidFill>
+                <a:schemeClr val="bg1"/>
+              </a:solidFill>
+            </a:endParaRPr>
+          </a:p>
+        </p:txBody>
+      </p:sp>
+    </p:spTree>
+    <p:extLst>
+      <p:ext uri="{BB962C8B-B14F-4D97-AF65-F5344CB8AC3E}">
+        <p14:creationId xmlns:p14="http://schemas.microsoft.com/office/powerpoint/2010/main" val="1060197656"/>
+      </p:ext>
+    </p:extLst>
+  </p:cSld>
+  <p:clrMapOvr>
+    <a:masterClrMapping/>
+  </p:clrMapOvr>
+  <p:transition xmlns:p14="http://schemas.microsoft.com/office/powerpoint/2010/main" spd="slow">
+    <p:cut/>
+  </p:transition>
 </p:sld>
 </file>
 
@@ -18001,11 +23634,7 @@
             </a:r>
             <a:r>
               <a:rPr lang="en-US" sz="1200" dirty="0" err="1" smtClean="0"/>
-              <a:t>green</a:t>
-            </a:r>
-            <a:r>
-              <a:rPr lang="en-US" sz="1200" dirty="0" err="1" smtClean="0"/>
-              <a:t>.cfapps.io</a:t>
+              <a:t>green.cfapps.io</a:t>
             </a:r>
             <a:endParaRPr lang="en-US" sz="1200" dirty="0"/>
           </a:p>

--- a/docs/app-content.pptx
+++ b/docs/app-content.pptx
@@ -9652,25 +9652,6 @@
               <a:cs typeface="Arial"/>
               <a:sym typeface="Arial"/>
             </a:endParaRPr>
-          </a:p>
-        </p:txBody>
-      </p:sp>
-      <p:sp>
-        <p:nvSpPr>
-          <p:cNvPr id="3" name="Text Placeholder 2"/>
-          <p:cNvSpPr>
-            <a:spLocks noGrp="1"/>
-          </p:cNvSpPr>
-          <p:nvPr>
-            <p:ph type="body" sz="quarter" idx="10"/>
-          </p:nvPr>
-        </p:nvSpPr>
-        <p:spPr/>
-        <p:txBody>
-          <a:bodyPr/>
-          <a:lstStyle/>
-          <a:p>
-            <a:endParaRPr lang="en-US"/>
           </a:p>
         </p:txBody>
       </p:sp>
@@ -10100,7 +10081,7 @@
           </a:solidFill>
           <a:ln w="9525" cap="flat" cmpd="sng">
             <a:solidFill>
-              <a:schemeClr val="dk1"/>
+              <a:schemeClr val="accent4"/>
             </a:solidFill>
             <a:prstDash val="solid"/>
             <a:round/>
@@ -14185,7 +14166,7 @@
           <a:noFill/>
           <a:ln w="12700" cap="flat" cmpd="sng">
             <a:solidFill>
-              <a:schemeClr val="dk2"/>
+              <a:schemeClr val="accent4"/>
             </a:solidFill>
             <a:prstDash val="dash"/>
             <a:round/>
@@ -14247,7 +14228,7 @@
           <a:noFill/>
           <a:ln w="19050" cap="flat" cmpd="sng">
             <a:solidFill>
-              <a:schemeClr val="dk2"/>
+              <a:schemeClr val="accent4"/>
             </a:solidFill>
             <a:prstDash val="solid"/>
             <a:round/>
@@ -14275,7 +14256,7 @@
           <a:noFill/>
           <a:ln w="19050" cap="flat" cmpd="sng">
             <a:solidFill>
-              <a:schemeClr val="dk2"/>
+              <a:schemeClr val="accent4"/>
             </a:solidFill>
             <a:prstDash val="solid"/>
             <a:round/>
@@ -14813,6 +14794,9 @@
             <a:avLst/>
           </a:prstGeom>
           <a:noFill/>
+          <a:ln>
+            <a:noFill/>
+          </a:ln>
         </p:spPr>
         <p:txBody>
           <a:bodyPr wrap="none" rtlCol="0">
@@ -14945,6 +14929,13 @@
   <p:transition xmlns:p14="http://schemas.microsoft.com/office/powerpoint/2010/main" spd="slow">
     <p:cut/>
   </p:transition>
+  <p:timing>
+    <p:tnLst>
+      <p:par>
+        <p:cTn xmlns:p14="http://schemas.microsoft.com/office/powerpoint/2010/main" id="1" dur="indefinite" restart="never" nodeType="tmRoot"/>
+      </p:par>
+    </p:tnLst>
+  </p:timing>
 </p:sld>
 </file>
 
